--- a/MCP2025/새 프레젠테이션 문서.pptx
+++ b/MCP2025/새 프레젠테이션 문서.pptx
@@ -6,6 +6,8 @@
   </p:sldMasterIdLst>
   <p:sldIdLst>
     <p:sldId id="256" r:id="rId2"/>
+    <p:sldId id="258" r:id="rId3"/>
+    <p:sldId id="257" r:id="rId4"/>
   </p:sldIdLst>
   <p:sldSz cx="12192000" cy="6858000"/>
   <p:notesSz cx="6858000" cy="9144000"/>
@@ -104,6 +106,11 @@
       </a:defRPr>
     </a:lvl9pPr>
   </p:defaultTextStyle>
+  <p:extLst>
+    <p:ext uri="{EFAFB233-063F-42B5-8137-9DF3F51BA10A}">
+      <p15:sldGuideLst xmlns:p15="http://schemas.microsoft.com/office/powerpoint/2012/main"/>
+    </p:ext>
+  </p:extLst>
 </p:presentation>
 </file>
 
@@ -254,7 +261,7 @@
           <a:p>
             <a:fld id="{2278C4D4-34BA-41F3-BA62-1B1F2BB85AFB}" type="datetimeFigureOut">
               <a:rPr lang="ko-KR" altLang="en-US" smtClean="0"/>
-              <a:t>2025-03-27</a:t>
+              <a:t>2025-04-07</a:t>
             </a:fld>
             <a:endParaRPr lang="ko-KR" altLang="en-US"/>
           </a:p>
@@ -452,7 +459,7 @@
           <a:p>
             <a:fld id="{2278C4D4-34BA-41F3-BA62-1B1F2BB85AFB}" type="datetimeFigureOut">
               <a:rPr lang="ko-KR" altLang="en-US" smtClean="0"/>
-              <a:t>2025-03-27</a:t>
+              <a:t>2025-04-07</a:t>
             </a:fld>
             <a:endParaRPr lang="ko-KR" altLang="en-US"/>
           </a:p>
@@ -660,7 +667,7 @@
           <a:p>
             <a:fld id="{2278C4D4-34BA-41F3-BA62-1B1F2BB85AFB}" type="datetimeFigureOut">
               <a:rPr lang="ko-KR" altLang="en-US" smtClean="0"/>
-              <a:t>2025-03-27</a:t>
+              <a:t>2025-04-07</a:t>
             </a:fld>
             <a:endParaRPr lang="ko-KR" altLang="en-US"/>
           </a:p>
@@ -858,7 +865,7 @@
           <a:p>
             <a:fld id="{2278C4D4-34BA-41F3-BA62-1B1F2BB85AFB}" type="datetimeFigureOut">
               <a:rPr lang="ko-KR" altLang="en-US" smtClean="0"/>
-              <a:t>2025-03-27</a:t>
+              <a:t>2025-04-07</a:t>
             </a:fld>
             <a:endParaRPr lang="ko-KR" altLang="en-US"/>
           </a:p>
@@ -1133,7 +1140,7 @@
           <a:p>
             <a:fld id="{2278C4D4-34BA-41F3-BA62-1B1F2BB85AFB}" type="datetimeFigureOut">
               <a:rPr lang="ko-KR" altLang="en-US" smtClean="0"/>
-              <a:t>2025-03-27</a:t>
+              <a:t>2025-04-07</a:t>
             </a:fld>
             <a:endParaRPr lang="ko-KR" altLang="en-US"/>
           </a:p>
@@ -1398,7 +1405,7 @@
           <a:p>
             <a:fld id="{2278C4D4-34BA-41F3-BA62-1B1F2BB85AFB}" type="datetimeFigureOut">
               <a:rPr lang="ko-KR" altLang="en-US" smtClean="0"/>
-              <a:t>2025-03-27</a:t>
+              <a:t>2025-04-07</a:t>
             </a:fld>
             <a:endParaRPr lang="ko-KR" altLang="en-US"/>
           </a:p>
@@ -1810,7 +1817,7 @@
           <a:p>
             <a:fld id="{2278C4D4-34BA-41F3-BA62-1B1F2BB85AFB}" type="datetimeFigureOut">
               <a:rPr lang="ko-KR" altLang="en-US" smtClean="0"/>
-              <a:t>2025-03-27</a:t>
+              <a:t>2025-04-07</a:t>
             </a:fld>
             <a:endParaRPr lang="ko-KR" altLang="en-US"/>
           </a:p>
@@ -1951,7 +1958,7 @@
           <a:p>
             <a:fld id="{2278C4D4-34BA-41F3-BA62-1B1F2BB85AFB}" type="datetimeFigureOut">
               <a:rPr lang="ko-KR" altLang="en-US" smtClean="0"/>
-              <a:t>2025-03-27</a:t>
+              <a:t>2025-04-07</a:t>
             </a:fld>
             <a:endParaRPr lang="ko-KR" altLang="en-US"/>
           </a:p>
@@ -2064,7 +2071,7 @@
           <a:p>
             <a:fld id="{2278C4D4-34BA-41F3-BA62-1B1F2BB85AFB}" type="datetimeFigureOut">
               <a:rPr lang="ko-KR" altLang="en-US" smtClean="0"/>
-              <a:t>2025-03-27</a:t>
+              <a:t>2025-04-07</a:t>
             </a:fld>
             <a:endParaRPr lang="ko-KR" altLang="en-US"/>
           </a:p>
@@ -2375,7 +2382,7 @@
           <a:p>
             <a:fld id="{2278C4D4-34BA-41F3-BA62-1B1F2BB85AFB}" type="datetimeFigureOut">
               <a:rPr lang="ko-KR" altLang="en-US" smtClean="0"/>
-              <a:t>2025-03-27</a:t>
+              <a:t>2025-04-07</a:t>
             </a:fld>
             <a:endParaRPr lang="ko-KR" altLang="en-US"/>
           </a:p>
@@ -2663,7 +2670,7 @@
           <a:p>
             <a:fld id="{2278C4D4-34BA-41F3-BA62-1B1F2BB85AFB}" type="datetimeFigureOut">
               <a:rPr lang="ko-KR" altLang="en-US" smtClean="0"/>
-              <a:t>2025-03-27</a:t>
+              <a:t>2025-04-07</a:t>
             </a:fld>
             <a:endParaRPr lang="ko-KR" altLang="en-US"/>
           </a:p>
@@ -2904,7 +2911,7 @@
           <a:p>
             <a:fld id="{2278C4D4-34BA-41F3-BA62-1B1F2BB85AFB}" type="datetimeFigureOut">
               <a:rPr lang="ko-KR" altLang="en-US" smtClean="0"/>
-              <a:t>2025-03-27</a:t>
+              <a:t>2025-04-07</a:t>
             </a:fld>
             <a:endParaRPr lang="ko-KR" altLang="en-US"/>
           </a:p>
@@ -4089,6 +4096,936 @@
     <p:extLst>
       <p:ext uri="{BB962C8B-B14F-4D97-AF65-F5344CB8AC3E}">
         <p14:creationId xmlns:p14="http://schemas.microsoft.com/office/powerpoint/2010/main" val="2830262244"/>
+      </p:ext>
+    </p:extLst>
+  </p:cSld>
+  <p:clrMapOvr>
+    <a:masterClrMapping/>
+  </p:clrMapOvr>
+</p:sld>
+</file>
+
+<file path=ppt/slides/slide2.xml><?xml version="1.0" encoding="utf-8"?>
+<p:sld xmlns:a="http://schemas.openxmlformats.org/drawingml/2006/main" xmlns:r="http://schemas.openxmlformats.org/officeDocument/2006/relationships" xmlns:p="http://schemas.openxmlformats.org/presentationml/2006/main">
+  <p:cSld>
+    <p:spTree>
+      <p:nvGrpSpPr>
+        <p:cNvPr id="1" name="">
+          <a:extLst>
+            <a:ext uri="{FF2B5EF4-FFF2-40B4-BE49-F238E27FC236}">
+              <a16:creationId xmlns:a16="http://schemas.microsoft.com/office/drawing/2014/main" id="{45DFA6DD-53EF-8D36-DDE7-A9011CDEC94C}"/>
+            </a:ext>
+          </a:extLst>
+        </p:cNvPr>
+        <p:cNvGrpSpPr/>
+        <p:nvPr/>
+      </p:nvGrpSpPr>
+      <p:grpSpPr>
+        <a:xfrm>
+          <a:off x="0" y="0"/>
+          <a:ext cx="0" cy="0"/>
+          <a:chOff x="0" y="0"/>
+          <a:chExt cx="0" cy="0"/>
+        </a:xfrm>
+      </p:grpSpPr>
+      <p:sp>
+        <p:nvSpPr>
+          <p:cNvPr id="4" name="TextBox 3">
+            <a:extLst>
+              <a:ext uri="{FF2B5EF4-FFF2-40B4-BE49-F238E27FC236}">
+                <a16:creationId xmlns:a16="http://schemas.microsoft.com/office/drawing/2014/main" id="{F004E28D-624B-C46D-FEE5-A9D645D6A233}"/>
+              </a:ext>
+            </a:extLst>
+          </p:cNvPr>
+          <p:cNvSpPr txBox="1"/>
+          <p:nvPr/>
+        </p:nvSpPr>
+        <p:spPr>
+          <a:xfrm flipH="1">
+            <a:off x="410092" y="6165272"/>
+            <a:ext cx="5685907" cy="369332"/>
+          </a:xfrm>
+          <a:prstGeom prst="rect">
+            <a:avLst/>
+          </a:prstGeom>
+          <a:noFill/>
+        </p:spPr>
+        <p:txBody>
+          <a:bodyPr wrap="square" rtlCol="0">
+            <a:spAutoFit/>
+          </a:bodyPr>
+          <a:lstStyle/>
+          <a:p>
+            <a:r>
+              <a:rPr lang="en-US" altLang="ko-KR" dirty="0"/>
+              <a:t>Intel i5-11400F / 6Core / </a:t>
+            </a:r>
+            <a:r>
+              <a:rPr lang="en-US" altLang="ko-KR" b="0" i="0" dirty="0">
+                <a:solidFill>
+                  <a:srgbClr val="262626"/>
+                </a:solidFill>
+                <a:effectLst/>
+                <a:latin typeface="Malgun Gothic" panose="020B0503020000020004" pitchFamily="50" charset="-127"/>
+                <a:ea typeface="Malgun Gothic" panose="020B0503020000020004" pitchFamily="50" charset="-127"/>
+              </a:rPr>
+              <a:t>2.60 GHz</a:t>
+            </a:r>
+            <a:endParaRPr lang="ko-KR" altLang="en-US" dirty="0"/>
+          </a:p>
+        </p:txBody>
+      </p:sp>
+      <p:graphicFrame>
+        <p:nvGraphicFramePr>
+          <p:cNvPr id="5" name="표 4">
+            <a:extLst>
+              <a:ext uri="{FF2B5EF4-FFF2-40B4-BE49-F238E27FC236}">
+                <a16:creationId xmlns:a16="http://schemas.microsoft.com/office/drawing/2014/main" id="{31C4158D-E822-F745-D336-CF952CA4AA3C}"/>
+              </a:ext>
+            </a:extLst>
+          </p:cNvPr>
+          <p:cNvGraphicFramePr>
+            <a:graphicFrameLocks noGrp="1"/>
+          </p:cNvGraphicFramePr>
+          <p:nvPr>
+            <p:extLst>
+              <p:ext uri="{D42A27DB-BD31-4B8C-83A1-F6EECF244321}">
+                <p14:modId xmlns:p14="http://schemas.microsoft.com/office/powerpoint/2010/main" val="2213352471"/>
+              </p:ext>
+            </p:extLst>
+          </p:nvPr>
+        </p:nvGraphicFramePr>
+        <p:xfrm>
+          <a:off x="410093" y="429492"/>
+          <a:ext cx="11255435" cy="3283530"/>
+        </p:xfrm>
+        <a:graphic>
+          <a:graphicData uri="http://schemas.openxmlformats.org/drawingml/2006/table">
+            <a:tbl>
+              <a:tblPr firstRow="1" bandRow="1">
+                <a:tableStyleId>{5940675A-B579-460E-94D1-54222C63F5DA}</a:tableStyleId>
+              </a:tblPr>
+              <a:tblGrid>
+                <a:gridCol w="2251087">
+                  <a:extLst>
+                    <a:ext uri="{9D8B030D-6E8A-4147-A177-3AD203B41FA5}">
+                      <a16:colId xmlns:a16="http://schemas.microsoft.com/office/drawing/2014/main" val="1319673312"/>
+                    </a:ext>
+                  </a:extLst>
+                </a:gridCol>
+                <a:gridCol w="2251087">
+                  <a:extLst>
+                    <a:ext uri="{9D8B030D-6E8A-4147-A177-3AD203B41FA5}">
+                      <a16:colId xmlns:a16="http://schemas.microsoft.com/office/drawing/2014/main" val="2871862873"/>
+                    </a:ext>
+                  </a:extLst>
+                </a:gridCol>
+                <a:gridCol w="2251087">
+                  <a:extLst>
+                    <a:ext uri="{9D8B030D-6E8A-4147-A177-3AD203B41FA5}">
+                      <a16:colId xmlns:a16="http://schemas.microsoft.com/office/drawing/2014/main" val="1071272062"/>
+                    </a:ext>
+                  </a:extLst>
+                </a:gridCol>
+                <a:gridCol w="2251087">
+                  <a:extLst>
+                    <a:ext uri="{9D8B030D-6E8A-4147-A177-3AD203B41FA5}">
+                      <a16:colId xmlns:a16="http://schemas.microsoft.com/office/drawing/2014/main" val="2338732851"/>
+                    </a:ext>
+                  </a:extLst>
+                </a:gridCol>
+                <a:gridCol w="2251087">
+                  <a:extLst>
+                    <a:ext uri="{9D8B030D-6E8A-4147-A177-3AD203B41FA5}">
+                      <a16:colId xmlns:a16="http://schemas.microsoft.com/office/drawing/2014/main" val="12880792"/>
+                    </a:ext>
+                  </a:extLst>
+                </a:gridCol>
+              </a:tblGrid>
+              <a:tr h="547255">
+                <a:tc>
+                  <a:txBody>
+                    <a:bodyPr/>
+                    <a:lstStyle/>
+                    <a:p>
+                      <a:pPr algn="ctr" latinLnBrk="1"/>
+                      <a:r>
+                        <a:rPr lang="en-US" altLang="ko-KR" dirty="0"/>
+                        <a:t>Single 1042</a:t>
+                      </a:r>
+                      <a:endParaRPr lang="ko-KR" altLang="en-US" dirty="0"/>
+                    </a:p>
+                  </a:txBody>
+                  <a:tcPr anchor="ctr"/>
+                </a:tc>
+                <a:tc>
+                  <a:txBody>
+                    <a:bodyPr/>
+                    <a:lstStyle/>
+                    <a:p>
+                      <a:pPr algn="ctr" latinLnBrk="1"/>
+                      <a:r>
+                        <a:rPr lang="ko-KR" altLang="en-US" dirty="0"/>
+                        <a:t>성긴</a:t>
+                      </a:r>
+                    </a:p>
+                  </a:txBody>
+                  <a:tcPr anchor="ctr"/>
+                </a:tc>
+                <a:tc>
+                  <a:txBody>
+                    <a:bodyPr/>
+                    <a:lstStyle/>
+                    <a:p>
+                      <a:pPr algn="ctr" latinLnBrk="1"/>
+                      <a:r>
+                        <a:rPr lang="ko-KR" altLang="en-US" dirty="0"/>
+                        <a:t>세밀</a:t>
+                      </a:r>
+                    </a:p>
+                  </a:txBody>
+                  <a:tcPr anchor="ctr"/>
+                </a:tc>
+                <a:tc>
+                  <a:txBody>
+                    <a:bodyPr/>
+                    <a:lstStyle/>
+                    <a:p>
+                      <a:pPr algn="ctr" latinLnBrk="1"/>
+                      <a:endParaRPr lang="ko-KR" altLang="en-US" dirty="0"/>
+                    </a:p>
+                  </a:txBody>
+                  <a:tcPr anchor="ctr"/>
+                </a:tc>
+                <a:tc>
+                  <a:txBody>
+                    <a:bodyPr/>
+                    <a:lstStyle/>
+                    <a:p>
+                      <a:pPr algn="ctr" latinLnBrk="1"/>
+                      <a:endParaRPr lang="ko-KR" altLang="en-US" dirty="0"/>
+                    </a:p>
+                  </a:txBody>
+                  <a:tcPr anchor="ctr"/>
+                </a:tc>
+                <a:extLst>
+                  <a:ext uri="{0D108BD9-81ED-4DB2-BD59-A6C34878D82A}">
+                    <a16:rowId xmlns:a16="http://schemas.microsoft.com/office/drawing/2014/main" val="179394230"/>
+                  </a:ext>
+                </a:extLst>
+              </a:tr>
+              <a:tr h="547255">
+                <a:tc>
+                  <a:txBody>
+                    <a:bodyPr/>
+                    <a:lstStyle/>
+                    <a:p>
+                      <a:pPr algn="ctr" latinLnBrk="1"/>
+                      <a:r>
+                        <a:rPr lang="en-US" altLang="ko-KR" dirty="0"/>
+                        <a:t>1</a:t>
+                      </a:r>
+                      <a:endParaRPr lang="ko-KR" altLang="en-US" dirty="0"/>
+                    </a:p>
+                  </a:txBody>
+                  <a:tcPr anchor="ctr"/>
+                </a:tc>
+                <a:tc>
+                  <a:txBody>
+                    <a:bodyPr/>
+                    <a:lstStyle/>
+                    <a:p>
+                      <a:pPr algn="ctr" latinLnBrk="1"/>
+                      <a:r>
+                        <a:rPr lang="en-US" altLang="ko-KR" dirty="0"/>
+                        <a:t>1108</a:t>
+                      </a:r>
+                      <a:endParaRPr lang="ko-KR" altLang="en-US" dirty="0"/>
+                    </a:p>
+                  </a:txBody>
+                  <a:tcPr anchor="ctr"/>
+                </a:tc>
+                <a:tc>
+                  <a:txBody>
+                    <a:bodyPr/>
+                    <a:lstStyle/>
+                    <a:p>
+                      <a:pPr marL="0" marR="0" lvl="0" indent="0" algn="ctr" defTabSz="914400" rtl="0" eaLnBrk="1" fontAlgn="auto" latinLnBrk="1" hangingPunct="1">
+                        <a:lnSpc>
+                          <a:spcPct val="100000"/>
+                        </a:lnSpc>
+                        <a:spcBef>
+                          <a:spcPts val="0"/>
+                        </a:spcBef>
+                        <a:spcAft>
+                          <a:spcPts val="0"/>
+                        </a:spcAft>
+                        <a:buClrTx/>
+                        <a:buSzTx/>
+                        <a:buFontTx/>
+                        <a:buNone/>
+                        <a:tabLst/>
+                        <a:defRPr/>
+                      </a:pPr>
+                      <a:r>
+                        <a:rPr lang="en-US" altLang="ko-KR" dirty="0"/>
+                        <a:t>18158</a:t>
+                      </a:r>
+                      <a:endParaRPr lang="ko-KR" altLang="en-US" dirty="0"/>
+                    </a:p>
+                  </a:txBody>
+                  <a:tcPr anchor="ctr"/>
+                </a:tc>
+                <a:tc>
+                  <a:txBody>
+                    <a:bodyPr/>
+                    <a:lstStyle/>
+                    <a:p>
+                      <a:pPr marL="0" marR="0" lvl="0" indent="0" algn="ctr" defTabSz="914400" rtl="0" eaLnBrk="1" fontAlgn="auto" latinLnBrk="1" hangingPunct="1">
+                        <a:lnSpc>
+                          <a:spcPct val="100000"/>
+                        </a:lnSpc>
+                        <a:spcBef>
+                          <a:spcPts val="0"/>
+                        </a:spcBef>
+                        <a:spcAft>
+                          <a:spcPts val="0"/>
+                        </a:spcAft>
+                        <a:buClrTx/>
+                        <a:buSzTx/>
+                        <a:buFontTx/>
+                        <a:buNone/>
+                        <a:tabLst/>
+                        <a:defRPr/>
+                      </a:pPr>
+                      <a:endParaRPr lang="ko-KR" altLang="en-US" dirty="0"/>
+                    </a:p>
+                  </a:txBody>
+                  <a:tcPr anchor="ctr"/>
+                </a:tc>
+                <a:tc>
+                  <a:txBody>
+                    <a:bodyPr/>
+                    <a:lstStyle/>
+                    <a:p>
+                      <a:pPr marL="0" marR="0" lvl="0" indent="0" algn="ctr" defTabSz="914400" rtl="0" eaLnBrk="1" fontAlgn="auto" latinLnBrk="1" hangingPunct="1">
+                        <a:lnSpc>
+                          <a:spcPct val="100000"/>
+                        </a:lnSpc>
+                        <a:spcBef>
+                          <a:spcPts val="0"/>
+                        </a:spcBef>
+                        <a:spcAft>
+                          <a:spcPts val="0"/>
+                        </a:spcAft>
+                        <a:buClrTx/>
+                        <a:buSzTx/>
+                        <a:buFontTx/>
+                        <a:buNone/>
+                        <a:tabLst/>
+                        <a:defRPr/>
+                      </a:pPr>
+                      <a:endParaRPr lang="ko-KR" altLang="en-US" dirty="0"/>
+                    </a:p>
+                  </a:txBody>
+                  <a:tcPr anchor="ctr"/>
+                </a:tc>
+                <a:extLst>
+                  <a:ext uri="{0D108BD9-81ED-4DB2-BD59-A6C34878D82A}">
+                    <a16:rowId xmlns:a16="http://schemas.microsoft.com/office/drawing/2014/main" val="1496120675"/>
+                  </a:ext>
+                </a:extLst>
+              </a:tr>
+              <a:tr h="547255">
+                <a:tc>
+                  <a:txBody>
+                    <a:bodyPr/>
+                    <a:lstStyle/>
+                    <a:p>
+                      <a:pPr algn="ctr" latinLnBrk="1"/>
+                      <a:r>
+                        <a:rPr lang="en-US" altLang="ko-KR" dirty="0"/>
+                        <a:t>2</a:t>
+                      </a:r>
+                      <a:endParaRPr lang="ko-KR" altLang="en-US" dirty="0"/>
+                    </a:p>
+                  </a:txBody>
+                  <a:tcPr anchor="ctr"/>
+                </a:tc>
+                <a:tc>
+                  <a:txBody>
+                    <a:bodyPr/>
+                    <a:lstStyle/>
+                    <a:p>
+                      <a:pPr marL="0" marR="0" lvl="0" indent="0" algn="ctr" defTabSz="914400" rtl="0" eaLnBrk="1" fontAlgn="auto" latinLnBrk="1" hangingPunct="1">
+                        <a:lnSpc>
+                          <a:spcPct val="100000"/>
+                        </a:lnSpc>
+                        <a:spcBef>
+                          <a:spcPts val="0"/>
+                        </a:spcBef>
+                        <a:spcAft>
+                          <a:spcPts val="0"/>
+                        </a:spcAft>
+                        <a:buClrTx/>
+                        <a:buSzTx/>
+                        <a:buFontTx/>
+                        <a:buNone/>
+                        <a:tabLst/>
+                        <a:defRPr/>
+                      </a:pPr>
+                      <a:r>
+                        <a:rPr lang="en-US" altLang="ko-KR" dirty="0"/>
+                        <a:t>1120</a:t>
+                      </a:r>
+                      <a:endParaRPr lang="ko-KR" altLang="en-US" dirty="0"/>
+                    </a:p>
+                  </a:txBody>
+                  <a:tcPr anchor="ctr"/>
+                </a:tc>
+                <a:tc>
+                  <a:txBody>
+                    <a:bodyPr/>
+                    <a:lstStyle/>
+                    <a:p>
+                      <a:pPr marL="0" marR="0" lvl="0" indent="0" algn="ctr" defTabSz="914400" rtl="0" eaLnBrk="1" fontAlgn="auto" latinLnBrk="1" hangingPunct="1">
+                        <a:lnSpc>
+                          <a:spcPct val="100000"/>
+                        </a:lnSpc>
+                        <a:spcBef>
+                          <a:spcPts val="0"/>
+                        </a:spcBef>
+                        <a:spcAft>
+                          <a:spcPts val="0"/>
+                        </a:spcAft>
+                        <a:buClrTx/>
+                        <a:buSzTx/>
+                        <a:buFontTx/>
+                        <a:buNone/>
+                        <a:tabLst/>
+                        <a:defRPr/>
+                      </a:pPr>
+                      <a:r>
+                        <a:rPr lang="en-US" altLang="ko-KR" dirty="0"/>
+                        <a:t>17464</a:t>
+                      </a:r>
+                      <a:endParaRPr lang="ko-KR" altLang="en-US" dirty="0"/>
+                    </a:p>
+                  </a:txBody>
+                  <a:tcPr anchor="ctr"/>
+                </a:tc>
+                <a:tc>
+                  <a:txBody>
+                    <a:bodyPr/>
+                    <a:lstStyle/>
+                    <a:p>
+                      <a:pPr marL="0" marR="0" lvl="0" indent="0" algn="ctr" defTabSz="914400" rtl="0" eaLnBrk="1" fontAlgn="auto" latinLnBrk="1" hangingPunct="1">
+                        <a:lnSpc>
+                          <a:spcPct val="100000"/>
+                        </a:lnSpc>
+                        <a:spcBef>
+                          <a:spcPts val="0"/>
+                        </a:spcBef>
+                        <a:spcAft>
+                          <a:spcPts val="0"/>
+                        </a:spcAft>
+                        <a:buClrTx/>
+                        <a:buSzTx/>
+                        <a:buFontTx/>
+                        <a:buNone/>
+                        <a:tabLst/>
+                        <a:defRPr/>
+                      </a:pPr>
+                      <a:endParaRPr lang="ko-KR" altLang="en-US" dirty="0"/>
+                    </a:p>
+                  </a:txBody>
+                  <a:tcPr anchor="ctr"/>
+                </a:tc>
+                <a:tc>
+                  <a:txBody>
+                    <a:bodyPr/>
+                    <a:lstStyle/>
+                    <a:p>
+                      <a:pPr marL="0" marR="0" lvl="0" indent="0" algn="ctr" defTabSz="914400" rtl="0" eaLnBrk="1" fontAlgn="auto" latinLnBrk="1" hangingPunct="1">
+                        <a:lnSpc>
+                          <a:spcPct val="100000"/>
+                        </a:lnSpc>
+                        <a:spcBef>
+                          <a:spcPts val="0"/>
+                        </a:spcBef>
+                        <a:spcAft>
+                          <a:spcPts val="0"/>
+                        </a:spcAft>
+                        <a:buClrTx/>
+                        <a:buSzTx/>
+                        <a:buFontTx/>
+                        <a:buNone/>
+                        <a:tabLst/>
+                        <a:defRPr/>
+                      </a:pPr>
+                      <a:endParaRPr lang="ko-KR" altLang="en-US" dirty="0"/>
+                    </a:p>
+                  </a:txBody>
+                  <a:tcPr anchor="ctr"/>
+                </a:tc>
+                <a:extLst>
+                  <a:ext uri="{0D108BD9-81ED-4DB2-BD59-A6C34878D82A}">
+                    <a16:rowId xmlns:a16="http://schemas.microsoft.com/office/drawing/2014/main" val="2893682346"/>
+                  </a:ext>
+                </a:extLst>
+              </a:tr>
+              <a:tr h="547255">
+                <a:tc>
+                  <a:txBody>
+                    <a:bodyPr/>
+                    <a:lstStyle/>
+                    <a:p>
+                      <a:pPr algn="ctr" latinLnBrk="1"/>
+                      <a:r>
+                        <a:rPr lang="en-US" altLang="ko-KR" dirty="0"/>
+                        <a:t>4</a:t>
+                      </a:r>
+                      <a:endParaRPr lang="ko-KR" altLang="en-US" dirty="0"/>
+                    </a:p>
+                  </a:txBody>
+                  <a:tcPr anchor="ctr"/>
+                </a:tc>
+                <a:tc>
+                  <a:txBody>
+                    <a:bodyPr/>
+                    <a:lstStyle/>
+                    <a:p>
+                      <a:pPr marL="0" marR="0" lvl="0" indent="0" algn="ctr" defTabSz="914400" rtl="0" eaLnBrk="1" fontAlgn="auto" latinLnBrk="1" hangingPunct="1">
+                        <a:lnSpc>
+                          <a:spcPct val="100000"/>
+                        </a:lnSpc>
+                        <a:spcBef>
+                          <a:spcPts val="0"/>
+                        </a:spcBef>
+                        <a:spcAft>
+                          <a:spcPts val="0"/>
+                        </a:spcAft>
+                        <a:buClrTx/>
+                        <a:buSzTx/>
+                        <a:buFontTx/>
+                        <a:buNone/>
+                        <a:tabLst/>
+                        <a:defRPr/>
+                      </a:pPr>
+                      <a:r>
+                        <a:rPr lang="en-US" altLang="ko-KR" dirty="0"/>
+                        <a:t>1144</a:t>
+                      </a:r>
+                      <a:endParaRPr lang="ko-KR" altLang="en-US" dirty="0"/>
+                    </a:p>
+                  </a:txBody>
+                  <a:tcPr anchor="ctr"/>
+                </a:tc>
+                <a:tc>
+                  <a:txBody>
+                    <a:bodyPr/>
+                    <a:lstStyle/>
+                    <a:p>
+                      <a:pPr marL="0" marR="0" lvl="0" indent="0" algn="ctr" defTabSz="914400" rtl="0" eaLnBrk="1" fontAlgn="auto" latinLnBrk="1" hangingPunct="1">
+                        <a:lnSpc>
+                          <a:spcPct val="100000"/>
+                        </a:lnSpc>
+                        <a:spcBef>
+                          <a:spcPts val="0"/>
+                        </a:spcBef>
+                        <a:spcAft>
+                          <a:spcPts val="0"/>
+                        </a:spcAft>
+                        <a:buClrTx/>
+                        <a:buSzTx/>
+                        <a:buFontTx/>
+                        <a:buNone/>
+                        <a:tabLst/>
+                        <a:defRPr/>
+                      </a:pPr>
+                      <a:r>
+                        <a:rPr lang="en-US" altLang="ko-KR" dirty="0"/>
+                        <a:t>12136</a:t>
+                      </a:r>
+                      <a:endParaRPr lang="ko-KR" altLang="en-US" dirty="0"/>
+                    </a:p>
+                  </a:txBody>
+                  <a:tcPr anchor="ctr"/>
+                </a:tc>
+                <a:tc>
+                  <a:txBody>
+                    <a:bodyPr/>
+                    <a:lstStyle/>
+                    <a:p>
+                      <a:pPr marL="0" marR="0" lvl="0" indent="0" algn="ctr" defTabSz="914400" rtl="0" eaLnBrk="1" fontAlgn="auto" latinLnBrk="1" hangingPunct="1">
+                        <a:lnSpc>
+                          <a:spcPct val="100000"/>
+                        </a:lnSpc>
+                        <a:spcBef>
+                          <a:spcPts val="0"/>
+                        </a:spcBef>
+                        <a:spcAft>
+                          <a:spcPts val="0"/>
+                        </a:spcAft>
+                        <a:buClrTx/>
+                        <a:buSzTx/>
+                        <a:buFontTx/>
+                        <a:buNone/>
+                        <a:tabLst/>
+                        <a:defRPr/>
+                      </a:pPr>
+                      <a:endParaRPr lang="ko-KR" altLang="en-US" dirty="0"/>
+                    </a:p>
+                  </a:txBody>
+                  <a:tcPr anchor="ctr"/>
+                </a:tc>
+                <a:tc>
+                  <a:txBody>
+                    <a:bodyPr/>
+                    <a:lstStyle/>
+                    <a:p>
+                      <a:pPr marL="0" marR="0" lvl="0" indent="0" algn="ctr" defTabSz="914400" rtl="0" eaLnBrk="1" fontAlgn="auto" latinLnBrk="1" hangingPunct="1">
+                        <a:lnSpc>
+                          <a:spcPct val="100000"/>
+                        </a:lnSpc>
+                        <a:spcBef>
+                          <a:spcPts val="0"/>
+                        </a:spcBef>
+                        <a:spcAft>
+                          <a:spcPts val="0"/>
+                        </a:spcAft>
+                        <a:buClrTx/>
+                        <a:buSzTx/>
+                        <a:buFontTx/>
+                        <a:buNone/>
+                        <a:tabLst/>
+                        <a:defRPr/>
+                      </a:pPr>
+                      <a:endParaRPr lang="ko-KR" altLang="en-US" dirty="0"/>
+                    </a:p>
+                  </a:txBody>
+                  <a:tcPr anchor="ctr"/>
+                </a:tc>
+                <a:extLst>
+                  <a:ext uri="{0D108BD9-81ED-4DB2-BD59-A6C34878D82A}">
+                    <a16:rowId xmlns:a16="http://schemas.microsoft.com/office/drawing/2014/main" val="1508387431"/>
+                  </a:ext>
+                </a:extLst>
+              </a:tr>
+              <a:tr h="547255">
+                <a:tc>
+                  <a:txBody>
+                    <a:bodyPr/>
+                    <a:lstStyle/>
+                    <a:p>
+                      <a:pPr algn="ctr" latinLnBrk="1"/>
+                      <a:r>
+                        <a:rPr lang="en-US" altLang="ko-KR" dirty="0"/>
+                        <a:t>8</a:t>
+                      </a:r>
+                      <a:endParaRPr lang="ko-KR" altLang="en-US" dirty="0"/>
+                    </a:p>
+                  </a:txBody>
+                  <a:tcPr anchor="ctr"/>
+                </a:tc>
+                <a:tc>
+                  <a:txBody>
+                    <a:bodyPr/>
+                    <a:lstStyle/>
+                    <a:p>
+                      <a:pPr marL="0" marR="0" lvl="0" indent="0" algn="ctr" defTabSz="914400" rtl="0" eaLnBrk="1" fontAlgn="auto" latinLnBrk="1" hangingPunct="1">
+                        <a:lnSpc>
+                          <a:spcPct val="100000"/>
+                        </a:lnSpc>
+                        <a:spcBef>
+                          <a:spcPts val="0"/>
+                        </a:spcBef>
+                        <a:spcAft>
+                          <a:spcPts val="0"/>
+                        </a:spcAft>
+                        <a:buClrTx/>
+                        <a:buSzTx/>
+                        <a:buFontTx/>
+                        <a:buNone/>
+                        <a:tabLst/>
+                        <a:defRPr/>
+                      </a:pPr>
+                      <a:r>
+                        <a:rPr lang="en-US" altLang="ko-KR" dirty="0"/>
+                        <a:t>2911</a:t>
+                      </a:r>
+                      <a:endParaRPr lang="ko-KR" altLang="en-US" dirty="0"/>
+                    </a:p>
+                  </a:txBody>
+                  <a:tcPr anchor="ctr"/>
+                </a:tc>
+                <a:tc>
+                  <a:txBody>
+                    <a:bodyPr/>
+                    <a:lstStyle/>
+                    <a:p>
+                      <a:pPr marL="0" marR="0" lvl="0" indent="0" algn="ctr" defTabSz="914400" rtl="0" eaLnBrk="1" fontAlgn="auto" latinLnBrk="1" hangingPunct="1">
+                        <a:lnSpc>
+                          <a:spcPct val="100000"/>
+                        </a:lnSpc>
+                        <a:spcBef>
+                          <a:spcPts val="0"/>
+                        </a:spcBef>
+                        <a:spcAft>
+                          <a:spcPts val="0"/>
+                        </a:spcAft>
+                        <a:buClrTx/>
+                        <a:buSzTx/>
+                        <a:buFontTx/>
+                        <a:buNone/>
+                        <a:tabLst/>
+                        <a:defRPr/>
+                      </a:pPr>
+                      <a:r>
+                        <a:rPr lang="en-US" altLang="ko-KR" dirty="0"/>
+                        <a:t>25182</a:t>
+                      </a:r>
+                      <a:endParaRPr lang="ko-KR" altLang="en-US" dirty="0"/>
+                    </a:p>
+                  </a:txBody>
+                  <a:tcPr anchor="ctr"/>
+                </a:tc>
+                <a:tc>
+                  <a:txBody>
+                    <a:bodyPr/>
+                    <a:lstStyle/>
+                    <a:p>
+                      <a:pPr marL="0" marR="0" lvl="0" indent="0" algn="ctr" defTabSz="914400" rtl="0" eaLnBrk="1" fontAlgn="auto" latinLnBrk="1" hangingPunct="1">
+                        <a:lnSpc>
+                          <a:spcPct val="100000"/>
+                        </a:lnSpc>
+                        <a:spcBef>
+                          <a:spcPts val="0"/>
+                        </a:spcBef>
+                        <a:spcAft>
+                          <a:spcPts val="0"/>
+                        </a:spcAft>
+                        <a:buClrTx/>
+                        <a:buSzTx/>
+                        <a:buFontTx/>
+                        <a:buNone/>
+                        <a:tabLst/>
+                        <a:defRPr/>
+                      </a:pPr>
+                      <a:endParaRPr lang="ko-KR" altLang="en-US" dirty="0"/>
+                    </a:p>
+                  </a:txBody>
+                  <a:tcPr anchor="ctr"/>
+                </a:tc>
+                <a:tc>
+                  <a:txBody>
+                    <a:bodyPr/>
+                    <a:lstStyle/>
+                    <a:p>
+                      <a:pPr marL="0" marR="0" lvl="0" indent="0" algn="ctr" defTabSz="914400" rtl="0" eaLnBrk="1" fontAlgn="auto" latinLnBrk="1" hangingPunct="1">
+                        <a:lnSpc>
+                          <a:spcPct val="100000"/>
+                        </a:lnSpc>
+                        <a:spcBef>
+                          <a:spcPts val="0"/>
+                        </a:spcBef>
+                        <a:spcAft>
+                          <a:spcPts val="0"/>
+                        </a:spcAft>
+                        <a:buClrTx/>
+                        <a:buSzTx/>
+                        <a:buFontTx/>
+                        <a:buNone/>
+                        <a:tabLst/>
+                        <a:defRPr/>
+                      </a:pPr>
+                      <a:endParaRPr lang="ko-KR" altLang="en-US" dirty="0"/>
+                    </a:p>
+                  </a:txBody>
+                  <a:tcPr anchor="ctr"/>
+                </a:tc>
+                <a:extLst>
+                  <a:ext uri="{0D108BD9-81ED-4DB2-BD59-A6C34878D82A}">
+                    <a16:rowId xmlns:a16="http://schemas.microsoft.com/office/drawing/2014/main" val="2529902944"/>
+                  </a:ext>
+                </a:extLst>
+              </a:tr>
+              <a:tr h="547255">
+                <a:tc>
+                  <a:txBody>
+                    <a:bodyPr/>
+                    <a:lstStyle/>
+                    <a:p>
+                      <a:pPr algn="ctr" latinLnBrk="1"/>
+                      <a:r>
+                        <a:rPr lang="en-US" altLang="ko-KR" dirty="0"/>
+                        <a:t>16</a:t>
+                      </a:r>
+                      <a:endParaRPr lang="ko-KR" altLang="en-US" dirty="0"/>
+                    </a:p>
+                  </a:txBody>
+                  <a:tcPr anchor="ctr"/>
+                </a:tc>
+                <a:tc>
+                  <a:txBody>
+                    <a:bodyPr/>
+                    <a:lstStyle/>
+                    <a:p>
+                      <a:pPr marL="0" marR="0" lvl="0" indent="0" algn="ctr" defTabSz="914400" rtl="0" eaLnBrk="1" fontAlgn="auto" latinLnBrk="1" hangingPunct="1">
+                        <a:lnSpc>
+                          <a:spcPct val="100000"/>
+                        </a:lnSpc>
+                        <a:spcBef>
+                          <a:spcPts val="0"/>
+                        </a:spcBef>
+                        <a:spcAft>
+                          <a:spcPts val="0"/>
+                        </a:spcAft>
+                        <a:buClrTx/>
+                        <a:buSzTx/>
+                        <a:buFontTx/>
+                        <a:buNone/>
+                        <a:tabLst/>
+                        <a:defRPr/>
+                      </a:pPr>
+                      <a:r>
+                        <a:rPr lang="en-US" altLang="ko-KR" dirty="0"/>
+                        <a:t>6305</a:t>
+                      </a:r>
+                      <a:endParaRPr lang="ko-KR" altLang="en-US" dirty="0"/>
+                    </a:p>
+                  </a:txBody>
+                  <a:tcPr anchor="ctr"/>
+                </a:tc>
+                <a:tc>
+                  <a:txBody>
+                    <a:bodyPr/>
+                    <a:lstStyle/>
+                    <a:p>
+                      <a:pPr marL="0" marR="0" lvl="0" indent="0" algn="ctr" defTabSz="914400" rtl="0" eaLnBrk="1" fontAlgn="auto" latinLnBrk="1" hangingPunct="1">
+                        <a:lnSpc>
+                          <a:spcPct val="100000"/>
+                        </a:lnSpc>
+                        <a:spcBef>
+                          <a:spcPts val="0"/>
+                        </a:spcBef>
+                        <a:spcAft>
+                          <a:spcPts val="0"/>
+                        </a:spcAft>
+                        <a:buClrTx/>
+                        <a:buSzTx/>
+                        <a:buFontTx/>
+                        <a:buNone/>
+                        <a:tabLst/>
+                        <a:defRPr/>
+                      </a:pPr>
+                      <a:r>
+                        <a:rPr lang="en-US" altLang="ko-KR" dirty="0"/>
+                        <a:t>30040</a:t>
+                      </a:r>
+                      <a:endParaRPr lang="ko-KR" altLang="en-US" dirty="0"/>
+                    </a:p>
+                  </a:txBody>
+                  <a:tcPr anchor="ctr"/>
+                </a:tc>
+                <a:tc>
+                  <a:txBody>
+                    <a:bodyPr/>
+                    <a:lstStyle/>
+                    <a:p>
+                      <a:pPr marL="0" marR="0" lvl="0" indent="0" algn="ctr" defTabSz="914400" rtl="0" eaLnBrk="1" fontAlgn="auto" latinLnBrk="1" hangingPunct="1">
+                        <a:lnSpc>
+                          <a:spcPct val="100000"/>
+                        </a:lnSpc>
+                        <a:spcBef>
+                          <a:spcPts val="0"/>
+                        </a:spcBef>
+                        <a:spcAft>
+                          <a:spcPts val="0"/>
+                        </a:spcAft>
+                        <a:buClrTx/>
+                        <a:buSzTx/>
+                        <a:buFontTx/>
+                        <a:buNone/>
+                        <a:tabLst/>
+                        <a:defRPr/>
+                      </a:pPr>
+                      <a:endParaRPr lang="ko-KR" altLang="en-US" dirty="0"/>
+                    </a:p>
+                  </a:txBody>
+                  <a:tcPr anchor="ctr"/>
+                </a:tc>
+                <a:tc>
+                  <a:txBody>
+                    <a:bodyPr/>
+                    <a:lstStyle/>
+                    <a:p>
+                      <a:pPr marL="0" marR="0" lvl="0" indent="0" algn="ctr" defTabSz="914400" rtl="0" eaLnBrk="1" fontAlgn="auto" latinLnBrk="1" hangingPunct="1">
+                        <a:lnSpc>
+                          <a:spcPct val="100000"/>
+                        </a:lnSpc>
+                        <a:spcBef>
+                          <a:spcPts val="0"/>
+                        </a:spcBef>
+                        <a:spcAft>
+                          <a:spcPts val="0"/>
+                        </a:spcAft>
+                        <a:buClrTx/>
+                        <a:buSzTx/>
+                        <a:buFontTx/>
+                        <a:buNone/>
+                        <a:tabLst/>
+                        <a:defRPr/>
+                      </a:pPr>
+                      <a:endParaRPr lang="ko-KR" altLang="en-US" dirty="0"/>
+                    </a:p>
+                  </a:txBody>
+                  <a:tcPr anchor="ctr"/>
+                </a:tc>
+                <a:extLst>
+                  <a:ext uri="{0D108BD9-81ED-4DB2-BD59-A6C34878D82A}">
+                    <a16:rowId xmlns:a16="http://schemas.microsoft.com/office/drawing/2014/main" val="2004643796"/>
+                  </a:ext>
+                </a:extLst>
+              </a:tr>
+            </a:tbl>
+          </a:graphicData>
+        </a:graphic>
+      </p:graphicFrame>
+    </p:spTree>
+    <p:extLst>
+      <p:ext uri="{BB962C8B-B14F-4D97-AF65-F5344CB8AC3E}">
+        <p14:creationId xmlns:p14="http://schemas.microsoft.com/office/powerpoint/2010/main" val="537455646"/>
+      </p:ext>
+    </p:extLst>
+  </p:cSld>
+  <p:clrMapOvr>
+    <a:masterClrMapping/>
+  </p:clrMapOvr>
+</p:sld>
+</file>
+
+<file path=ppt/slides/slide3.xml><?xml version="1.0" encoding="utf-8"?>
+<p:sld xmlns:a="http://schemas.openxmlformats.org/drawingml/2006/main" xmlns:r="http://schemas.openxmlformats.org/officeDocument/2006/relationships" xmlns:p="http://schemas.openxmlformats.org/presentationml/2006/main">
+  <p:cSld>
+    <p:spTree>
+      <p:nvGrpSpPr>
+        <p:cNvPr id="1" name=""/>
+        <p:cNvGrpSpPr/>
+        <p:nvPr/>
+      </p:nvGrpSpPr>
+      <p:grpSpPr>
+        <a:xfrm>
+          <a:off x="0" y="0"/>
+          <a:ext cx="0" cy="0"/>
+          <a:chOff x="0" y="0"/>
+          <a:chExt cx="0" cy="0"/>
+        </a:xfrm>
+      </p:grpSpPr>
+    </p:spTree>
+    <p:extLst>
+      <p:ext uri="{BB962C8B-B14F-4D97-AF65-F5344CB8AC3E}">
+        <p14:creationId xmlns:p14="http://schemas.microsoft.com/office/powerpoint/2010/main" val="4171828954"/>
       </p:ext>
     </p:extLst>
   </p:cSld>

--- a/MCP2025/새 프레젠테이션 문서.pptx
+++ b/MCP2025/새 프레젠테이션 문서.pptx
@@ -261,7 +261,7 @@
           <a:p>
             <a:fld id="{2278C4D4-34BA-41F3-BA62-1B1F2BB85AFB}" type="datetimeFigureOut">
               <a:rPr lang="ko-KR" altLang="en-US" smtClean="0"/>
-              <a:t>2025-04-07</a:t>
+              <a:t>2025-04-09</a:t>
             </a:fld>
             <a:endParaRPr lang="ko-KR" altLang="en-US"/>
           </a:p>
@@ -459,7 +459,7 @@
           <a:p>
             <a:fld id="{2278C4D4-34BA-41F3-BA62-1B1F2BB85AFB}" type="datetimeFigureOut">
               <a:rPr lang="ko-KR" altLang="en-US" smtClean="0"/>
-              <a:t>2025-04-07</a:t>
+              <a:t>2025-04-09</a:t>
             </a:fld>
             <a:endParaRPr lang="ko-KR" altLang="en-US"/>
           </a:p>
@@ -667,7 +667,7 @@
           <a:p>
             <a:fld id="{2278C4D4-34BA-41F3-BA62-1B1F2BB85AFB}" type="datetimeFigureOut">
               <a:rPr lang="ko-KR" altLang="en-US" smtClean="0"/>
-              <a:t>2025-04-07</a:t>
+              <a:t>2025-04-09</a:t>
             </a:fld>
             <a:endParaRPr lang="ko-KR" altLang="en-US"/>
           </a:p>
@@ -865,7 +865,7 @@
           <a:p>
             <a:fld id="{2278C4D4-34BA-41F3-BA62-1B1F2BB85AFB}" type="datetimeFigureOut">
               <a:rPr lang="ko-KR" altLang="en-US" smtClean="0"/>
-              <a:t>2025-04-07</a:t>
+              <a:t>2025-04-09</a:t>
             </a:fld>
             <a:endParaRPr lang="ko-KR" altLang="en-US"/>
           </a:p>
@@ -1140,7 +1140,7 @@
           <a:p>
             <a:fld id="{2278C4D4-34BA-41F3-BA62-1B1F2BB85AFB}" type="datetimeFigureOut">
               <a:rPr lang="ko-KR" altLang="en-US" smtClean="0"/>
-              <a:t>2025-04-07</a:t>
+              <a:t>2025-04-09</a:t>
             </a:fld>
             <a:endParaRPr lang="ko-KR" altLang="en-US"/>
           </a:p>
@@ -1405,7 +1405,7 @@
           <a:p>
             <a:fld id="{2278C4D4-34BA-41F3-BA62-1B1F2BB85AFB}" type="datetimeFigureOut">
               <a:rPr lang="ko-KR" altLang="en-US" smtClean="0"/>
-              <a:t>2025-04-07</a:t>
+              <a:t>2025-04-09</a:t>
             </a:fld>
             <a:endParaRPr lang="ko-KR" altLang="en-US"/>
           </a:p>
@@ -1817,7 +1817,7 @@
           <a:p>
             <a:fld id="{2278C4D4-34BA-41F3-BA62-1B1F2BB85AFB}" type="datetimeFigureOut">
               <a:rPr lang="ko-KR" altLang="en-US" smtClean="0"/>
-              <a:t>2025-04-07</a:t>
+              <a:t>2025-04-09</a:t>
             </a:fld>
             <a:endParaRPr lang="ko-KR" altLang="en-US"/>
           </a:p>
@@ -1958,7 +1958,7 @@
           <a:p>
             <a:fld id="{2278C4D4-34BA-41F3-BA62-1B1F2BB85AFB}" type="datetimeFigureOut">
               <a:rPr lang="ko-KR" altLang="en-US" smtClean="0"/>
-              <a:t>2025-04-07</a:t>
+              <a:t>2025-04-09</a:t>
             </a:fld>
             <a:endParaRPr lang="ko-KR" altLang="en-US"/>
           </a:p>
@@ -2071,7 +2071,7 @@
           <a:p>
             <a:fld id="{2278C4D4-34BA-41F3-BA62-1B1F2BB85AFB}" type="datetimeFigureOut">
               <a:rPr lang="ko-KR" altLang="en-US" smtClean="0"/>
-              <a:t>2025-04-07</a:t>
+              <a:t>2025-04-09</a:t>
             </a:fld>
             <a:endParaRPr lang="ko-KR" altLang="en-US"/>
           </a:p>
@@ -2382,7 +2382,7 @@
           <a:p>
             <a:fld id="{2278C4D4-34BA-41F3-BA62-1B1F2BB85AFB}" type="datetimeFigureOut">
               <a:rPr lang="ko-KR" altLang="en-US" smtClean="0"/>
-              <a:t>2025-04-07</a:t>
+              <a:t>2025-04-09</a:t>
             </a:fld>
             <a:endParaRPr lang="ko-KR" altLang="en-US"/>
           </a:p>
@@ -2670,7 +2670,7 @@
           <a:p>
             <a:fld id="{2278C4D4-34BA-41F3-BA62-1B1F2BB85AFB}" type="datetimeFigureOut">
               <a:rPr lang="ko-KR" altLang="en-US" smtClean="0"/>
-              <a:t>2025-04-07</a:t>
+              <a:t>2025-04-09</a:t>
             </a:fld>
             <a:endParaRPr lang="ko-KR" altLang="en-US"/>
           </a:p>
@@ -2911,7 +2911,7 @@
           <a:p>
             <a:fld id="{2278C4D4-34BA-41F3-BA62-1B1F2BB85AFB}" type="datetimeFigureOut">
               <a:rPr lang="ko-KR" altLang="en-US" smtClean="0"/>
-              <a:t>2025-04-07</a:t>
+              <a:t>2025-04-09</a:t>
             </a:fld>
             <a:endParaRPr lang="ko-KR" altLang="en-US"/>
           </a:p>
@@ -4190,7 +4190,7 @@
           <p:nvPr>
             <p:extLst>
               <p:ext uri="{D42A27DB-BD31-4B8C-83A1-F6EECF244321}">
-                <p14:modId xmlns:p14="http://schemas.microsoft.com/office/powerpoint/2010/main" val="2213352471"/>
+                <p14:modId xmlns:p14="http://schemas.microsoft.com/office/powerpoint/2010/main" val="194553663"/>
               </p:ext>
             </p:extLst>
           </p:nvPr>
@@ -4292,7 +4292,10 @@
                     <a:lstStyle/>
                     <a:p>
                       <a:pPr algn="ctr" latinLnBrk="1"/>
-                      <a:endParaRPr lang="ko-KR" altLang="en-US" dirty="0"/>
+                      <a:r>
+                        <a:rPr lang="ko-KR" altLang="en-US" dirty="0"/>
+                        <a:t>낙천</a:t>
+                      </a:r>
                     </a:p>
                   </a:txBody>
                   <a:tcPr anchor="ctr"/>
@@ -4303,7 +4306,10 @@
                     <a:lstStyle/>
                     <a:p>
                       <a:pPr algn="ctr" latinLnBrk="1"/>
-                      <a:endParaRPr lang="ko-KR" altLang="en-US" dirty="0"/>
+                      <a:r>
+                        <a:rPr lang="ko-KR" altLang="en-US" dirty="0"/>
+                        <a:t>게으른</a:t>
+                      </a:r>
                     </a:p>
                   </a:txBody>
                   <a:tcPr anchor="ctr"/>
@@ -4398,6 +4404,10 @@
                         <a:tabLst/>
                         <a:defRPr/>
                       </a:pPr>
+                      <a:r>
+                        <a:rPr lang="en-US" altLang="ko-KR" dirty="0"/>
+                        <a:t>3555</a:t>
+                      </a:r>
                       <a:endParaRPr lang="ko-KR" altLang="en-US" dirty="0"/>
                     </a:p>
                   </a:txBody>
@@ -4425,6 +4435,10 @@
                         <a:tabLst/>
                         <a:defRPr/>
                       </a:pPr>
+                      <a:r>
+                        <a:rPr lang="en-US" altLang="ko-KR" dirty="0"/>
+                        <a:t>1377</a:t>
+                      </a:r>
                       <a:endParaRPr lang="ko-KR" altLang="en-US" dirty="0"/>
                     </a:p>
                   </a:txBody>
@@ -4536,6 +4550,10 @@
                         <a:tabLst/>
                         <a:defRPr/>
                       </a:pPr>
+                      <a:r>
+                        <a:rPr lang="en-US" altLang="ko-KR" dirty="0"/>
+                        <a:t>3370</a:t>
+                      </a:r>
                       <a:endParaRPr lang="ko-KR" altLang="en-US" dirty="0"/>
                     </a:p>
                   </a:txBody>
@@ -4563,6 +4581,10 @@
                         <a:tabLst/>
                         <a:defRPr/>
                       </a:pPr>
+                      <a:r>
+                        <a:rPr lang="en-US" altLang="ko-KR" dirty="0"/>
+                        <a:t>906</a:t>
+                      </a:r>
                       <a:endParaRPr lang="ko-KR" altLang="en-US" dirty="0"/>
                     </a:p>
                   </a:txBody>
@@ -4674,6 +4696,10 @@
                         <a:tabLst/>
                         <a:defRPr/>
                       </a:pPr>
+                      <a:r>
+                        <a:rPr lang="en-US" altLang="ko-KR" dirty="0"/>
+                        <a:t>2149</a:t>
+                      </a:r>
                       <a:endParaRPr lang="ko-KR" altLang="en-US" dirty="0"/>
                     </a:p>
                   </a:txBody>
@@ -4701,6 +4727,10 @@
                         <a:tabLst/>
                         <a:defRPr/>
                       </a:pPr>
+                      <a:r>
+                        <a:rPr lang="en-US" altLang="ko-KR" dirty="0"/>
+                        <a:t>570</a:t>
+                      </a:r>
                       <a:endParaRPr lang="ko-KR" altLang="en-US" dirty="0"/>
                     </a:p>
                   </a:txBody>
@@ -4812,6 +4842,10 @@
                         <a:tabLst/>
                         <a:defRPr/>
                       </a:pPr>
+                      <a:r>
+                        <a:rPr lang="en-US" altLang="ko-KR" dirty="0"/>
+                        <a:t>1525</a:t>
+                      </a:r>
                       <a:endParaRPr lang="ko-KR" altLang="en-US" dirty="0"/>
                     </a:p>
                   </a:txBody>
@@ -4839,6 +4873,10 @@
                         <a:tabLst/>
                         <a:defRPr/>
                       </a:pPr>
+                      <a:r>
+                        <a:rPr lang="en-US" altLang="ko-KR" dirty="0"/>
+                        <a:t>390</a:t>
+                      </a:r>
                       <a:endParaRPr lang="ko-KR" altLang="en-US" dirty="0"/>
                     </a:p>
                   </a:txBody>
@@ -4950,6 +4988,10 @@
                         <a:tabLst/>
                         <a:defRPr/>
                       </a:pPr>
+                      <a:r>
+                        <a:rPr lang="en-US" altLang="ko-KR"/>
+                        <a:t>837</a:t>
+                      </a:r>
                       <a:endParaRPr lang="ko-KR" altLang="en-US" dirty="0"/>
                     </a:p>
                   </a:txBody>
@@ -4977,6 +5019,10 @@
                         <a:tabLst/>
                         <a:defRPr/>
                       </a:pPr>
+                      <a:r>
+                        <a:rPr lang="en-US" altLang="ko-KR" dirty="0"/>
+                        <a:t>315</a:t>
+                      </a:r>
                       <a:endParaRPr lang="ko-KR" altLang="en-US" dirty="0"/>
                     </a:p>
                   </a:txBody>

--- a/MCP2025/새 프레젠테이션 문서.pptx
+++ b/MCP2025/새 프레젠테이션 문서.pptx
@@ -261,7 +261,7 @@
           <a:p>
             <a:fld id="{2278C4D4-34BA-41F3-BA62-1B1F2BB85AFB}" type="datetimeFigureOut">
               <a:rPr lang="ko-KR" altLang="en-US" smtClean="0"/>
-              <a:t>2025-04-09</a:t>
+              <a:t>2025-04-15</a:t>
             </a:fld>
             <a:endParaRPr lang="ko-KR" altLang="en-US"/>
           </a:p>
@@ -459,7 +459,7 @@
           <a:p>
             <a:fld id="{2278C4D4-34BA-41F3-BA62-1B1F2BB85AFB}" type="datetimeFigureOut">
               <a:rPr lang="ko-KR" altLang="en-US" smtClean="0"/>
-              <a:t>2025-04-09</a:t>
+              <a:t>2025-04-15</a:t>
             </a:fld>
             <a:endParaRPr lang="ko-KR" altLang="en-US"/>
           </a:p>
@@ -667,7 +667,7 @@
           <a:p>
             <a:fld id="{2278C4D4-34BA-41F3-BA62-1B1F2BB85AFB}" type="datetimeFigureOut">
               <a:rPr lang="ko-KR" altLang="en-US" smtClean="0"/>
-              <a:t>2025-04-09</a:t>
+              <a:t>2025-04-15</a:t>
             </a:fld>
             <a:endParaRPr lang="ko-KR" altLang="en-US"/>
           </a:p>
@@ -865,7 +865,7 @@
           <a:p>
             <a:fld id="{2278C4D4-34BA-41F3-BA62-1B1F2BB85AFB}" type="datetimeFigureOut">
               <a:rPr lang="ko-KR" altLang="en-US" smtClean="0"/>
-              <a:t>2025-04-09</a:t>
+              <a:t>2025-04-15</a:t>
             </a:fld>
             <a:endParaRPr lang="ko-KR" altLang="en-US"/>
           </a:p>
@@ -1140,7 +1140,7 @@
           <a:p>
             <a:fld id="{2278C4D4-34BA-41F3-BA62-1B1F2BB85AFB}" type="datetimeFigureOut">
               <a:rPr lang="ko-KR" altLang="en-US" smtClean="0"/>
-              <a:t>2025-04-09</a:t>
+              <a:t>2025-04-15</a:t>
             </a:fld>
             <a:endParaRPr lang="ko-KR" altLang="en-US"/>
           </a:p>
@@ -1405,7 +1405,7 @@
           <a:p>
             <a:fld id="{2278C4D4-34BA-41F3-BA62-1B1F2BB85AFB}" type="datetimeFigureOut">
               <a:rPr lang="ko-KR" altLang="en-US" smtClean="0"/>
-              <a:t>2025-04-09</a:t>
+              <a:t>2025-04-15</a:t>
             </a:fld>
             <a:endParaRPr lang="ko-KR" altLang="en-US"/>
           </a:p>
@@ -1817,7 +1817,7 @@
           <a:p>
             <a:fld id="{2278C4D4-34BA-41F3-BA62-1B1F2BB85AFB}" type="datetimeFigureOut">
               <a:rPr lang="ko-KR" altLang="en-US" smtClean="0"/>
-              <a:t>2025-04-09</a:t>
+              <a:t>2025-04-15</a:t>
             </a:fld>
             <a:endParaRPr lang="ko-KR" altLang="en-US"/>
           </a:p>
@@ -1958,7 +1958,7 @@
           <a:p>
             <a:fld id="{2278C4D4-34BA-41F3-BA62-1B1F2BB85AFB}" type="datetimeFigureOut">
               <a:rPr lang="ko-KR" altLang="en-US" smtClean="0"/>
-              <a:t>2025-04-09</a:t>
+              <a:t>2025-04-15</a:t>
             </a:fld>
             <a:endParaRPr lang="ko-KR" altLang="en-US"/>
           </a:p>
@@ -2071,7 +2071,7 @@
           <a:p>
             <a:fld id="{2278C4D4-34BA-41F3-BA62-1B1F2BB85AFB}" type="datetimeFigureOut">
               <a:rPr lang="ko-KR" altLang="en-US" smtClean="0"/>
-              <a:t>2025-04-09</a:t>
+              <a:t>2025-04-15</a:t>
             </a:fld>
             <a:endParaRPr lang="ko-KR" altLang="en-US"/>
           </a:p>
@@ -2382,7 +2382,7 @@
           <a:p>
             <a:fld id="{2278C4D4-34BA-41F3-BA62-1B1F2BB85AFB}" type="datetimeFigureOut">
               <a:rPr lang="ko-KR" altLang="en-US" smtClean="0"/>
-              <a:t>2025-04-09</a:t>
+              <a:t>2025-04-15</a:t>
             </a:fld>
             <a:endParaRPr lang="ko-KR" altLang="en-US"/>
           </a:p>
@@ -2670,7 +2670,7 @@
           <a:p>
             <a:fld id="{2278C4D4-34BA-41F3-BA62-1B1F2BB85AFB}" type="datetimeFigureOut">
               <a:rPr lang="ko-KR" altLang="en-US" smtClean="0"/>
-              <a:t>2025-04-09</a:t>
+              <a:t>2025-04-15</a:t>
             </a:fld>
             <a:endParaRPr lang="ko-KR" altLang="en-US"/>
           </a:p>
@@ -2911,7 +2911,7 @@
           <a:p>
             <a:fld id="{2278C4D4-34BA-41F3-BA62-1B1F2BB85AFB}" type="datetimeFigureOut">
               <a:rPr lang="ko-KR" altLang="en-US" smtClean="0"/>
-              <a:t>2025-04-09</a:t>
+              <a:t>2025-04-15</a:t>
             </a:fld>
             <a:endParaRPr lang="ko-KR" altLang="en-US"/>
           </a:p>
@@ -3390,14 +3390,14 @@
           <p:nvPr>
             <p:extLst>
               <p:ext uri="{D42A27DB-BD31-4B8C-83A1-F6EECF244321}">
-                <p14:modId xmlns:p14="http://schemas.microsoft.com/office/powerpoint/2010/main" val="889608100"/>
+                <p14:modId xmlns:p14="http://schemas.microsoft.com/office/powerpoint/2010/main" val="4219843618"/>
               </p:ext>
             </p:extLst>
           </p:nvPr>
         </p:nvGraphicFramePr>
         <p:xfrm>
-          <a:off x="410093" y="429492"/>
-          <a:ext cx="11255435" cy="2736275"/>
+          <a:off x="410093" y="429490"/>
+          <a:ext cx="9287065" cy="2999510"/>
         </p:xfrm>
         <a:graphic>
           <a:graphicData uri="http://schemas.openxmlformats.org/drawingml/2006/table">
@@ -3406,35 +3406,35 @@
                 <a:tableStyleId>{5940675A-B579-460E-94D1-54222C63F5DA}</a:tableStyleId>
               </a:tblPr>
               <a:tblGrid>
-                <a:gridCol w="2251087">
+                <a:gridCol w="1857413">
                   <a:extLst>
                     <a:ext uri="{9D8B030D-6E8A-4147-A177-3AD203B41FA5}">
                       <a16:colId xmlns:a16="http://schemas.microsoft.com/office/drawing/2014/main" val="1319673312"/>
                     </a:ext>
                   </a:extLst>
                 </a:gridCol>
-                <a:gridCol w="2251087">
+                <a:gridCol w="1857413">
                   <a:extLst>
                     <a:ext uri="{9D8B030D-6E8A-4147-A177-3AD203B41FA5}">
                       <a16:colId xmlns:a16="http://schemas.microsoft.com/office/drawing/2014/main" val="2871862873"/>
                     </a:ext>
                   </a:extLst>
                 </a:gridCol>
-                <a:gridCol w="2251087">
+                <a:gridCol w="1857413">
                   <a:extLst>
                     <a:ext uri="{9D8B030D-6E8A-4147-A177-3AD203B41FA5}">
                       <a16:colId xmlns:a16="http://schemas.microsoft.com/office/drawing/2014/main" val="1071272062"/>
                     </a:ext>
                   </a:extLst>
                 </a:gridCol>
-                <a:gridCol w="2251087">
+                <a:gridCol w="1857413">
                   <a:extLst>
                     <a:ext uri="{9D8B030D-6E8A-4147-A177-3AD203B41FA5}">
                       <a16:colId xmlns:a16="http://schemas.microsoft.com/office/drawing/2014/main" val="2338732851"/>
                     </a:ext>
                   </a:extLst>
                 </a:gridCol>
-                <a:gridCol w="2251087">
+                <a:gridCol w="1857413">
                   <a:extLst>
                     <a:ext uri="{9D8B030D-6E8A-4147-A177-3AD203B41FA5}">
                       <a16:colId xmlns:a16="http://schemas.microsoft.com/office/drawing/2014/main" val="12880792"/>
@@ -3442,14 +3442,14 @@
                   </a:extLst>
                 </a:gridCol>
               </a:tblGrid>
-              <a:tr h="547255">
+              <a:tr h="599902">
                 <a:tc>
                   <a:txBody>
                     <a:bodyPr/>
                     <a:lstStyle/>
                     <a:p>
                       <a:pPr algn="ctr" latinLnBrk="1"/>
-                      <a:endParaRPr lang="ko-KR" altLang="en-US" dirty="0"/>
+                      <a:endParaRPr lang="ko-KR" altLang="en-US" sz="1400" dirty="0"/>
                     </a:p>
                   </a:txBody>
                   <a:tcPr anchor="ctr"/>
@@ -3461,10 +3461,10 @@
                     <a:p>
                       <a:pPr algn="ctr" latinLnBrk="1"/>
                       <a:r>
-                        <a:rPr lang="en-US" altLang="ko-KR" dirty="0"/>
+                        <a:rPr lang="en-US" altLang="ko-KR" sz="1400" dirty="0"/>
                         <a:t>X</a:t>
                       </a:r>
-                      <a:endParaRPr lang="ko-KR" altLang="en-US" dirty="0"/>
+                      <a:endParaRPr lang="ko-KR" altLang="en-US" sz="1400" dirty="0"/>
                     </a:p>
                   </a:txBody>
                   <a:tcPr anchor="ctr"/>
@@ -3476,10 +3476,10 @@
                     <a:p>
                       <a:pPr algn="ctr" latinLnBrk="1"/>
                       <a:r>
-                        <a:rPr lang="en-US" altLang="ko-KR" dirty="0"/>
+                        <a:rPr lang="en-US" altLang="ko-KR" sz="1400" dirty="0"/>
                         <a:t>mutex</a:t>
                       </a:r>
-                      <a:endParaRPr lang="ko-KR" altLang="en-US" dirty="0"/>
+                      <a:endParaRPr lang="ko-KR" altLang="en-US" sz="1400" dirty="0"/>
                     </a:p>
                   </a:txBody>
                   <a:tcPr anchor="ctr"/>
@@ -3491,10 +3491,10 @@
                     <a:p>
                       <a:pPr algn="ctr" latinLnBrk="1"/>
                       <a:r>
-                        <a:rPr lang="en-US" altLang="ko-KR" dirty="0" err="1"/>
+                        <a:rPr lang="en-US" altLang="ko-KR" sz="1400" dirty="0" err="1"/>
                         <a:t>Volatile_bakery</a:t>
                       </a:r>
-                      <a:endParaRPr lang="ko-KR" altLang="en-US" dirty="0"/>
+                      <a:endParaRPr lang="ko-KR" altLang="en-US" sz="1400" dirty="0"/>
                     </a:p>
                   </a:txBody>
                   <a:tcPr anchor="ctr"/>
@@ -3506,10 +3506,10 @@
                     <a:p>
                       <a:pPr algn="ctr" latinLnBrk="1"/>
                       <a:r>
-                        <a:rPr lang="en-US" altLang="ko-KR" dirty="0" err="1"/>
+                        <a:rPr lang="en-US" altLang="ko-KR" sz="1400" dirty="0" err="1"/>
                         <a:t>Atomic_bakery</a:t>
                       </a:r>
-                      <a:endParaRPr lang="ko-KR" altLang="en-US" dirty="0"/>
+                      <a:endParaRPr lang="ko-KR" altLang="en-US" sz="1400" dirty="0"/>
                     </a:p>
                   </a:txBody>
                   <a:tcPr anchor="ctr"/>
@@ -3520,7 +3520,7 @@
                   </a:ext>
                 </a:extLst>
               </a:tr>
-              <a:tr h="547255">
+              <a:tr h="599902">
                 <a:tc>
                   <a:txBody>
                     <a:bodyPr/>
@@ -3528,10 +3528,10 @@
                     <a:p>
                       <a:pPr algn="ctr" latinLnBrk="1"/>
                       <a:r>
-                        <a:rPr lang="en-US" altLang="ko-KR" dirty="0"/>
+                        <a:rPr lang="en-US" altLang="ko-KR" sz="1400" dirty="0"/>
                         <a:t>1</a:t>
                       </a:r>
-                      <a:endParaRPr lang="ko-KR" altLang="en-US" dirty="0"/>
+                      <a:endParaRPr lang="ko-KR" altLang="en-US" sz="1400" dirty="0"/>
                     </a:p>
                   </a:txBody>
                   <a:tcPr anchor="ctr"/>
@@ -3543,10 +3543,10 @@
                     <a:p>
                       <a:pPr algn="ctr" latinLnBrk="1"/>
                       <a:r>
-                        <a:rPr lang="en-US" altLang="ko-KR" dirty="0"/>
+                        <a:rPr lang="en-US" altLang="ko-KR" sz="1400" dirty="0"/>
                         <a:t>10ms/10’000’000</a:t>
                       </a:r>
-                      <a:endParaRPr lang="ko-KR" altLang="en-US" dirty="0"/>
+                      <a:endParaRPr lang="ko-KR" altLang="en-US" sz="1400" dirty="0"/>
                     </a:p>
                   </a:txBody>
                   <a:tcPr anchor="ctr"/>
@@ -3574,10 +3574,10 @@
                         <a:defRPr/>
                       </a:pPr>
                       <a:r>
-                        <a:rPr lang="en-US" altLang="ko-KR" dirty="0"/>
+                        <a:rPr lang="en-US" altLang="ko-KR" sz="1400" dirty="0"/>
                         <a:t>79ms/10’000’000</a:t>
                       </a:r>
-                      <a:endParaRPr lang="ko-KR" altLang="en-US" dirty="0"/>
+                      <a:endParaRPr lang="ko-KR" altLang="en-US" sz="1400" dirty="0"/>
                     </a:p>
                   </a:txBody>
                   <a:tcPr anchor="ctr"/>
@@ -3605,10 +3605,10 @@
                         <a:defRPr/>
                       </a:pPr>
                       <a:r>
-                        <a:rPr lang="en-US" altLang="ko-KR" dirty="0"/>
+                        <a:rPr lang="en-US" altLang="ko-KR" sz="1400" dirty="0"/>
                         <a:t>27ms/10’000’000</a:t>
                       </a:r>
-                      <a:endParaRPr lang="ko-KR" altLang="en-US" dirty="0"/>
+                      <a:endParaRPr lang="ko-KR" altLang="en-US" sz="1400" dirty="0"/>
                     </a:p>
                   </a:txBody>
                   <a:tcPr anchor="ctr"/>
@@ -3636,10 +3636,10 @@
                         <a:defRPr/>
                       </a:pPr>
                       <a:r>
-                        <a:rPr lang="en-US" altLang="ko-KR" dirty="0"/>
+                        <a:rPr lang="en-US" altLang="ko-KR" sz="1400" dirty="0"/>
                         <a:t>88ms/10’000’000</a:t>
                       </a:r>
-                      <a:endParaRPr lang="ko-KR" altLang="en-US" dirty="0"/>
+                      <a:endParaRPr lang="ko-KR" altLang="en-US" sz="1400" dirty="0"/>
                     </a:p>
                   </a:txBody>
                   <a:tcPr anchor="ctr"/>
@@ -3650,7 +3650,7 @@
                   </a:ext>
                 </a:extLst>
               </a:tr>
-              <a:tr h="547255">
+              <a:tr h="599902">
                 <a:tc>
                   <a:txBody>
                     <a:bodyPr/>
@@ -3658,10 +3658,10 @@
                     <a:p>
                       <a:pPr algn="ctr" latinLnBrk="1"/>
                       <a:r>
-                        <a:rPr lang="en-US" altLang="ko-KR" dirty="0"/>
+                        <a:rPr lang="en-US" altLang="ko-KR" sz="1400" dirty="0"/>
                         <a:t>2</a:t>
                       </a:r>
-                      <a:endParaRPr lang="ko-KR" altLang="en-US" dirty="0"/>
+                      <a:endParaRPr lang="ko-KR" altLang="en-US" sz="1400" dirty="0"/>
                     </a:p>
                   </a:txBody>
                   <a:tcPr anchor="ctr"/>
@@ -3689,10 +3689,10 @@
                         <a:defRPr/>
                       </a:pPr>
                       <a:r>
-                        <a:rPr lang="en-US" altLang="ko-KR" dirty="0"/>
+                        <a:rPr lang="en-US" altLang="ko-KR" sz="1400" dirty="0"/>
                         <a:t>4ms/5’062’478</a:t>
                       </a:r>
-                      <a:endParaRPr lang="ko-KR" altLang="en-US" dirty="0"/>
+                      <a:endParaRPr lang="ko-KR" altLang="en-US" sz="1400" dirty="0"/>
                     </a:p>
                   </a:txBody>
                   <a:tcPr anchor="ctr"/>
@@ -3720,10 +3720,10 @@
                         <a:defRPr/>
                       </a:pPr>
                       <a:r>
-                        <a:rPr lang="en-US" altLang="ko-KR" dirty="0"/>
+                        <a:rPr lang="en-US" altLang="ko-KR" sz="1400" dirty="0"/>
                         <a:t>97ms/10’000’000</a:t>
                       </a:r>
-                      <a:endParaRPr lang="ko-KR" altLang="en-US" dirty="0"/>
+                      <a:endParaRPr lang="ko-KR" altLang="en-US" sz="1400" dirty="0"/>
                     </a:p>
                   </a:txBody>
                   <a:tcPr anchor="ctr"/>
@@ -3751,10 +3751,10 @@
                         <a:defRPr/>
                       </a:pPr>
                       <a:r>
-                        <a:rPr lang="en-US" altLang="ko-KR" dirty="0"/>
+                        <a:rPr lang="en-US" altLang="ko-KR" sz="1400" dirty="0"/>
                         <a:t>307ms/9’999’958</a:t>
                       </a:r>
-                      <a:endParaRPr lang="ko-KR" altLang="en-US" dirty="0"/>
+                      <a:endParaRPr lang="ko-KR" altLang="en-US" sz="1400" dirty="0"/>
                     </a:p>
                   </a:txBody>
                   <a:tcPr anchor="ctr"/>
@@ -3782,10 +3782,10 @@
                         <a:defRPr/>
                       </a:pPr>
                       <a:r>
-                        <a:rPr lang="en-US" altLang="ko-KR" dirty="0"/>
+                        <a:rPr lang="en-US" altLang="ko-KR" sz="1400" dirty="0"/>
                         <a:t>451ms/10’000’000</a:t>
                       </a:r>
-                      <a:endParaRPr lang="ko-KR" altLang="en-US" dirty="0"/>
+                      <a:endParaRPr lang="ko-KR" altLang="en-US" sz="1400" dirty="0"/>
                     </a:p>
                   </a:txBody>
                   <a:tcPr anchor="ctr"/>
@@ -3796,7 +3796,7 @@
                   </a:ext>
                 </a:extLst>
               </a:tr>
-              <a:tr h="547255">
+              <a:tr h="599902">
                 <a:tc>
                   <a:txBody>
                     <a:bodyPr/>
@@ -3804,10 +3804,10 @@
                     <a:p>
                       <a:pPr algn="ctr" latinLnBrk="1"/>
                       <a:r>
-                        <a:rPr lang="en-US" altLang="ko-KR" dirty="0"/>
+                        <a:rPr lang="en-US" altLang="ko-KR" sz="1400" dirty="0"/>
                         <a:t>4</a:t>
                       </a:r>
-                      <a:endParaRPr lang="ko-KR" altLang="en-US" dirty="0"/>
+                      <a:endParaRPr lang="ko-KR" altLang="en-US" sz="1400" dirty="0"/>
                     </a:p>
                   </a:txBody>
                   <a:tcPr anchor="ctr"/>
@@ -3835,10 +3835,10 @@
                         <a:defRPr/>
                       </a:pPr>
                       <a:r>
-                        <a:rPr lang="en-US" altLang="ko-KR" dirty="0"/>
+                        <a:rPr lang="en-US" altLang="ko-KR" sz="1400" dirty="0"/>
                         <a:t>4ms/4’426’958</a:t>
                       </a:r>
-                      <a:endParaRPr lang="ko-KR" altLang="en-US" dirty="0"/>
+                      <a:endParaRPr lang="ko-KR" altLang="en-US" sz="1400" dirty="0"/>
                     </a:p>
                   </a:txBody>
                   <a:tcPr anchor="ctr"/>
@@ -3866,10 +3866,10 @@
                         <a:defRPr/>
                       </a:pPr>
                       <a:r>
-                        <a:rPr lang="en-US" altLang="ko-KR" dirty="0"/>
+                        <a:rPr lang="en-US" altLang="ko-KR" sz="1400" dirty="0"/>
                         <a:t>149ms/10’000’000</a:t>
                       </a:r>
-                      <a:endParaRPr lang="ko-KR" altLang="en-US" dirty="0"/>
+                      <a:endParaRPr lang="ko-KR" altLang="en-US" sz="1400" dirty="0"/>
                     </a:p>
                   </a:txBody>
                   <a:tcPr anchor="ctr"/>
@@ -3897,10 +3897,10 @@
                         <a:defRPr/>
                       </a:pPr>
                       <a:r>
-                        <a:rPr lang="en-US" altLang="ko-KR" dirty="0"/>
+                        <a:rPr lang="en-US" altLang="ko-KR" sz="1400" dirty="0"/>
                         <a:t>464ms/9’999’962</a:t>
                       </a:r>
-                      <a:endParaRPr lang="ko-KR" altLang="en-US" dirty="0"/>
+                      <a:endParaRPr lang="ko-KR" altLang="en-US" sz="1400" dirty="0"/>
                     </a:p>
                   </a:txBody>
                   <a:tcPr anchor="ctr"/>
@@ -3928,10 +3928,10 @@
                         <a:defRPr/>
                       </a:pPr>
                       <a:r>
-                        <a:rPr lang="en-US" altLang="ko-KR" dirty="0"/>
+                        <a:rPr lang="en-US" altLang="ko-KR" sz="1400" dirty="0"/>
                         <a:t>822ms/10’000’000</a:t>
                       </a:r>
-                      <a:endParaRPr lang="ko-KR" altLang="en-US" dirty="0"/>
+                      <a:endParaRPr lang="ko-KR" altLang="en-US" sz="1400" dirty="0"/>
                     </a:p>
                   </a:txBody>
                   <a:tcPr anchor="ctr"/>
@@ -3942,7 +3942,7 @@
                   </a:ext>
                 </a:extLst>
               </a:tr>
-              <a:tr h="547255">
+              <a:tr h="599902">
                 <a:tc>
                   <a:txBody>
                     <a:bodyPr/>
@@ -3950,10 +3950,10 @@
                     <a:p>
                       <a:pPr algn="ctr" latinLnBrk="1"/>
                       <a:r>
-                        <a:rPr lang="en-US" altLang="ko-KR" dirty="0"/>
+                        <a:rPr lang="en-US" altLang="ko-KR" sz="1400" dirty="0"/>
                         <a:t>8</a:t>
                       </a:r>
-                      <a:endParaRPr lang="ko-KR" altLang="en-US" dirty="0"/>
+                      <a:endParaRPr lang="ko-KR" altLang="en-US" sz="1400" dirty="0"/>
                     </a:p>
                   </a:txBody>
                   <a:tcPr anchor="ctr"/>
@@ -3981,10 +3981,10 @@
                         <a:defRPr/>
                       </a:pPr>
                       <a:r>
-                        <a:rPr lang="en-US" altLang="ko-KR" dirty="0"/>
+                        <a:rPr lang="en-US" altLang="ko-KR" sz="1400" dirty="0"/>
                         <a:t>3ms/2’746’996</a:t>
                       </a:r>
-                      <a:endParaRPr lang="ko-KR" altLang="en-US" dirty="0"/>
+                      <a:endParaRPr lang="ko-KR" altLang="en-US" sz="1400" dirty="0"/>
                     </a:p>
                   </a:txBody>
                   <a:tcPr anchor="ctr"/>
@@ -4012,10 +4012,10 @@
                         <a:defRPr/>
                       </a:pPr>
                       <a:r>
-                        <a:rPr lang="en-US" altLang="ko-KR" dirty="0"/>
+                        <a:rPr lang="en-US" altLang="ko-KR" sz="1400" dirty="0"/>
                         <a:t>278ms/10’000’000</a:t>
                       </a:r>
-                      <a:endParaRPr lang="ko-KR" altLang="en-US" dirty="0"/>
+                      <a:endParaRPr lang="ko-KR" altLang="en-US" sz="1400" dirty="0"/>
                     </a:p>
                   </a:txBody>
                   <a:tcPr anchor="ctr"/>
@@ -4043,10 +4043,10 @@
                         <a:defRPr/>
                       </a:pPr>
                       <a:r>
-                        <a:rPr lang="en-US" altLang="ko-KR" dirty="0"/>
+                        <a:rPr lang="en-US" altLang="ko-KR" sz="1400" dirty="0"/>
                         <a:t>632ms/10’000’000</a:t>
                       </a:r>
-                      <a:endParaRPr lang="ko-KR" altLang="en-US" dirty="0"/>
+                      <a:endParaRPr lang="ko-KR" altLang="en-US" sz="1400" dirty="0"/>
                     </a:p>
                   </a:txBody>
                   <a:tcPr anchor="ctr"/>
@@ -4074,10 +4074,10 @@
                         <a:defRPr/>
                       </a:pPr>
                       <a:r>
-                        <a:rPr lang="en-US" altLang="ko-KR" dirty="0"/>
+                        <a:rPr lang="en-US" altLang="ko-KR" sz="1400" dirty="0"/>
                         <a:t>1145ms/10’000’000</a:t>
                       </a:r>
-                      <a:endParaRPr lang="ko-KR" altLang="en-US" dirty="0"/>
+                      <a:endParaRPr lang="ko-KR" altLang="en-US" sz="1400" dirty="0"/>
                     </a:p>
                   </a:txBody>
                   <a:tcPr anchor="ctr"/>
@@ -4142,7 +4142,7 @@
         </p:nvSpPr>
         <p:spPr>
           <a:xfrm flipH="1">
-            <a:off x="410092" y="6165272"/>
+            <a:off x="195603" y="6194009"/>
             <a:ext cx="5685907" cy="369332"/>
           </a:xfrm>
           <a:prstGeom prst="rect">
@@ -4190,14 +4190,14 @@
           <p:nvPr>
             <p:extLst>
               <p:ext uri="{D42A27DB-BD31-4B8C-83A1-F6EECF244321}">
-                <p14:modId xmlns:p14="http://schemas.microsoft.com/office/powerpoint/2010/main" val="194553663"/>
+                <p14:modId xmlns:p14="http://schemas.microsoft.com/office/powerpoint/2010/main" val="1136629651"/>
               </p:ext>
             </p:extLst>
           </p:nvPr>
         </p:nvGraphicFramePr>
         <p:xfrm>
           <a:off x="410093" y="429492"/>
-          <a:ext cx="11255435" cy="3283530"/>
+          <a:ext cx="7108305" cy="2641086"/>
         </p:xfrm>
         <a:graphic>
           <a:graphicData uri="http://schemas.openxmlformats.org/drawingml/2006/table">
@@ -4206,35 +4206,35 @@
                 <a:tableStyleId>{5940675A-B579-460E-94D1-54222C63F5DA}</a:tableStyleId>
               </a:tblPr>
               <a:tblGrid>
-                <a:gridCol w="2251087">
+                <a:gridCol w="1421661">
                   <a:extLst>
                     <a:ext uri="{9D8B030D-6E8A-4147-A177-3AD203B41FA5}">
                       <a16:colId xmlns:a16="http://schemas.microsoft.com/office/drawing/2014/main" val="1319673312"/>
                     </a:ext>
                   </a:extLst>
                 </a:gridCol>
-                <a:gridCol w="2251087">
+                <a:gridCol w="1421661">
                   <a:extLst>
                     <a:ext uri="{9D8B030D-6E8A-4147-A177-3AD203B41FA5}">
                       <a16:colId xmlns:a16="http://schemas.microsoft.com/office/drawing/2014/main" val="2871862873"/>
                     </a:ext>
                   </a:extLst>
                 </a:gridCol>
-                <a:gridCol w="2251087">
+                <a:gridCol w="1421661">
                   <a:extLst>
                     <a:ext uri="{9D8B030D-6E8A-4147-A177-3AD203B41FA5}">
                       <a16:colId xmlns:a16="http://schemas.microsoft.com/office/drawing/2014/main" val="1071272062"/>
                     </a:ext>
                   </a:extLst>
                 </a:gridCol>
-                <a:gridCol w="2251087">
+                <a:gridCol w="1421661">
                   <a:extLst>
                     <a:ext uri="{9D8B030D-6E8A-4147-A177-3AD203B41FA5}">
                       <a16:colId xmlns:a16="http://schemas.microsoft.com/office/drawing/2014/main" val="2338732851"/>
                     </a:ext>
                   </a:extLst>
                 </a:gridCol>
-                <a:gridCol w="2251087">
+                <a:gridCol w="1421661">
                   <a:extLst>
                     <a:ext uri="{9D8B030D-6E8A-4147-A177-3AD203B41FA5}">
                       <a16:colId xmlns:a16="http://schemas.microsoft.com/office/drawing/2014/main" val="12880792"/>
@@ -4242,7 +4242,7 @@
                   </a:extLst>
                 </a:gridCol>
               </a:tblGrid>
-              <a:tr h="547255">
+              <a:tr h="440181">
                 <a:tc>
                   <a:txBody>
                     <a:bodyPr/>
@@ -4250,10 +4250,10 @@
                     <a:p>
                       <a:pPr algn="ctr" latinLnBrk="1"/>
                       <a:r>
-                        <a:rPr lang="en-US" altLang="ko-KR" dirty="0"/>
+                        <a:rPr lang="en-US" altLang="ko-KR" sz="1400" dirty="0"/>
                         <a:t>Single 1042</a:t>
                       </a:r>
-                      <a:endParaRPr lang="ko-KR" altLang="en-US" dirty="0"/>
+                      <a:endParaRPr lang="ko-KR" altLang="en-US" sz="1400" dirty="0"/>
                     </a:p>
                   </a:txBody>
                   <a:tcPr anchor="ctr"/>
@@ -4265,7 +4265,7 @@
                     <a:p>
                       <a:pPr algn="ctr" latinLnBrk="1"/>
                       <a:r>
-                        <a:rPr lang="ko-KR" altLang="en-US" dirty="0"/>
+                        <a:rPr lang="ko-KR" altLang="en-US" sz="1400" dirty="0"/>
                         <a:t>성긴</a:t>
                       </a:r>
                     </a:p>
@@ -4279,7 +4279,7 @@
                     <a:p>
                       <a:pPr algn="ctr" latinLnBrk="1"/>
                       <a:r>
-                        <a:rPr lang="ko-KR" altLang="en-US" dirty="0"/>
+                        <a:rPr lang="ko-KR" altLang="en-US" sz="1400" dirty="0"/>
                         <a:t>세밀</a:t>
                       </a:r>
                     </a:p>
@@ -4293,7 +4293,7 @@
                     <a:p>
                       <a:pPr algn="ctr" latinLnBrk="1"/>
                       <a:r>
-                        <a:rPr lang="ko-KR" altLang="en-US" dirty="0"/>
+                        <a:rPr lang="ko-KR" altLang="en-US" sz="1400" dirty="0"/>
                         <a:t>낙천</a:t>
                       </a:r>
                     </a:p>
@@ -4307,7 +4307,7 @@
                     <a:p>
                       <a:pPr algn="ctr" latinLnBrk="1"/>
                       <a:r>
-                        <a:rPr lang="ko-KR" altLang="en-US" dirty="0"/>
+                        <a:rPr lang="ko-KR" altLang="en-US" sz="1400" dirty="0"/>
                         <a:t>게으른</a:t>
                       </a:r>
                     </a:p>
@@ -4320,7 +4320,7 @@
                   </a:ext>
                 </a:extLst>
               </a:tr>
-              <a:tr h="547255">
+              <a:tr h="440181">
                 <a:tc>
                   <a:txBody>
                     <a:bodyPr/>
@@ -4328,10 +4328,10 @@
                     <a:p>
                       <a:pPr algn="ctr" latinLnBrk="1"/>
                       <a:r>
-                        <a:rPr lang="en-US" altLang="ko-KR" dirty="0"/>
+                        <a:rPr lang="en-US" altLang="ko-KR" sz="1400" dirty="0"/>
                         <a:t>1</a:t>
                       </a:r>
-                      <a:endParaRPr lang="ko-KR" altLang="en-US" dirty="0"/>
+                      <a:endParaRPr lang="ko-KR" altLang="en-US" sz="1400" dirty="0"/>
                     </a:p>
                   </a:txBody>
                   <a:tcPr anchor="ctr"/>
@@ -4343,10 +4343,10 @@
                     <a:p>
                       <a:pPr algn="ctr" latinLnBrk="1"/>
                       <a:r>
-                        <a:rPr lang="en-US" altLang="ko-KR" dirty="0"/>
+                        <a:rPr lang="en-US" altLang="ko-KR" sz="1400" dirty="0"/>
                         <a:t>1108</a:t>
                       </a:r>
-                      <a:endParaRPr lang="ko-KR" altLang="en-US" dirty="0"/>
+                      <a:endParaRPr lang="ko-KR" altLang="en-US" sz="1400" dirty="0"/>
                     </a:p>
                   </a:txBody>
                   <a:tcPr anchor="ctr"/>
@@ -4374,10 +4374,10 @@
                         <a:defRPr/>
                       </a:pPr>
                       <a:r>
-                        <a:rPr lang="en-US" altLang="ko-KR" dirty="0"/>
+                        <a:rPr lang="en-US" altLang="ko-KR" sz="1400" dirty="0"/>
                         <a:t>18158</a:t>
                       </a:r>
-                      <a:endParaRPr lang="ko-KR" altLang="en-US" dirty="0"/>
+                      <a:endParaRPr lang="ko-KR" altLang="en-US" sz="1400" dirty="0"/>
                     </a:p>
                   </a:txBody>
                   <a:tcPr anchor="ctr"/>
@@ -4405,10 +4405,10 @@
                         <a:defRPr/>
                       </a:pPr>
                       <a:r>
-                        <a:rPr lang="en-US" altLang="ko-KR" dirty="0"/>
+                        <a:rPr lang="en-US" altLang="ko-KR" sz="1400" dirty="0"/>
                         <a:t>3555</a:t>
                       </a:r>
-                      <a:endParaRPr lang="ko-KR" altLang="en-US" dirty="0"/>
+                      <a:endParaRPr lang="ko-KR" altLang="en-US" sz="1400" dirty="0"/>
                     </a:p>
                   </a:txBody>
                   <a:tcPr anchor="ctr"/>
@@ -4436,10 +4436,10 @@
                         <a:defRPr/>
                       </a:pPr>
                       <a:r>
-                        <a:rPr lang="en-US" altLang="ko-KR" dirty="0"/>
+                        <a:rPr lang="en-US" altLang="ko-KR" sz="1400" dirty="0"/>
                         <a:t>1377</a:t>
                       </a:r>
-                      <a:endParaRPr lang="ko-KR" altLang="en-US" dirty="0"/>
+                      <a:endParaRPr lang="ko-KR" altLang="en-US" sz="1400" dirty="0"/>
                     </a:p>
                   </a:txBody>
                   <a:tcPr anchor="ctr"/>
@@ -4450,7 +4450,7 @@
                   </a:ext>
                 </a:extLst>
               </a:tr>
-              <a:tr h="547255">
+              <a:tr h="440181">
                 <a:tc>
                   <a:txBody>
                     <a:bodyPr/>
@@ -4458,10 +4458,10 @@
                     <a:p>
                       <a:pPr algn="ctr" latinLnBrk="1"/>
                       <a:r>
-                        <a:rPr lang="en-US" altLang="ko-KR" dirty="0"/>
+                        <a:rPr lang="en-US" altLang="ko-KR" sz="1400" dirty="0"/>
                         <a:t>2</a:t>
                       </a:r>
-                      <a:endParaRPr lang="ko-KR" altLang="en-US" dirty="0"/>
+                      <a:endParaRPr lang="ko-KR" altLang="en-US" sz="1400" dirty="0"/>
                     </a:p>
                   </a:txBody>
                   <a:tcPr anchor="ctr"/>
@@ -4489,10 +4489,10 @@
                         <a:defRPr/>
                       </a:pPr>
                       <a:r>
-                        <a:rPr lang="en-US" altLang="ko-KR" dirty="0"/>
+                        <a:rPr lang="en-US" altLang="ko-KR" sz="1400" dirty="0"/>
                         <a:t>1120</a:t>
                       </a:r>
-                      <a:endParaRPr lang="ko-KR" altLang="en-US" dirty="0"/>
+                      <a:endParaRPr lang="ko-KR" altLang="en-US" sz="1400" dirty="0"/>
                     </a:p>
                   </a:txBody>
                   <a:tcPr anchor="ctr"/>
@@ -4520,10 +4520,10 @@
                         <a:defRPr/>
                       </a:pPr>
                       <a:r>
-                        <a:rPr lang="en-US" altLang="ko-KR" dirty="0"/>
+                        <a:rPr lang="en-US" altLang="ko-KR" sz="1400" dirty="0"/>
                         <a:t>17464</a:t>
                       </a:r>
-                      <a:endParaRPr lang="ko-KR" altLang="en-US" dirty="0"/>
+                      <a:endParaRPr lang="ko-KR" altLang="en-US" sz="1400" dirty="0"/>
                     </a:p>
                   </a:txBody>
                   <a:tcPr anchor="ctr"/>
@@ -4551,10 +4551,10 @@
                         <a:defRPr/>
                       </a:pPr>
                       <a:r>
-                        <a:rPr lang="en-US" altLang="ko-KR" dirty="0"/>
+                        <a:rPr lang="en-US" altLang="ko-KR" sz="1400" dirty="0"/>
                         <a:t>3370</a:t>
                       </a:r>
-                      <a:endParaRPr lang="ko-KR" altLang="en-US" dirty="0"/>
+                      <a:endParaRPr lang="ko-KR" altLang="en-US" sz="1400" dirty="0"/>
                     </a:p>
                   </a:txBody>
                   <a:tcPr anchor="ctr"/>
@@ -4582,10 +4582,10 @@
                         <a:defRPr/>
                       </a:pPr>
                       <a:r>
-                        <a:rPr lang="en-US" altLang="ko-KR" dirty="0"/>
+                        <a:rPr lang="en-US" altLang="ko-KR" sz="1400" dirty="0"/>
                         <a:t>906</a:t>
                       </a:r>
-                      <a:endParaRPr lang="ko-KR" altLang="en-US" dirty="0"/>
+                      <a:endParaRPr lang="ko-KR" altLang="en-US" sz="1400" dirty="0"/>
                     </a:p>
                   </a:txBody>
                   <a:tcPr anchor="ctr"/>
@@ -4596,7 +4596,7 @@
                   </a:ext>
                 </a:extLst>
               </a:tr>
-              <a:tr h="547255">
+              <a:tr h="440181">
                 <a:tc>
                   <a:txBody>
                     <a:bodyPr/>
@@ -4604,10 +4604,10 @@
                     <a:p>
                       <a:pPr algn="ctr" latinLnBrk="1"/>
                       <a:r>
-                        <a:rPr lang="en-US" altLang="ko-KR" dirty="0"/>
+                        <a:rPr lang="en-US" altLang="ko-KR" sz="1400" dirty="0"/>
                         <a:t>4</a:t>
                       </a:r>
-                      <a:endParaRPr lang="ko-KR" altLang="en-US" dirty="0"/>
+                      <a:endParaRPr lang="ko-KR" altLang="en-US" sz="1400" dirty="0"/>
                     </a:p>
                   </a:txBody>
                   <a:tcPr anchor="ctr"/>
@@ -4635,10 +4635,10 @@
                         <a:defRPr/>
                       </a:pPr>
                       <a:r>
-                        <a:rPr lang="en-US" altLang="ko-KR" dirty="0"/>
+                        <a:rPr lang="en-US" altLang="ko-KR" sz="1400" dirty="0"/>
                         <a:t>1144</a:t>
                       </a:r>
-                      <a:endParaRPr lang="ko-KR" altLang="en-US" dirty="0"/>
+                      <a:endParaRPr lang="ko-KR" altLang="en-US" sz="1400" dirty="0"/>
                     </a:p>
                   </a:txBody>
                   <a:tcPr anchor="ctr"/>
@@ -4666,10 +4666,10 @@
                         <a:defRPr/>
                       </a:pPr>
                       <a:r>
-                        <a:rPr lang="en-US" altLang="ko-KR" dirty="0"/>
+                        <a:rPr lang="en-US" altLang="ko-KR" sz="1400" dirty="0"/>
                         <a:t>12136</a:t>
                       </a:r>
-                      <a:endParaRPr lang="ko-KR" altLang="en-US" dirty="0"/>
+                      <a:endParaRPr lang="ko-KR" altLang="en-US" sz="1400" dirty="0"/>
                     </a:p>
                   </a:txBody>
                   <a:tcPr anchor="ctr"/>
@@ -4697,10 +4697,10 @@
                         <a:defRPr/>
                       </a:pPr>
                       <a:r>
-                        <a:rPr lang="en-US" altLang="ko-KR" dirty="0"/>
+                        <a:rPr lang="en-US" altLang="ko-KR" sz="1400" dirty="0"/>
                         <a:t>2149</a:t>
                       </a:r>
-                      <a:endParaRPr lang="ko-KR" altLang="en-US" dirty="0"/>
+                      <a:endParaRPr lang="ko-KR" altLang="en-US" sz="1400" dirty="0"/>
                     </a:p>
                   </a:txBody>
                   <a:tcPr anchor="ctr"/>
@@ -4728,10 +4728,10 @@
                         <a:defRPr/>
                       </a:pPr>
                       <a:r>
-                        <a:rPr lang="en-US" altLang="ko-KR" dirty="0"/>
+                        <a:rPr lang="en-US" altLang="ko-KR" sz="1400" dirty="0"/>
                         <a:t>570</a:t>
                       </a:r>
-                      <a:endParaRPr lang="ko-KR" altLang="en-US" dirty="0"/>
+                      <a:endParaRPr lang="ko-KR" altLang="en-US" sz="1400" dirty="0"/>
                     </a:p>
                   </a:txBody>
                   <a:tcPr anchor="ctr"/>
@@ -4742,7 +4742,7 @@
                   </a:ext>
                 </a:extLst>
               </a:tr>
-              <a:tr h="547255">
+              <a:tr h="440181">
                 <a:tc>
                   <a:txBody>
                     <a:bodyPr/>
@@ -4750,10 +4750,10 @@
                     <a:p>
                       <a:pPr algn="ctr" latinLnBrk="1"/>
                       <a:r>
-                        <a:rPr lang="en-US" altLang="ko-KR" dirty="0"/>
+                        <a:rPr lang="en-US" altLang="ko-KR" sz="1400" dirty="0"/>
                         <a:t>8</a:t>
                       </a:r>
-                      <a:endParaRPr lang="ko-KR" altLang="en-US" dirty="0"/>
+                      <a:endParaRPr lang="ko-KR" altLang="en-US" sz="1400" dirty="0"/>
                     </a:p>
                   </a:txBody>
                   <a:tcPr anchor="ctr"/>
@@ -4781,10 +4781,10 @@
                         <a:defRPr/>
                       </a:pPr>
                       <a:r>
-                        <a:rPr lang="en-US" altLang="ko-KR" dirty="0"/>
+                        <a:rPr lang="en-US" altLang="ko-KR" sz="1400" dirty="0"/>
                         <a:t>2911</a:t>
                       </a:r>
-                      <a:endParaRPr lang="ko-KR" altLang="en-US" dirty="0"/>
+                      <a:endParaRPr lang="ko-KR" altLang="en-US" sz="1400" dirty="0"/>
                     </a:p>
                   </a:txBody>
                   <a:tcPr anchor="ctr"/>
@@ -4812,10 +4812,10 @@
                         <a:defRPr/>
                       </a:pPr>
                       <a:r>
-                        <a:rPr lang="en-US" altLang="ko-KR" dirty="0"/>
+                        <a:rPr lang="en-US" altLang="ko-KR" sz="1400" dirty="0"/>
                         <a:t>25182</a:t>
                       </a:r>
-                      <a:endParaRPr lang="ko-KR" altLang="en-US" dirty="0"/>
+                      <a:endParaRPr lang="ko-KR" altLang="en-US" sz="1400" dirty="0"/>
                     </a:p>
                   </a:txBody>
                   <a:tcPr anchor="ctr"/>
@@ -4843,10 +4843,10 @@
                         <a:defRPr/>
                       </a:pPr>
                       <a:r>
-                        <a:rPr lang="en-US" altLang="ko-KR" dirty="0"/>
+                        <a:rPr lang="en-US" altLang="ko-KR" sz="1400" dirty="0"/>
                         <a:t>1525</a:t>
                       </a:r>
-                      <a:endParaRPr lang="ko-KR" altLang="en-US" dirty="0"/>
+                      <a:endParaRPr lang="ko-KR" altLang="en-US" sz="1400" dirty="0"/>
                     </a:p>
                   </a:txBody>
                   <a:tcPr anchor="ctr"/>
@@ -4874,10 +4874,10 @@
                         <a:defRPr/>
                       </a:pPr>
                       <a:r>
-                        <a:rPr lang="en-US" altLang="ko-KR" dirty="0"/>
+                        <a:rPr lang="en-US" altLang="ko-KR" sz="1400" dirty="0"/>
                         <a:t>390</a:t>
                       </a:r>
-                      <a:endParaRPr lang="ko-KR" altLang="en-US" dirty="0"/>
+                      <a:endParaRPr lang="ko-KR" altLang="en-US" sz="1400" dirty="0"/>
                     </a:p>
                   </a:txBody>
                   <a:tcPr anchor="ctr"/>
@@ -4888,7 +4888,7 @@
                   </a:ext>
                 </a:extLst>
               </a:tr>
-              <a:tr h="547255">
+              <a:tr h="440181">
                 <a:tc>
                   <a:txBody>
                     <a:bodyPr/>
@@ -4896,10 +4896,10 @@
                     <a:p>
                       <a:pPr algn="ctr" latinLnBrk="1"/>
                       <a:r>
-                        <a:rPr lang="en-US" altLang="ko-KR" dirty="0"/>
+                        <a:rPr lang="en-US" altLang="ko-KR" sz="1400" dirty="0"/>
                         <a:t>16</a:t>
                       </a:r>
-                      <a:endParaRPr lang="ko-KR" altLang="en-US" dirty="0"/>
+                      <a:endParaRPr lang="ko-KR" altLang="en-US" sz="1400" dirty="0"/>
                     </a:p>
                   </a:txBody>
                   <a:tcPr anchor="ctr"/>
@@ -4927,10 +4927,10 @@
                         <a:defRPr/>
                       </a:pPr>
                       <a:r>
-                        <a:rPr lang="en-US" altLang="ko-KR" dirty="0"/>
+                        <a:rPr lang="en-US" altLang="ko-KR" sz="1400" dirty="0"/>
                         <a:t>6305</a:t>
                       </a:r>
-                      <a:endParaRPr lang="ko-KR" altLang="en-US" dirty="0"/>
+                      <a:endParaRPr lang="ko-KR" altLang="en-US" sz="1400" dirty="0"/>
                     </a:p>
                   </a:txBody>
                   <a:tcPr anchor="ctr"/>
@@ -4958,10 +4958,10 @@
                         <a:defRPr/>
                       </a:pPr>
                       <a:r>
-                        <a:rPr lang="en-US" altLang="ko-KR" dirty="0"/>
+                        <a:rPr lang="en-US" altLang="ko-KR" sz="1400" dirty="0"/>
                         <a:t>30040</a:t>
                       </a:r>
-                      <a:endParaRPr lang="ko-KR" altLang="en-US" dirty="0"/>
+                      <a:endParaRPr lang="ko-KR" altLang="en-US" sz="1400" dirty="0"/>
                     </a:p>
                   </a:txBody>
                   <a:tcPr anchor="ctr"/>
@@ -4989,10 +4989,10 @@
                         <a:defRPr/>
                       </a:pPr>
                       <a:r>
-                        <a:rPr lang="en-US" altLang="ko-KR"/>
+                        <a:rPr lang="en-US" altLang="ko-KR" sz="1400"/>
                         <a:t>837</a:t>
                       </a:r>
-                      <a:endParaRPr lang="ko-KR" altLang="en-US" dirty="0"/>
+                      <a:endParaRPr lang="ko-KR" altLang="en-US" sz="1400" dirty="0"/>
                     </a:p>
                   </a:txBody>
                   <a:tcPr anchor="ctr"/>
@@ -5020,10 +5020,874 @@
                         <a:defRPr/>
                       </a:pPr>
                       <a:r>
-                        <a:rPr lang="en-US" altLang="ko-KR" dirty="0"/>
+                        <a:rPr lang="en-US" altLang="ko-KR" sz="1400" dirty="0"/>
                         <a:t>315</a:t>
                       </a:r>
-                      <a:endParaRPr lang="ko-KR" altLang="en-US" dirty="0"/>
+                      <a:endParaRPr lang="ko-KR" altLang="en-US" sz="1400" dirty="0"/>
+                    </a:p>
+                  </a:txBody>
+                  <a:tcPr anchor="ctr"/>
+                </a:tc>
+                <a:extLst>
+                  <a:ext uri="{0D108BD9-81ED-4DB2-BD59-A6C34878D82A}">
+                    <a16:rowId xmlns:a16="http://schemas.microsoft.com/office/drawing/2014/main" val="2004643796"/>
+                  </a:ext>
+                </a:extLst>
+              </a:tr>
+            </a:tbl>
+          </a:graphicData>
+        </a:graphic>
+      </p:graphicFrame>
+      <p:graphicFrame>
+        <p:nvGraphicFramePr>
+          <p:cNvPr id="2" name="표 1">
+            <a:extLst>
+              <a:ext uri="{FF2B5EF4-FFF2-40B4-BE49-F238E27FC236}">
+                <a16:creationId xmlns:a16="http://schemas.microsoft.com/office/drawing/2014/main" id="{E99B4DD2-5C74-3CDE-CE77-88D50A48EAFB}"/>
+              </a:ext>
+            </a:extLst>
+          </p:cNvPr>
+          <p:cNvGraphicFramePr>
+            <a:graphicFrameLocks noGrp="1"/>
+          </p:cNvGraphicFramePr>
+          <p:nvPr>
+            <p:extLst>
+              <p:ext uri="{D42A27DB-BD31-4B8C-83A1-F6EECF244321}">
+                <p14:modId xmlns:p14="http://schemas.microsoft.com/office/powerpoint/2010/main" val="1703416445"/>
+              </p:ext>
+            </p:extLst>
+          </p:nvPr>
+        </p:nvGraphicFramePr>
+        <p:xfrm>
+          <a:off x="686670" y="3280963"/>
+          <a:ext cx="7108305" cy="2641086"/>
+        </p:xfrm>
+        <a:graphic>
+          <a:graphicData uri="http://schemas.openxmlformats.org/drawingml/2006/table">
+            <a:tbl>
+              <a:tblPr firstRow="1" bandRow="1">
+                <a:tableStyleId>{5940675A-B579-460E-94D1-54222C63F5DA}</a:tableStyleId>
+              </a:tblPr>
+              <a:tblGrid>
+                <a:gridCol w="1421661">
+                  <a:extLst>
+                    <a:ext uri="{9D8B030D-6E8A-4147-A177-3AD203B41FA5}">
+                      <a16:colId xmlns:a16="http://schemas.microsoft.com/office/drawing/2014/main" val="1319673312"/>
+                    </a:ext>
+                  </a:extLst>
+                </a:gridCol>
+                <a:gridCol w="1421661">
+                  <a:extLst>
+                    <a:ext uri="{9D8B030D-6E8A-4147-A177-3AD203B41FA5}">
+                      <a16:colId xmlns:a16="http://schemas.microsoft.com/office/drawing/2014/main" val="2871862873"/>
+                    </a:ext>
+                  </a:extLst>
+                </a:gridCol>
+                <a:gridCol w="1421661">
+                  <a:extLst>
+                    <a:ext uri="{9D8B030D-6E8A-4147-A177-3AD203B41FA5}">
+                      <a16:colId xmlns:a16="http://schemas.microsoft.com/office/drawing/2014/main" val="1071272062"/>
+                    </a:ext>
+                  </a:extLst>
+                </a:gridCol>
+                <a:gridCol w="1421661">
+                  <a:extLst>
+                    <a:ext uri="{9D8B030D-6E8A-4147-A177-3AD203B41FA5}">
+                      <a16:colId xmlns:a16="http://schemas.microsoft.com/office/drawing/2014/main" val="2338732851"/>
+                    </a:ext>
+                  </a:extLst>
+                </a:gridCol>
+                <a:gridCol w="1421661">
+                  <a:extLst>
+                    <a:ext uri="{9D8B030D-6E8A-4147-A177-3AD203B41FA5}">
+                      <a16:colId xmlns:a16="http://schemas.microsoft.com/office/drawing/2014/main" val="12880792"/>
+                    </a:ext>
+                  </a:extLst>
+                </a:gridCol>
+              </a:tblGrid>
+              <a:tr h="440181">
+                <a:tc>
+                  <a:txBody>
+                    <a:bodyPr/>
+                    <a:lstStyle/>
+                    <a:p>
+                      <a:pPr algn="ctr" latinLnBrk="1"/>
+                      <a:r>
+                        <a:rPr lang="en-US" altLang="ko-KR" sz="1400" dirty="0"/>
+                        <a:t>Single 1042</a:t>
+                      </a:r>
+                      <a:endParaRPr lang="ko-KR" altLang="en-US" sz="1400" dirty="0"/>
+                    </a:p>
+                  </a:txBody>
+                  <a:tcPr anchor="ctr"/>
+                </a:tc>
+                <a:tc>
+                  <a:txBody>
+                    <a:bodyPr/>
+                    <a:lstStyle/>
+                    <a:p>
+                      <a:pPr algn="ctr" latinLnBrk="1"/>
+                      <a:r>
+                        <a:rPr lang="ko-KR" altLang="en-US" sz="1400" dirty="0"/>
+                        <a:t>게으른</a:t>
+                      </a:r>
+                    </a:p>
+                  </a:txBody>
+                  <a:tcPr anchor="ctr"/>
+                </a:tc>
+                <a:tc>
+                  <a:txBody>
+                    <a:bodyPr/>
+                    <a:lstStyle/>
+                    <a:p>
+                      <a:pPr algn="ctr" latinLnBrk="1"/>
+                      <a:r>
+                        <a:rPr lang="en-US" altLang="ko-KR" sz="1400" dirty="0" err="1"/>
+                        <a:t>shared_ptr</a:t>
+                      </a:r>
+                      <a:endParaRPr lang="ko-KR" altLang="en-US" sz="1400" dirty="0"/>
+                    </a:p>
+                  </a:txBody>
+                  <a:tcPr anchor="ctr"/>
+                </a:tc>
+                <a:tc>
+                  <a:txBody>
+                    <a:bodyPr/>
+                    <a:lstStyle/>
+                    <a:p>
+                      <a:pPr algn="ctr" latinLnBrk="1"/>
+                      <a:r>
+                        <a:rPr lang="ko-KR" altLang="en-US" sz="1400" dirty="0"/>
+                        <a:t>낙천</a:t>
+                      </a:r>
+                    </a:p>
+                  </a:txBody>
+                  <a:tcPr anchor="ctr"/>
+                </a:tc>
+                <a:tc>
+                  <a:txBody>
+                    <a:bodyPr/>
+                    <a:lstStyle/>
+                    <a:p>
+                      <a:pPr algn="ctr" latinLnBrk="1"/>
+                      <a:r>
+                        <a:rPr lang="ko-KR" altLang="en-US" sz="1400" dirty="0"/>
+                        <a:t>게으른</a:t>
+                      </a:r>
+                    </a:p>
+                  </a:txBody>
+                  <a:tcPr anchor="ctr"/>
+                </a:tc>
+                <a:extLst>
+                  <a:ext uri="{0D108BD9-81ED-4DB2-BD59-A6C34878D82A}">
+                    <a16:rowId xmlns:a16="http://schemas.microsoft.com/office/drawing/2014/main" val="179394230"/>
+                  </a:ext>
+                </a:extLst>
+              </a:tr>
+              <a:tr h="440181">
+                <a:tc>
+                  <a:txBody>
+                    <a:bodyPr/>
+                    <a:lstStyle/>
+                    <a:p>
+                      <a:pPr algn="ctr" latinLnBrk="1"/>
+                      <a:r>
+                        <a:rPr lang="en-US" altLang="ko-KR" sz="1400" dirty="0"/>
+                        <a:t>1</a:t>
+                      </a:r>
+                      <a:endParaRPr lang="ko-KR" altLang="en-US" sz="1400" dirty="0"/>
+                    </a:p>
+                  </a:txBody>
+                  <a:tcPr anchor="ctr"/>
+                </a:tc>
+                <a:tc>
+                  <a:txBody>
+                    <a:bodyPr/>
+                    <a:lstStyle/>
+                    <a:p>
+                      <a:pPr marL="0" marR="0" lvl="0" indent="0" algn="ctr" defTabSz="914400" rtl="0" eaLnBrk="1" fontAlgn="auto" latinLnBrk="1" hangingPunct="1">
+                        <a:lnSpc>
+                          <a:spcPct val="100000"/>
+                        </a:lnSpc>
+                        <a:spcBef>
+                          <a:spcPts val="0"/>
+                        </a:spcBef>
+                        <a:spcAft>
+                          <a:spcPts val="0"/>
+                        </a:spcAft>
+                        <a:buClrTx/>
+                        <a:buSzTx/>
+                        <a:buFontTx/>
+                        <a:buNone/>
+                        <a:tabLst/>
+                        <a:defRPr/>
+                      </a:pPr>
+                      <a:r>
+                        <a:rPr lang="en-US" altLang="ko-KR" sz="1400" dirty="0"/>
+                        <a:t>1377</a:t>
+                      </a:r>
+                      <a:endParaRPr lang="ko-KR" altLang="en-US" sz="1400" dirty="0"/>
+                    </a:p>
+                  </a:txBody>
+                  <a:tcPr anchor="ctr"/>
+                </a:tc>
+                <a:tc>
+                  <a:txBody>
+                    <a:bodyPr/>
+                    <a:lstStyle/>
+                    <a:p>
+                      <a:pPr marL="0" marR="0" lvl="0" indent="0" algn="ctr" defTabSz="914400" rtl="0" eaLnBrk="1" fontAlgn="auto" latinLnBrk="1" hangingPunct="1">
+                        <a:lnSpc>
+                          <a:spcPct val="100000"/>
+                        </a:lnSpc>
+                        <a:spcBef>
+                          <a:spcPts val="0"/>
+                        </a:spcBef>
+                        <a:spcAft>
+                          <a:spcPts val="0"/>
+                        </a:spcAft>
+                        <a:buClrTx/>
+                        <a:buSzTx/>
+                        <a:buFontTx/>
+                        <a:buNone/>
+                        <a:tabLst/>
+                        <a:defRPr/>
+                      </a:pPr>
+                      <a:r>
+                        <a:rPr lang="en-US" altLang="ko-KR" sz="1400" dirty="0"/>
+                        <a:t>18170</a:t>
+                      </a:r>
+                      <a:endParaRPr lang="ko-KR" altLang="en-US" sz="1400" dirty="0"/>
+                    </a:p>
+                  </a:txBody>
+                  <a:tcPr anchor="ctr"/>
+                </a:tc>
+                <a:tc>
+                  <a:txBody>
+                    <a:bodyPr/>
+                    <a:lstStyle/>
+                    <a:p>
+                      <a:pPr marL="0" marR="0" lvl="0" indent="0" algn="ctr" defTabSz="914400" rtl="0" eaLnBrk="1" fontAlgn="auto" latinLnBrk="1" hangingPunct="1">
+                        <a:lnSpc>
+                          <a:spcPct val="100000"/>
+                        </a:lnSpc>
+                        <a:spcBef>
+                          <a:spcPts val="0"/>
+                        </a:spcBef>
+                        <a:spcAft>
+                          <a:spcPts val="0"/>
+                        </a:spcAft>
+                        <a:buClrTx/>
+                        <a:buSzTx/>
+                        <a:buFontTx/>
+                        <a:buNone/>
+                        <a:tabLst/>
+                        <a:defRPr/>
+                      </a:pPr>
+                      <a:endParaRPr lang="ko-KR" altLang="en-US" sz="1400" dirty="0"/>
+                    </a:p>
+                  </a:txBody>
+                  <a:tcPr anchor="ctr"/>
+                </a:tc>
+                <a:tc>
+                  <a:txBody>
+                    <a:bodyPr/>
+                    <a:lstStyle/>
+                    <a:p>
+                      <a:pPr marL="0" marR="0" lvl="0" indent="0" algn="ctr" defTabSz="914400" rtl="0" eaLnBrk="1" fontAlgn="auto" latinLnBrk="1" hangingPunct="1">
+                        <a:lnSpc>
+                          <a:spcPct val="100000"/>
+                        </a:lnSpc>
+                        <a:spcBef>
+                          <a:spcPts val="0"/>
+                        </a:spcBef>
+                        <a:spcAft>
+                          <a:spcPts val="0"/>
+                        </a:spcAft>
+                        <a:buClrTx/>
+                        <a:buSzTx/>
+                        <a:buFontTx/>
+                        <a:buNone/>
+                        <a:tabLst/>
+                        <a:defRPr/>
+                      </a:pPr>
+                      <a:r>
+                        <a:rPr lang="en-US" altLang="ko-KR" sz="1400" dirty="0"/>
+                        <a:t>1377</a:t>
+                      </a:r>
+                      <a:endParaRPr lang="ko-KR" altLang="en-US" sz="1400" dirty="0"/>
+                    </a:p>
+                  </a:txBody>
+                  <a:tcPr anchor="ctr"/>
+                </a:tc>
+                <a:extLst>
+                  <a:ext uri="{0D108BD9-81ED-4DB2-BD59-A6C34878D82A}">
+                    <a16:rowId xmlns:a16="http://schemas.microsoft.com/office/drawing/2014/main" val="1496120675"/>
+                  </a:ext>
+                </a:extLst>
+              </a:tr>
+              <a:tr h="440181">
+                <a:tc>
+                  <a:txBody>
+                    <a:bodyPr/>
+                    <a:lstStyle/>
+                    <a:p>
+                      <a:pPr algn="ctr" latinLnBrk="1"/>
+                      <a:r>
+                        <a:rPr lang="en-US" altLang="ko-KR" sz="1400" dirty="0"/>
+                        <a:t>2</a:t>
+                      </a:r>
+                      <a:endParaRPr lang="ko-KR" altLang="en-US" sz="1400" dirty="0"/>
+                    </a:p>
+                  </a:txBody>
+                  <a:tcPr anchor="ctr"/>
+                </a:tc>
+                <a:tc>
+                  <a:txBody>
+                    <a:bodyPr/>
+                    <a:lstStyle/>
+                    <a:p>
+                      <a:pPr marL="0" marR="0" lvl="0" indent="0" algn="ctr" defTabSz="914400" rtl="0" eaLnBrk="1" fontAlgn="auto" latinLnBrk="1" hangingPunct="1">
+                        <a:lnSpc>
+                          <a:spcPct val="100000"/>
+                        </a:lnSpc>
+                        <a:spcBef>
+                          <a:spcPts val="0"/>
+                        </a:spcBef>
+                        <a:spcAft>
+                          <a:spcPts val="0"/>
+                        </a:spcAft>
+                        <a:buClrTx/>
+                        <a:buSzTx/>
+                        <a:buFontTx/>
+                        <a:buNone/>
+                        <a:tabLst/>
+                        <a:defRPr/>
+                      </a:pPr>
+                      <a:r>
+                        <a:rPr lang="en-US" altLang="ko-KR" sz="1400" dirty="0"/>
+                        <a:t>906</a:t>
+                      </a:r>
+                      <a:endParaRPr lang="ko-KR" altLang="en-US" sz="1400" dirty="0"/>
+                    </a:p>
+                  </a:txBody>
+                  <a:tcPr anchor="ctr"/>
+                </a:tc>
+                <a:tc>
+                  <a:txBody>
+                    <a:bodyPr/>
+                    <a:lstStyle/>
+                    <a:p>
+                      <a:pPr marL="0" marR="0" lvl="0" indent="0" algn="ctr" defTabSz="914400" rtl="0" eaLnBrk="1" fontAlgn="auto" latinLnBrk="1" hangingPunct="1">
+                        <a:lnSpc>
+                          <a:spcPct val="100000"/>
+                        </a:lnSpc>
+                        <a:spcBef>
+                          <a:spcPts val="0"/>
+                        </a:spcBef>
+                        <a:spcAft>
+                          <a:spcPts val="0"/>
+                        </a:spcAft>
+                        <a:buClrTx/>
+                        <a:buSzTx/>
+                        <a:buFontTx/>
+                        <a:buNone/>
+                        <a:tabLst/>
+                        <a:defRPr/>
+                      </a:pPr>
+                      <a:r>
+                        <a:rPr lang="en-US" altLang="ko-KR" sz="1400" dirty="0"/>
+                        <a:t>X</a:t>
+                      </a:r>
+                      <a:endParaRPr lang="ko-KR" altLang="en-US" sz="1400" dirty="0"/>
+                    </a:p>
+                  </a:txBody>
+                  <a:tcPr anchor="ctr"/>
+                </a:tc>
+                <a:tc>
+                  <a:txBody>
+                    <a:bodyPr/>
+                    <a:lstStyle/>
+                    <a:p>
+                      <a:pPr marL="0" marR="0" lvl="0" indent="0" algn="ctr" defTabSz="914400" rtl="0" eaLnBrk="1" fontAlgn="auto" latinLnBrk="1" hangingPunct="1">
+                        <a:lnSpc>
+                          <a:spcPct val="100000"/>
+                        </a:lnSpc>
+                        <a:spcBef>
+                          <a:spcPts val="0"/>
+                        </a:spcBef>
+                        <a:spcAft>
+                          <a:spcPts val="0"/>
+                        </a:spcAft>
+                        <a:buClrTx/>
+                        <a:buSzTx/>
+                        <a:buFontTx/>
+                        <a:buNone/>
+                        <a:tabLst/>
+                        <a:defRPr/>
+                      </a:pPr>
+                      <a:endParaRPr lang="ko-KR" altLang="en-US" sz="1400" dirty="0"/>
+                    </a:p>
+                  </a:txBody>
+                  <a:tcPr anchor="ctr"/>
+                </a:tc>
+                <a:tc>
+                  <a:txBody>
+                    <a:bodyPr/>
+                    <a:lstStyle/>
+                    <a:p>
+                      <a:pPr marL="0" marR="0" lvl="0" indent="0" algn="ctr" defTabSz="914400" rtl="0" eaLnBrk="1" fontAlgn="auto" latinLnBrk="1" hangingPunct="1">
+                        <a:lnSpc>
+                          <a:spcPct val="100000"/>
+                        </a:lnSpc>
+                        <a:spcBef>
+                          <a:spcPts val="0"/>
+                        </a:spcBef>
+                        <a:spcAft>
+                          <a:spcPts val="0"/>
+                        </a:spcAft>
+                        <a:buClrTx/>
+                        <a:buSzTx/>
+                        <a:buFontTx/>
+                        <a:buNone/>
+                        <a:tabLst/>
+                        <a:defRPr/>
+                      </a:pPr>
+                      <a:r>
+                        <a:rPr lang="en-US" altLang="ko-KR" sz="1400" dirty="0"/>
+                        <a:t>906</a:t>
+                      </a:r>
+                      <a:endParaRPr lang="ko-KR" altLang="en-US" sz="1400" dirty="0"/>
+                    </a:p>
+                  </a:txBody>
+                  <a:tcPr anchor="ctr"/>
+                </a:tc>
+                <a:extLst>
+                  <a:ext uri="{0D108BD9-81ED-4DB2-BD59-A6C34878D82A}">
+                    <a16:rowId xmlns:a16="http://schemas.microsoft.com/office/drawing/2014/main" val="2893682346"/>
+                  </a:ext>
+                </a:extLst>
+              </a:tr>
+              <a:tr h="440181">
+                <a:tc>
+                  <a:txBody>
+                    <a:bodyPr/>
+                    <a:lstStyle/>
+                    <a:p>
+                      <a:pPr algn="ctr" latinLnBrk="1"/>
+                      <a:r>
+                        <a:rPr lang="en-US" altLang="ko-KR" sz="1400" dirty="0"/>
+                        <a:t>4</a:t>
+                      </a:r>
+                      <a:endParaRPr lang="ko-KR" altLang="en-US" sz="1400" dirty="0"/>
+                    </a:p>
+                  </a:txBody>
+                  <a:tcPr anchor="ctr"/>
+                </a:tc>
+                <a:tc>
+                  <a:txBody>
+                    <a:bodyPr/>
+                    <a:lstStyle/>
+                    <a:p>
+                      <a:pPr marL="0" marR="0" lvl="0" indent="0" algn="ctr" defTabSz="914400" rtl="0" eaLnBrk="1" fontAlgn="auto" latinLnBrk="1" hangingPunct="1">
+                        <a:lnSpc>
+                          <a:spcPct val="100000"/>
+                        </a:lnSpc>
+                        <a:spcBef>
+                          <a:spcPts val="0"/>
+                        </a:spcBef>
+                        <a:spcAft>
+                          <a:spcPts val="0"/>
+                        </a:spcAft>
+                        <a:buClrTx/>
+                        <a:buSzTx/>
+                        <a:buFontTx/>
+                        <a:buNone/>
+                        <a:tabLst/>
+                        <a:defRPr/>
+                      </a:pPr>
+                      <a:r>
+                        <a:rPr lang="en-US" altLang="ko-KR" sz="1400" dirty="0"/>
+                        <a:t>570</a:t>
+                      </a:r>
+                      <a:endParaRPr lang="ko-KR" altLang="en-US" sz="1400" dirty="0"/>
+                    </a:p>
+                  </a:txBody>
+                  <a:tcPr anchor="ctr"/>
+                </a:tc>
+                <a:tc>
+                  <a:txBody>
+                    <a:bodyPr/>
+                    <a:lstStyle/>
+                    <a:p>
+                      <a:pPr marL="0" marR="0" lvl="0" indent="0" algn="ctr" defTabSz="914400" rtl="0" eaLnBrk="1" fontAlgn="auto" latinLnBrk="1" hangingPunct="1">
+                        <a:lnSpc>
+                          <a:spcPct val="100000"/>
+                        </a:lnSpc>
+                        <a:spcBef>
+                          <a:spcPts val="0"/>
+                        </a:spcBef>
+                        <a:spcAft>
+                          <a:spcPts val="0"/>
+                        </a:spcAft>
+                        <a:buClrTx/>
+                        <a:buSzTx/>
+                        <a:buFontTx/>
+                        <a:buNone/>
+                        <a:tabLst/>
+                        <a:defRPr/>
+                      </a:pPr>
+                      <a:r>
+                        <a:rPr lang="en-US" altLang="ko-KR" sz="1400" dirty="0"/>
+                        <a:t>X</a:t>
+                      </a:r>
+                      <a:endParaRPr lang="ko-KR" altLang="en-US" sz="1400" dirty="0"/>
+                    </a:p>
+                  </a:txBody>
+                  <a:tcPr anchor="ctr"/>
+                </a:tc>
+                <a:tc>
+                  <a:txBody>
+                    <a:bodyPr/>
+                    <a:lstStyle/>
+                    <a:p>
+                      <a:pPr marL="0" marR="0" lvl="0" indent="0" algn="ctr" defTabSz="914400" rtl="0" eaLnBrk="1" fontAlgn="auto" latinLnBrk="1" hangingPunct="1">
+                        <a:lnSpc>
+                          <a:spcPct val="100000"/>
+                        </a:lnSpc>
+                        <a:spcBef>
+                          <a:spcPts val="0"/>
+                        </a:spcBef>
+                        <a:spcAft>
+                          <a:spcPts val="0"/>
+                        </a:spcAft>
+                        <a:buClrTx/>
+                        <a:buSzTx/>
+                        <a:buFontTx/>
+                        <a:buNone/>
+                        <a:tabLst/>
+                        <a:defRPr/>
+                      </a:pPr>
+                      <a:endParaRPr lang="ko-KR" altLang="en-US" sz="1400" dirty="0"/>
+                    </a:p>
+                  </a:txBody>
+                  <a:tcPr anchor="ctr"/>
+                </a:tc>
+                <a:tc>
+                  <a:txBody>
+                    <a:bodyPr/>
+                    <a:lstStyle/>
+                    <a:p>
+                      <a:pPr marL="0" marR="0" lvl="0" indent="0" algn="ctr" defTabSz="914400" rtl="0" eaLnBrk="1" fontAlgn="auto" latinLnBrk="1" hangingPunct="1">
+                        <a:lnSpc>
+                          <a:spcPct val="100000"/>
+                        </a:lnSpc>
+                        <a:spcBef>
+                          <a:spcPts val="0"/>
+                        </a:spcBef>
+                        <a:spcAft>
+                          <a:spcPts val="0"/>
+                        </a:spcAft>
+                        <a:buClrTx/>
+                        <a:buSzTx/>
+                        <a:buFontTx/>
+                        <a:buNone/>
+                        <a:tabLst/>
+                        <a:defRPr/>
+                      </a:pPr>
+                      <a:r>
+                        <a:rPr lang="en-US" altLang="ko-KR" sz="1400" dirty="0"/>
+                        <a:t>570</a:t>
+                      </a:r>
+                      <a:endParaRPr lang="ko-KR" altLang="en-US" sz="1400" dirty="0"/>
+                    </a:p>
+                  </a:txBody>
+                  <a:tcPr anchor="ctr"/>
+                </a:tc>
+                <a:extLst>
+                  <a:ext uri="{0D108BD9-81ED-4DB2-BD59-A6C34878D82A}">
+                    <a16:rowId xmlns:a16="http://schemas.microsoft.com/office/drawing/2014/main" val="1508387431"/>
+                  </a:ext>
+                </a:extLst>
+              </a:tr>
+              <a:tr h="440181">
+                <a:tc>
+                  <a:txBody>
+                    <a:bodyPr/>
+                    <a:lstStyle/>
+                    <a:p>
+                      <a:pPr algn="ctr" latinLnBrk="1"/>
+                      <a:r>
+                        <a:rPr lang="en-US" altLang="ko-KR" sz="1400" dirty="0"/>
+                        <a:t>8</a:t>
+                      </a:r>
+                      <a:endParaRPr lang="ko-KR" altLang="en-US" sz="1400" dirty="0"/>
+                    </a:p>
+                  </a:txBody>
+                  <a:tcPr anchor="ctr"/>
+                </a:tc>
+                <a:tc>
+                  <a:txBody>
+                    <a:bodyPr/>
+                    <a:lstStyle/>
+                    <a:p>
+                      <a:pPr marL="0" marR="0" lvl="0" indent="0" algn="ctr" defTabSz="914400" rtl="0" eaLnBrk="1" fontAlgn="auto" latinLnBrk="1" hangingPunct="1">
+                        <a:lnSpc>
+                          <a:spcPct val="100000"/>
+                        </a:lnSpc>
+                        <a:spcBef>
+                          <a:spcPts val="0"/>
+                        </a:spcBef>
+                        <a:spcAft>
+                          <a:spcPts val="0"/>
+                        </a:spcAft>
+                        <a:buClrTx/>
+                        <a:buSzTx/>
+                        <a:buFontTx/>
+                        <a:buNone/>
+                        <a:tabLst/>
+                        <a:defRPr/>
+                      </a:pPr>
+                      <a:r>
+                        <a:rPr lang="en-US" altLang="ko-KR" sz="1400" dirty="0"/>
+                        <a:t>390</a:t>
+                      </a:r>
+                      <a:endParaRPr lang="ko-KR" altLang="en-US" sz="1400" dirty="0"/>
+                    </a:p>
+                  </a:txBody>
+                  <a:tcPr anchor="ctr"/>
+                </a:tc>
+                <a:tc>
+                  <a:txBody>
+                    <a:bodyPr/>
+                    <a:lstStyle/>
+                    <a:p>
+                      <a:pPr marL="0" marR="0" lvl="0" indent="0" algn="ctr" defTabSz="914400" rtl="0" eaLnBrk="1" fontAlgn="auto" latinLnBrk="1" hangingPunct="1">
+                        <a:lnSpc>
+                          <a:spcPct val="100000"/>
+                        </a:lnSpc>
+                        <a:spcBef>
+                          <a:spcPts val="0"/>
+                        </a:spcBef>
+                        <a:spcAft>
+                          <a:spcPts val="0"/>
+                        </a:spcAft>
+                        <a:buClrTx/>
+                        <a:buSzTx/>
+                        <a:buFontTx/>
+                        <a:buNone/>
+                        <a:tabLst/>
+                        <a:defRPr/>
+                      </a:pPr>
+                      <a:r>
+                        <a:rPr lang="en-US" altLang="ko-KR" sz="1400" dirty="0"/>
+                        <a:t>X</a:t>
+                      </a:r>
+                      <a:endParaRPr lang="ko-KR" altLang="en-US" sz="1400" dirty="0"/>
+                    </a:p>
+                  </a:txBody>
+                  <a:tcPr anchor="ctr"/>
+                </a:tc>
+                <a:tc>
+                  <a:txBody>
+                    <a:bodyPr/>
+                    <a:lstStyle/>
+                    <a:p>
+                      <a:pPr marL="0" marR="0" lvl="0" indent="0" algn="ctr" defTabSz="914400" rtl="0" eaLnBrk="1" fontAlgn="auto" latinLnBrk="1" hangingPunct="1">
+                        <a:lnSpc>
+                          <a:spcPct val="100000"/>
+                        </a:lnSpc>
+                        <a:spcBef>
+                          <a:spcPts val="0"/>
+                        </a:spcBef>
+                        <a:spcAft>
+                          <a:spcPts val="0"/>
+                        </a:spcAft>
+                        <a:buClrTx/>
+                        <a:buSzTx/>
+                        <a:buFontTx/>
+                        <a:buNone/>
+                        <a:tabLst/>
+                        <a:defRPr/>
+                      </a:pPr>
+                      <a:endParaRPr lang="ko-KR" altLang="en-US" sz="1400" dirty="0"/>
+                    </a:p>
+                  </a:txBody>
+                  <a:tcPr anchor="ctr"/>
+                </a:tc>
+                <a:tc>
+                  <a:txBody>
+                    <a:bodyPr/>
+                    <a:lstStyle/>
+                    <a:p>
+                      <a:pPr marL="0" marR="0" lvl="0" indent="0" algn="ctr" defTabSz="914400" rtl="0" eaLnBrk="1" fontAlgn="auto" latinLnBrk="1" hangingPunct="1">
+                        <a:lnSpc>
+                          <a:spcPct val="100000"/>
+                        </a:lnSpc>
+                        <a:spcBef>
+                          <a:spcPts val="0"/>
+                        </a:spcBef>
+                        <a:spcAft>
+                          <a:spcPts val="0"/>
+                        </a:spcAft>
+                        <a:buClrTx/>
+                        <a:buSzTx/>
+                        <a:buFontTx/>
+                        <a:buNone/>
+                        <a:tabLst/>
+                        <a:defRPr/>
+                      </a:pPr>
+                      <a:r>
+                        <a:rPr lang="en-US" altLang="ko-KR" sz="1400" dirty="0"/>
+                        <a:t>390</a:t>
+                      </a:r>
+                      <a:endParaRPr lang="ko-KR" altLang="en-US" sz="1400" dirty="0"/>
+                    </a:p>
+                  </a:txBody>
+                  <a:tcPr anchor="ctr"/>
+                </a:tc>
+                <a:extLst>
+                  <a:ext uri="{0D108BD9-81ED-4DB2-BD59-A6C34878D82A}">
+                    <a16:rowId xmlns:a16="http://schemas.microsoft.com/office/drawing/2014/main" val="2529902944"/>
+                  </a:ext>
+                </a:extLst>
+              </a:tr>
+              <a:tr h="440181">
+                <a:tc>
+                  <a:txBody>
+                    <a:bodyPr/>
+                    <a:lstStyle/>
+                    <a:p>
+                      <a:pPr algn="ctr" latinLnBrk="1"/>
+                      <a:r>
+                        <a:rPr lang="en-US" altLang="ko-KR" sz="1400" dirty="0"/>
+                        <a:t>16</a:t>
+                      </a:r>
+                      <a:endParaRPr lang="ko-KR" altLang="en-US" sz="1400" dirty="0"/>
+                    </a:p>
+                  </a:txBody>
+                  <a:tcPr anchor="ctr"/>
+                </a:tc>
+                <a:tc>
+                  <a:txBody>
+                    <a:bodyPr/>
+                    <a:lstStyle/>
+                    <a:p>
+                      <a:pPr marL="0" marR="0" lvl="0" indent="0" algn="ctr" defTabSz="914400" rtl="0" eaLnBrk="1" fontAlgn="auto" latinLnBrk="1" hangingPunct="1">
+                        <a:lnSpc>
+                          <a:spcPct val="100000"/>
+                        </a:lnSpc>
+                        <a:spcBef>
+                          <a:spcPts val="0"/>
+                        </a:spcBef>
+                        <a:spcAft>
+                          <a:spcPts val="0"/>
+                        </a:spcAft>
+                        <a:buClrTx/>
+                        <a:buSzTx/>
+                        <a:buFontTx/>
+                        <a:buNone/>
+                        <a:tabLst/>
+                        <a:defRPr/>
+                      </a:pPr>
+                      <a:r>
+                        <a:rPr lang="en-US" altLang="ko-KR" sz="1400" dirty="0"/>
+                        <a:t>315</a:t>
+                      </a:r>
+                      <a:endParaRPr lang="ko-KR" altLang="en-US" sz="1400" dirty="0"/>
+                    </a:p>
+                  </a:txBody>
+                  <a:tcPr anchor="ctr"/>
+                </a:tc>
+                <a:tc>
+                  <a:txBody>
+                    <a:bodyPr/>
+                    <a:lstStyle/>
+                    <a:p>
+                      <a:pPr marL="0" marR="0" lvl="0" indent="0" algn="ctr" defTabSz="914400" rtl="0" eaLnBrk="1" fontAlgn="auto" latinLnBrk="1" hangingPunct="1">
+                        <a:lnSpc>
+                          <a:spcPct val="100000"/>
+                        </a:lnSpc>
+                        <a:spcBef>
+                          <a:spcPts val="0"/>
+                        </a:spcBef>
+                        <a:spcAft>
+                          <a:spcPts val="0"/>
+                        </a:spcAft>
+                        <a:buClrTx/>
+                        <a:buSzTx/>
+                        <a:buFontTx/>
+                        <a:buNone/>
+                        <a:tabLst/>
+                        <a:defRPr/>
+                      </a:pPr>
+                      <a:r>
+                        <a:rPr lang="en-US" altLang="ko-KR" sz="1400" dirty="0"/>
+                        <a:t>X</a:t>
+                      </a:r>
+                      <a:endParaRPr lang="ko-KR" altLang="en-US" sz="1400" dirty="0"/>
+                    </a:p>
+                  </a:txBody>
+                  <a:tcPr anchor="ctr"/>
+                </a:tc>
+                <a:tc>
+                  <a:txBody>
+                    <a:bodyPr/>
+                    <a:lstStyle/>
+                    <a:p>
+                      <a:pPr marL="0" marR="0" lvl="0" indent="0" algn="ctr" defTabSz="914400" rtl="0" eaLnBrk="1" fontAlgn="auto" latinLnBrk="1" hangingPunct="1">
+                        <a:lnSpc>
+                          <a:spcPct val="100000"/>
+                        </a:lnSpc>
+                        <a:spcBef>
+                          <a:spcPts val="0"/>
+                        </a:spcBef>
+                        <a:spcAft>
+                          <a:spcPts val="0"/>
+                        </a:spcAft>
+                        <a:buClrTx/>
+                        <a:buSzTx/>
+                        <a:buFontTx/>
+                        <a:buNone/>
+                        <a:tabLst/>
+                        <a:defRPr/>
+                      </a:pPr>
+                      <a:r>
+                        <a:rPr lang="en-US" altLang="ko-KR" sz="1400" dirty="0"/>
+                        <a:t>837</a:t>
+                      </a:r>
+                      <a:endParaRPr lang="ko-KR" altLang="en-US" sz="1400" dirty="0"/>
+                    </a:p>
+                  </a:txBody>
+                  <a:tcPr anchor="ctr"/>
+                </a:tc>
+                <a:tc>
+                  <a:txBody>
+                    <a:bodyPr/>
+                    <a:lstStyle/>
+                    <a:p>
+                      <a:pPr marL="0" marR="0" lvl="0" indent="0" algn="ctr" defTabSz="914400" rtl="0" eaLnBrk="1" fontAlgn="auto" latinLnBrk="1" hangingPunct="1">
+                        <a:lnSpc>
+                          <a:spcPct val="100000"/>
+                        </a:lnSpc>
+                        <a:spcBef>
+                          <a:spcPts val="0"/>
+                        </a:spcBef>
+                        <a:spcAft>
+                          <a:spcPts val="0"/>
+                        </a:spcAft>
+                        <a:buClrTx/>
+                        <a:buSzTx/>
+                        <a:buFontTx/>
+                        <a:buNone/>
+                        <a:tabLst/>
+                        <a:defRPr/>
+                      </a:pPr>
+                      <a:r>
+                        <a:rPr lang="en-US" altLang="ko-KR" sz="1400" dirty="0"/>
+                        <a:t>315</a:t>
+                      </a:r>
+                      <a:endParaRPr lang="ko-KR" altLang="en-US" sz="1400" dirty="0"/>
                     </a:p>
                   </a:txBody>
                   <a:tcPr anchor="ctr"/>

--- a/MCP2025/새 프레젠테이션 문서.pptx
+++ b/MCP2025/새 프레젠테이션 문서.pptx
@@ -261,7 +261,7 @@
           <a:p>
             <a:fld id="{2278C4D4-34BA-41F3-BA62-1B1F2BB85AFB}" type="datetimeFigureOut">
               <a:rPr lang="ko-KR" altLang="en-US" smtClean="0"/>
-              <a:t>2025-04-15</a:t>
+              <a:t>2025-05-12</a:t>
             </a:fld>
             <a:endParaRPr lang="ko-KR" altLang="en-US"/>
           </a:p>
@@ -459,7 +459,7 @@
           <a:p>
             <a:fld id="{2278C4D4-34BA-41F3-BA62-1B1F2BB85AFB}" type="datetimeFigureOut">
               <a:rPr lang="ko-KR" altLang="en-US" smtClean="0"/>
-              <a:t>2025-04-15</a:t>
+              <a:t>2025-05-12</a:t>
             </a:fld>
             <a:endParaRPr lang="ko-KR" altLang="en-US"/>
           </a:p>
@@ -667,7 +667,7 @@
           <a:p>
             <a:fld id="{2278C4D4-34BA-41F3-BA62-1B1F2BB85AFB}" type="datetimeFigureOut">
               <a:rPr lang="ko-KR" altLang="en-US" smtClean="0"/>
-              <a:t>2025-04-15</a:t>
+              <a:t>2025-05-12</a:t>
             </a:fld>
             <a:endParaRPr lang="ko-KR" altLang="en-US"/>
           </a:p>
@@ -865,7 +865,7 @@
           <a:p>
             <a:fld id="{2278C4D4-34BA-41F3-BA62-1B1F2BB85AFB}" type="datetimeFigureOut">
               <a:rPr lang="ko-KR" altLang="en-US" smtClean="0"/>
-              <a:t>2025-04-15</a:t>
+              <a:t>2025-05-12</a:t>
             </a:fld>
             <a:endParaRPr lang="ko-KR" altLang="en-US"/>
           </a:p>
@@ -1140,7 +1140,7 @@
           <a:p>
             <a:fld id="{2278C4D4-34BA-41F3-BA62-1B1F2BB85AFB}" type="datetimeFigureOut">
               <a:rPr lang="ko-KR" altLang="en-US" smtClean="0"/>
-              <a:t>2025-04-15</a:t>
+              <a:t>2025-05-12</a:t>
             </a:fld>
             <a:endParaRPr lang="ko-KR" altLang="en-US"/>
           </a:p>
@@ -1405,7 +1405,7 @@
           <a:p>
             <a:fld id="{2278C4D4-34BA-41F3-BA62-1B1F2BB85AFB}" type="datetimeFigureOut">
               <a:rPr lang="ko-KR" altLang="en-US" smtClean="0"/>
-              <a:t>2025-04-15</a:t>
+              <a:t>2025-05-12</a:t>
             </a:fld>
             <a:endParaRPr lang="ko-KR" altLang="en-US"/>
           </a:p>
@@ -1817,7 +1817,7 @@
           <a:p>
             <a:fld id="{2278C4D4-34BA-41F3-BA62-1B1F2BB85AFB}" type="datetimeFigureOut">
               <a:rPr lang="ko-KR" altLang="en-US" smtClean="0"/>
-              <a:t>2025-04-15</a:t>
+              <a:t>2025-05-12</a:t>
             </a:fld>
             <a:endParaRPr lang="ko-KR" altLang="en-US"/>
           </a:p>
@@ -1958,7 +1958,7 @@
           <a:p>
             <a:fld id="{2278C4D4-34BA-41F3-BA62-1B1F2BB85AFB}" type="datetimeFigureOut">
               <a:rPr lang="ko-KR" altLang="en-US" smtClean="0"/>
-              <a:t>2025-04-15</a:t>
+              <a:t>2025-05-12</a:t>
             </a:fld>
             <a:endParaRPr lang="ko-KR" altLang="en-US"/>
           </a:p>
@@ -2071,7 +2071,7 @@
           <a:p>
             <a:fld id="{2278C4D4-34BA-41F3-BA62-1B1F2BB85AFB}" type="datetimeFigureOut">
               <a:rPr lang="ko-KR" altLang="en-US" smtClean="0"/>
-              <a:t>2025-04-15</a:t>
+              <a:t>2025-05-12</a:t>
             </a:fld>
             <a:endParaRPr lang="ko-KR" altLang="en-US"/>
           </a:p>
@@ -2382,7 +2382,7 @@
           <a:p>
             <a:fld id="{2278C4D4-34BA-41F3-BA62-1B1F2BB85AFB}" type="datetimeFigureOut">
               <a:rPr lang="ko-KR" altLang="en-US" smtClean="0"/>
-              <a:t>2025-04-15</a:t>
+              <a:t>2025-05-12</a:t>
             </a:fld>
             <a:endParaRPr lang="ko-KR" altLang="en-US"/>
           </a:p>
@@ -2670,7 +2670,7 @@
           <a:p>
             <a:fld id="{2278C4D4-34BA-41F3-BA62-1B1F2BB85AFB}" type="datetimeFigureOut">
               <a:rPr lang="ko-KR" altLang="en-US" smtClean="0"/>
-              <a:t>2025-04-15</a:t>
+              <a:t>2025-05-12</a:t>
             </a:fld>
             <a:endParaRPr lang="ko-KR" altLang="en-US"/>
           </a:p>
@@ -2911,7 +2911,7 @@
           <a:p>
             <a:fld id="{2278C4D4-34BA-41F3-BA62-1B1F2BB85AFB}" type="datetimeFigureOut">
               <a:rPr lang="ko-KR" altLang="en-US" smtClean="0"/>
-              <a:t>2025-04-15</a:t>
+              <a:t>2025-05-12</a:t>
             </a:fld>
             <a:endParaRPr lang="ko-KR" altLang="en-US"/>
           </a:p>
@@ -5932,6 +5932,1783 @@
           <a:chExt cx="0" cy="0"/>
         </a:xfrm>
       </p:grpSpPr>
+      <p:sp>
+        <p:nvSpPr>
+          <p:cNvPr id="2" name="TextBox 1">
+            <a:extLst>
+              <a:ext uri="{FF2B5EF4-FFF2-40B4-BE49-F238E27FC236}">
+                <a16:creationId xmlns:a16="http://schemas.microsoft.com/office/drawing/2014/main" id="{45692372-CBA8-C5B3-88DF-C1FE6657B189}"/>
+              </a:ext>
+            </a:extLst>
+          </p:cNvPr>
+          <p:cNvSpPr txBox="1"/>
+          <p:nvPr/>
+        </p:nvSpPr>
+        <p:spPr>
+          <a:xfrm flipH="1">
+            <a:off x="195603" y="6194009"/>
+            <a:ext cx="5685907" cy="369332"/>
+          </a:xfrm>
+          <a:prstGeom prst="rect">
+            <a:avLst/>
+          </a:prstGeom>
+          <a:noFill/>
+        </p:spPr>
+        <p:txBody>
+          <a:bodyPr wrap="square" rtlCol="0">
+            <a:spAutoFit/>
+          </a:bodyPr>
+          <a:lstStyle/>
+          <a:p>
+            <a:r>
+              <a:rPr lang="en-US" altLang="ko-KR" dirty="0"/>
+              <a:t>Intel i5-11400F / 6Core / </a:t>
+            </a:r>
+            <a:r>
+              <a:rPr lang="en-US" altLang="ko-KR" b="0" i="0" dirty="0">
+                <a:solidFill>
+                  <a:srgbClr val="262626"/>
+                </a:solidFill>
+                <a:effectLst/>
+                <a:latin typeface="Malgun Gothic" panose="020B0503020000020004" pitchFamily="50" charset="-127"/>
+                <a:ea typeface="Malgun Gothic" panose="020B0503020000020004" pitchFamily="50" charset="-127"/>
+              </a:rPr>
+              <a:t>2.60 GHz</a:t>
+            </a:r>
+            <a:endParaRPr lang="ko-KR" altLang="en-US" dirty="0"/>
+          </a:p>
+        </p:txBody>
+      </p:sp>
+      <p:graphicFrame>
+        <p:nvGraphicFramePr>
+          <p:cNvPr id="3" name="표 2">
+            <a:extLst>
+              <a:ext uri="{FF2B5EF4-FFF2-40B4-BE49-F238E27FC236}">
+                <a16:creationId xmlns:a16="http://schemas.microsoft.com/office/drawing/2014/main" id="{42E4201F-2C2A-B6FE-BDF0-427008ED12A8}"/>
+              </a:ext>
+            </a:extLst>
+          </p:cNvPr>
+          <p:cNvGraphicFramePr>
+            <a:graphicFrameLocks noGrp="1"/>
+          </p:cNvGraphicFramePr>
+          <p:nvPr>
+            <p:extLst>
+              <p:ext uri="{D42A27DB-BD31-4B8C-83A1-F6EECF244321}">
+                <p14:modId xmlns:p14="http://schemas.microsoft.com/office/powerpoint/2010/main" val="291646523"/>
+              </p:ext>
+            </p:extLst>
+          </p:nvPr>
+        </p:nvGraphicFramePr>
+        <p:xfrm>
+          <a:off x="410093" y="429492"/>
+          <a:ext cx="7108305" cy="2641086"/>
+        </p:xfrm>
+        <a:graphic>
+          <a:graphicData uri="http://schemas.openxmlformats.org/drawingml/2006/table">
+            <a:tbl>
+              <a:tblPr firstRow="1" bandRow="1">
+                <a:tableStyleId>{5940675A-B579-460E-94D1-54222C63F5DA}</a:tableStyleId>
+              </a:tblPr>
+              <a:tblGrid>
+                <a:gridCol w="1421661">
+                  <a:extLst>
+                    <a:ext uri="{9D8B030D-6E8A-4147-A177-3AD203B41FA5}">
+                      <a16:colId xmlns:a16="http://schemas.microsoft.com/office/drawing/2014/main" val="1319673312"/>
+                    </a:ext>
+                  </a:extLst>
+                </a:gridCol>
+                <a:gridCol w="1421661">
+                  <a:extLst>
+                    <a:ext uri="{9D8B030D-6E8A-4147-A177-3AD203B41FA5}">
+                      <a16:colId xmlns:a16="http://schemas.microsoft.com/office/drawing/2014/main" val="2871862873"/>
+                    </a:ext>
+                  </a:extLst>
+                </a:gridCol>
+                <a:gridCol w="1421661">
+                  <a:extLst>
+                    <a:ext uri="{9D8B030D-6E8A-4147-A177-3AD203B41FA5}">
+                      <a16:colId xmlns:a16="http://schemas.microsoft.com/office/drawing/2014/main" val="1071272062"/>
+                    </a:ext>
+                  </a:extLst>
+                </a:gridCol>
+                <a:gridCol w="1421661">
+                  <a:extLst>
+                    <a:ext uri="{9D8B030D-6E8A-4147-A177-3AD203B41FA5}">
+                      <a16:colId xmlns:a16="http://schemas.microsoft.com/office/drawing/2014/main" val="2338732851"/>
+                    </a:ext>
+                  </a:extLst>
+                </a:gridCol>
+                <a:gridCol w="1421661">
+                  <a:extLst>
+                    <a:ext uri="{9D8B030D-6E8A-4147-A177-3AD203B41FA5}">
+                      <a16:colId xmlns:a16="http://schemas.microsoft.com/office/drawing/2014/main" val="12880792"/>
+                    </a:ext>
+                  </a:extLst>
+                </a:gridCol>
+              </a:tblGrid>
+              <a:tr h="440181">
+                <a:tc>
+                  <a:txBody>
+                    <a:bodyPr/>
+                    <a:lstStyle/>
+                    <a:p>
+                      <a:pPr algn="ctr" latinLnBrk="1"/>
+                      <a:r>
+                        <a:rPr lang="en-US" altLang="ko-KR" sz="1400" dirty="0"/>
+                        <a:t>Single 1042</a:t>
+                      </a:r>
+                      <a:endParaRPr lang="ko-KR" altLang="en-US" sz="1400" dirty="0"/>
+                    </a:p>
+                  </a:txBody>
+                  <a:tcPr anchor="ctr"/>
+                </a:tc>
+                <a:tc>
+                  <a:txBody>
+                    <a:bodyPr/>
+                    <a:lstStyle/>
+                    <a:p>
+                      <a:pPr algn="ctr" latinLnBrk="1"/>
+                      <a:r>
+                        <a:rPr lang="en-US" altLang="ko-KR" sz="1400" dirty="0"/>
+                        <a:t>Mutex std::set</a:t>
+                      </a:r>
+                      <a:endParaRPr lang="ko-KR" altLang="en-US" sz="1400" dirty="0"/>
+                    </a:p>
+                  </a:txBody>
+                  <a:tcPr anchor="ctr"/>
+                </a:tc>
+                <a:tc>
+                  <a:txBody>
+                    <a:bodyPr/>
+                    <a:lstStyle/>
+                    <a:p>
+                      <a:pPr algn="ctr" latinLnBrk="1"/>
+                      <a:r>
+                        <a:rPr lang="en-US" altLang="ko-KR" sz="1400" dirty="0"/>
+                        <a:t>LF</a:t>
+                      </a:r>
+                      <a:endParaRPr lang="ko-KR" altLang="en-US" sz="1400" dirty="0"/>
+                    </a:p>
+                  </a:txBody>
+                  <a:tcPr anchor="ctr"/>
+                </a:tc>
+                <a:tc>
+                  <a:txBody>
+                    <a:bodyPr/>
+                    <a:lstStyle/>
+                    <a:p>
+                      <a:pPr algn="ctr" latinLnBrk="1"/>
+                      <a:r>
+                        <a:rPr lang="en-US" altLang="ko-KR" sz="1400" dirty="0"/>
+                        <a:t>WF</a:t>
+                      </a:r>
+                      <a:endParaRPr lang="ko-KR" altLang="en-US" sz="1400" dirty="0"/>
+                    </a:p>
+                  </a:txBody>
+                  <a:tcPr anchor="ctr"/>
+                </a:tc>
+                <a:tc>
+                  <a:txBody>
+                    <a:bodyPr/>
+                    <a:lstStyle/>
+                    <a:p>
+                      <a:pPr algn="ctr" latinLnBrk="1"/>
+                      <a:r>
+                        <a:rPr lang="ko-KR" altLang="en-US" sz="1400" dirty="0"/>
+                        <a:t>게으른</a:t>
+                      </a:r>
+                    </a:p>
+                  </a:txBody>
+                  <a:tcPr anchor="ctr"/>
+                </a:tc>
+                <a:extLst>
+                  <a:ext uri="{0D108BD9-81ED-4DB2-BD59-A6C34878D82A}">
+                    <a16:rowId xmlns:a16="http://schemas.microsoft.com/office/drawing/2014/main" val="179394230"/>
+                  </a:ext>
+                </a:extLst>
+              </a:tr>
+              <a:tr h="440181">
+                <a:tc>
+                  <a:txBody>
+                    <a:bodyPr/>
+                    <a:lstStyle/>
+                    <a:p>
+                      <a:pPr algn="ctr" latinLnBrk="1"/>
+                      <a:r>
+                        <a:rPr lang="en-US" altLang="ko-KR" sz="1400" dirty="0"/>
+                        <a:t>1</a:t>
+                      </a:r>
+                      <a:endParaRPr lang="ko-KR" altLang="en-US" sz="1400" dirty="0"/>
+                    </a:p>
+                  </a:txBody>
+                  <a:tcPr anchor="ctr"/>
+                </a:tc>
+                <a:tc>
+                  <a:txBody>
+                    <a:bodyPr/>
+                    <a:lstStyle/>
+                    <a:p>
+                      <a:pPr algn="ctr" latinLnBrk="1"/>
+                      <a:r>
+                        <a:rPr lang="en-US" altLang="ko-KR" sz="1400" dirty="0"/>
+                        <a:t>1108</a:t>
+                      </a:r>
+                      <a:endParaRPr lang="ko-KR" altLang="en-US" sz="1400" dirty="0"/>
+                    </a:p>
+                  </a:txBody>
+                  <a:tcPr anchor="ctr"/>
+                </a:tc>
+                <a:tc>
+                  <a:txBody>
+                    <a:bodyPr/>
+                    <a:lstStyle/>
+                    <a:p>
+                      <a:pPr marL="0" marR="0" lvl="0" indent="0" algn="ctr" defTabSz="914400" rtl="0" eaLnBrk="1" fontAlgn="auto" latinLnBrk="1" hangingPunct="1">
+                        <a:lnSpc>
+                          <a:spcPct val="100000"/>
+                        </a:lnSpc>
+                        <a:spcBef>
+                          <a:spcPts val="0"/>
+                        </a:spcBef>
+                        <a:spcAft>
+                          <a:spcPts val="0"/>
+                        </a:spcAft>
+                        <a:buClrTx/>
+                        <a:buSzTx/>
+                        <a:buFontTx/>
+                        <a:buNone/>
+                        <a:tabLst/>
+                        <a:defRPr/>
+                      </a:pPr>
+                      <a:r>
+                        <a:rPr lang="en-US" altLang="ko-KR" sz="1400" dirty="0"/>
+                        <a:t>18158</a:t>
+                      </a:r>
+                      <a:endParaRPr lang="ko-KR" altLang="en-US" sz="1400" dirty="0"/>
+                    </a:p>
+                  </a:txBody>
+                  <a:tcPr anchor="ctr"/>
+                </a:tc>
+                <a:tc>
+                  <a:txBody>
+                    <a:bodyPr/>
+                    <a:lstStyle/>
+                    <a:p>
+                      <a:pPr marL="0" marR="0" lvl="0" indent="0" algn="ctr" defTabSz="914400" rtl="0" eaLnBrk="1" fontAlgn="auto" latinLnBrk="1" hangingPunct="1">
+                        <a:lnSpc>
+                          <a:spcPct val="100000"/>
+                        </a:lnSpc>
+                        <a:spcBef>
+                          <a:spcPts val="0"/>
+                        </a:spcBef>
+                        <a:spcAft>
+                          <a:spcPts val="0"/>
+                        </a:spcAft>
+                        <a:buClrTx/>
+                        <a:buSzTx/>
+                        <a:buFontTx/>
+                        <a:buNone/>
+                        <a:tabLst/>
+                        <a:defRPr/>
+                      </a:pPr>
+                      <a:r>
+                        <a:rPr lang="en-US" altLang="ko-KR" sz="1400" dirty="0"/>
+                        <a:t>3555</a:t>
+                      </a:r>
+                      <a:endParaRPr lang="ko-KR" altLang="en-US" sz="1400" dirty="0"/>
+                    </a:p>
+                  </a:txBody>
+                  <a:tcPr anchor="ctr"/>
+                </a:tc>
+                <a:tc>
+                  <a:txBody>
+                    <a:bodyPr/>
+                    <a:lstStyle/>
+                    <a:p>
+                      <a:pPr marL="0" marR="0" lvl="0" indent="0" algn="ctr" defTabSz="914400" rtl="0" eaLnBrk="1" fontAlgn="auto" latinLnBrk="1" hangingPunct="1">
+                        <a:lnSpc>
+                          <a:spcPct val="100000"/>
+                        </a:lnSpc>
+                        <a:spcBef>
+                          <a:spcPts val="0"/>
+                        </a:spcBef>
+                        <a:spcAft>
+                          <a:spcPts val="0"/>
+                        </a:spcAft>
+                        <a:buClrTx/>
+                        <a:buSzTx/>
+                        <a:buFontTx/>
+                        <a:buNone/>
+                        <a:tabLst/>
+                        <a:defRPr/>
+                      </a:pPr>
+                      <a:r>
+                        <a:rPr lang="en-US" altLang="ko-KR" sz="1400" dirty="0"/>
+                        <a:t>1377</a:t>
+                      </a:r>
+                      <a:endParaRPr lang="ko-KR" altLang="en-US" sz="1400" dirty="0"/>
+                    </a:p>
+                  </a:txBody>
+                  <a:tcPr anchor="ctr"/>
+                </a:tc>
+                <a:extLst>
+                  <a:ext uri="{0D108BD9-81ED-4DB2-BD59-A6C34878D82A}">
+                    <a16:rowId xmlns:a16="http://schemas.microsoft.com/office/drawing/2014/main" val="1496120675"/>
+                  </a:ext>
+                </a:extLst>
+              </a:tr>
+              <a:tr h="440181">
+                <a:tc>
+                  <a:txBody>
+                    <a:bodyPr/>
+                    <a:lstStyle/>
+                    <a:p>
+                      <a:pPr algn="ctr" latinLnBrk="1"/>
+                      <a:r>
+                        <a:rPr lang="en-US" altLang="ko-KR" sz="1400" dirty="0"/>
+                        <a:t>2</a:t>
+                      </a:r>
+                      <a:endParaRPr lang="ko-KR" altLang="en-US" sz="1400" dirty="0"/>
+                    </a:p>
+                  </a:txBody>
+                  <a:tcPr anchor="ctr"/>
+                </a:tc>
+                <a:tc>
+                  <a:txBody>
+                    <a:bodyPr/>
+                    <a:lstStyle/>
+                    <a:p>
+                      <a:pPr marL="0" marR="0" lvl="0" indent="0" algn="ctr" defTabSz="914400" rtl="0" eaLnBrk="1" fontAlgn="auto" latinLnBrk="1" hangingPunct="1">
+                        <a:lnSpc>
+                          <a:spcPct val="100000"/>
+                        </a:lnSpc>
+                        <a:spcBef>
+                          <a:spcPts val="0"/>
+                        </a:spcBef>
+                        <a:spcAft>
+                          <a:spcPts val="0"/>
+                        </a:spcAft>
+                        <a:buClrTx/>
+                        <a:buSzTx/>
+                        <a:buFontTx/>
+                        <a:buNone/>
+                        <a:tabLst/>
+                        <a:defRPr/>
+                      </a:pPr>
+                      <a:r>
+                        <a:rPr lang="en-US" altLang="ko-KR" sz="1400" dirty="0"/>
+                        <a:t>1120</a:t>
+                      </a:r>
+                      <a:endParaRPr lang="ko-KR" altLang="en-US" sz="1400" dirty="0"/>
+                    </a:p>
+                  </a:txBody>
+                  <a:tcPr anchor="ctr"/>
+                </a:tc>
+                <a:tc>
+                  <a:txBody>
+                    <a:bodyPr/>
+                    <a:lstStyle/>
+                    <a:p>
+                      <a:pPr marL="0" marR="0" lvl="0" indent="0" algn="ctr" defTabSz="914400" rtl="0" eaLnBrk="1" fontAlgn="auto" latinLnBrk="1" hangingPunct="1">
+                        <a:lnSpc>
+                          <a:spcPct val="100000"/>
+                        </a:lnSpc>
+                        <a:spcBef>
+                          <a:spcPts val="0"/>
+                        </a:spcBef>
+                        <a:spcAft>
+                          <a:spcPts val="0"/>
+                        </a:spcAft>
+                        <a:buClrTx/>
+                        <a:buSzTx/>
+                        <a:buFontTx/>
+                        <a:buNone/>
+                        <a:tabLst/>
+                        <a:defRPr/>
+                      </a:pPr>
+                      <a:r>
+                        <a:rPr lang="en-US" altLang="ko-KR" sz="1400" dirty="0"/>
+                        <a:t>17464</a:t>
+                      </a:r>
+                      <a:endParaRPr lang="ko-KR" altLang="en-US" sz="1400" dirty="0"/>
+                    </a:p>
+                  </a:txBody>
+                  <a:tcPr anchor="ctr"/>
+                </a:tc>
+                <a:tc>
+                  <a:txBody>
+                    <a:bodyPr/>
+                    <a:lstStyle/>
+                    <a:p>
+                      <a:pPr marL="0" marR="0" lvl="0" indent="0" algn="ctr" defTabSz="914400" rtl="0" eaLnBrk="1" fontAlgn="auto" latinLnBrk="1" hangingPunct="1">
+                        <a:lnSpc>
+                          <a:spcPct val="100000"/>
+                        </a:lnSpc>
+                        <a:spcBef>
+                          <a:spcPts val="0"/>
+                        </a:spcBef>
+                        <a:spcAft>
+                          <a:spcPts val="0"/>
+                        </a:spcAft>
+                        <a:buClrTx/>
+                        <a:buSzTx/>
+                        <a:buFontTx/>
+                        <a:buNone/>
+                        <a:tabLst/>
+                        <a:defRPr/>
+                      </a:pPr>
+                      <a:r>
+                        <a:rPr lang="en-US" altLang="ko-KR" sz="1400" dirty="0"/>
+                        <a:t>3370</a:t>
+                      </a:r>
+                      <a:endParaRPr lang="ko-KR" altLang="en-US" sz="1400" dirty="0"/>
+                    </a:p>
+                  </a:txBody>
+                  <a:tcPr anchor="ctr"/>
+                </a:tc>
+                <a:tc>
+                  <a:txBody>
+                    <a:bodyPr/>
+                    <a:lstStyle/>
+                    <a:p>
+                      <a:pPr marL="0" marR="0" lvl="0" indent="0" algn="ctr" defTabSz="914400" rtl="0" eaLnBrk="1" fontAlgn="auto" latinLnBrk="1" hangingPunct="1">
+                        <a:lnSpc>
+                          <a:spcPct val="100000"/>
+                        </a:lnSpc>
+                        <a:spcBef>
+                          <a:spcPts val="0"/>
+                        </a:spcBef>
+                        <a:spcAft>
+                          <a:spcPts val="0"/>
+                        </a:spcAft>
+                        <a:buClrTx/>
+                        <a:buSzTx/>
+                        <a:buFontTx/>
+                        <a:buNone/>
+                        <a:tabLst/>
+                        <a:defRPr/>
+                      </a:pPr>
+                      <a:r>
+                        <a:rPr lang="en-US" altLang="ko-KR" sz="1400" dirty="0"/>
+                        <a:t>906</a:t>
+                      </a:r>
+                      <a:endParaRPr lang="ko-KR" altLang="en-US" sz="1400" dirty="0"/>
+                    </a:p>
+                  </a:txBody>
+                  <a:tcPr anchor="ctr"/>
+                </a:tc>
+                <a:extLst>
+                  <a:ext uri="{0D108BD9-81ED-4DB2-BD59-A6C34878D82A}">
+                    <a16:rowId xmlns:a16="http://schemas.microsoft.com/office/drawing/2014/main" val="2893682346"/>
+                  </a:ext>
+                </a:extLst>
+              </a:tr>
+              <a:tr h="440181">
+                <a:tc>
+                  <a:txBody>
+                    <a:bodyPr/>
+                    <a:lstStyle/>
+                    <a:p>
+                      <a:pPr algn="ctr" latinLnBrk="1"/>
+                      <a:r>
+                        <a:rPr lang="en-US" altLang="ko-KR" sz="1400" dirty="0"/>
+                        <a:t>4</a:t>
+                      </a:r>
+                      <a:endParaRPr lang="ko-KR" altLang="en-US" sz="1400" dirty="0"/>
+                    </a:p>
+                  </a:txBody>
+                  <a:tcPr anchor="ctr"/>
+                </a:tc>
+                <a:tc>
+                  <a:txBody>
+                    <a:bodyPr/>
+                    <a:lstStyle/>
+                    <a:p>
+                      <a:pPr marL="0" marR="0" lvl="0" indent="0" algn="ctr" defTabSz="914400" rtl="0" eaLnBrk="1" fontAlgn="auto" latinLnBrk="1" hangingPunct="1">
+                        <a:lnSpc>
+                          <a:spcPct val="100000"/>
+                        </a:lnSpc>
+                        <a:spcBef>
+                          <a:spcPts val="0"/>
+                        </a:spcBef>
+                        <a:spcAft>
+                          <a:spcPts val="0"/>
+                        </a:spcAft>
+                        <a:buClrTx/>
+                        <a:buSzTx/>
+                        <a:buFontTx/>
+                        <a:buNone/>
+                        <a:tabLst/>
+                        <a:defRPr/>
+                      </a:pPr>
+                      <a:r>
+                        <a:rPr lang="en-US" altLang="ko-KR" sz="1400" dirty="0"/>
+                        <a:t>1144</a:t>
+                      </a:r>
+                      <a:endParaRPr lang="ko-KR" altLang="en-US" sz="1400" dirty="0"/>
+                    </a:p>
+                  </a:txBody>
+                  <a:tcPr anchor="ctr"/>
+                </a:tc>
+                <a:tc>
+                  <a:txBody>
+                    <a:bodyPr/>
+                    <a:lstStyle/>
+                    <a:p>
+                      <a:pPr marL="0" marR="0" lvl="0" indent="0" algn="ctr" defTabSz="914400" rtl="0" eaLnBrk="1" fontAlgn="auto" latinLnBrk="1" hangingPunct="1">
+                        <a:lnSpc>
+                          <a:spcPct val="100000"/>
+                        </a:lnSpc>
+                        <a:spcBef>
+                          <a:spcPts val="0"/>
+                        </a:spcBef>
+                        <a:spcAft>
+                          <a:spcPts val="0"/>
+                        </a:spcAft>
+                        <a:buClrTx/>
+                        <a:buSzTx/>
+                        <a:buFontTx/>
+                        <a:buNone/>
+                        <a:tabLst/>
+                        <a:defRPr/>
+                      </a:pPr>
+                      <a:r>
+                        <a:rPr lang="en-US" altLang="ko-KR" sz="1400" dirty="0"/>
+                        <a:t>12136</a:t>
+                      </a:r>
+                      <a:endParaRPr lang="ko-KR" altLang="en-US" sz="1400" dirty="0"/>
+                    </a:p>
+                  </a:txBody>
+                  <a:tcPr anchor="ctr"/>
+                </a:tc>
+                <a:tc>
+                  <a:txBody>
+                    <a:bodyPr/>
+                    <a:lstStyle/>
+                    <a:p>
+                      <a:pPr marL="0" marR="0" lvl="0" indent="0" algn="ctr" defTabSz="914400" rtl="0" eaLnBrk="1" fontAlgn="auto" latinLnBrk="1" hangingPunct="1">
+                        <a:lnSpc>
+                          <a:spcPct val="100000"/>
+                        </a:lnSpc>
+                        <a:spcBef>
+                          <a:spcPts val="0"/>
+                        </a:spcBef>
+                        <a:spcAft>
+                          <a:spcPts val="0"/>
+                        </a:spcAft>
+                        <a:buClrTx/>
+                        <a:buSzTx/>
+                        <a:buFontTx/>
+                        <a:buNone/>
+                        <a:tabLst/>
+                        <a:defRPr/>
+                      </a:pPr>
+                      <a:r>
+                        <a:rPr lang="en-US" altLang="ko-KR" sz="1400" dirty="0"/>
+                        <a:t>2149</a:t>
+                      </a:r>
+                      <a:endParaRPr lang="ko-KR" altLang="en-US" sz="1400" dirty="0"/>
+                    </a:p>
+                  </a:txBody>
+                  <a:tcPr anchor="ctr"/>
+                </a:tc>
+                <a:tc>
+                  <a:txBody>
+                    <a:bodyPr/>
+                    <a:lstStyle/>
+                    <a:p>
+                      <a:pPr marL="0" marR="0" lvl="0" indent="0" algn="ctr" defTabSz="914400" rtl="0" eaLnBrk="1" fontAlgn="auto" latinLnBrk="1" hangingPunct="1">
+                        <a:lnSpc>
+                          <a:spcPct val="100000"/>
+                        </a:lnSpc>
+                        <a:spcBef>
+                          <a:spcPts val="0"/>
+                        </a:spcBef>
+                        <a:spcAft>
+                          <a:spcPts val="0"/>
+                        </a:spcAft>
+                        <a:buClrTx/>
+                        <a:buSzTx/>
+                        <a:buFontTx/>
+                        <a:buNone/>
+                        <a:tabLst/>
+                        <a:defRPr/>
+                      </a:pPr>
+                      <a:r>
+                        <a:rPr lang="en-US" altLang="ko-KR" sz="1400" dirty="0"/>
+                        <a:t>570</a:t>
+                      </a:r>
+                      <a:endParaRPr lang="ko-KR" altLang="en-US" sz="1400" dirty="0"/>
+                    </a:p>
+                  </a:txBody>
+                  <a:tcPr anchor="ctr"/>
+                </a:tc>
+                <a:extLst>
+                  <a:ext uri="{0D108BD9-81ED-4DB2-BD59-A6C34878D82A}">
+                    <a16:rowId xmlns:a16="http://schemas.microsoft.com/office/drawing/2014/main" val="1508387431"/>
+                  </a:ext>
+                </a:extLst>
+              </a:tr>
+              <a:tr h="440181">
+                <a:tc>
+                  <a:txBody>
+                    <a:bodyPr/>
+                    <a:lstStyle/>
+                    <a:p>
+                      <a:pPr algn="ctr" latinLnBrk="1"/>
+                      <a:r>
+                        <a:rPr lang="en-US" altLang="ko-KR" sz="1400" dirty="0"/>
+                        <a:t>8</a:t>
+                      </a:r>
+                      <a:endParaRPr lang="ko-KR" altLang="en-US" sz="1400" dirty="0"/>
+                    </a:p>
+                  </a:txBody>
+                  <a:tcPr anchor="ctr"/>
+                </a:tc>
+                <a:tc>
+                  <a:txBody>
+                    <a:bodyPr/>
+                    <a:lstStyle/>
+                    <a:p>
+                      <a:pPr marL="0" marR="0" lvl="0" indent="0" algn="ctr" defTabSz="914400" rtl="0" eaLnBrk="1" fontAlgn="auto" latinLnBrk="1" hangingPunct="1">
+                        <a:lnSpc>
+                          <a:spcPct val="100000"/>
+                        </a:lnSpc>
+                        <a:spcBef>
+                          <a:spcPts val="0"/>
+                        </a:spcBef>
+                        <a:spcAft>
+                          <a:spcPts val="0"/>
+                        </a:spcAft>
+                        <a:buClrTx/>
+                        <a:buSzTx/>
+                        <a:buFontTx/>
+                        <a:buNone/>
+                        <a:tabLst/>
+                        <a:defRPr/>
+                      </a:pPr>
+                      <a:r>
+                        <a:rPr lang="en-US" altLang="ko-KR" sz="1400" dirty="0"/>
+                        <a:t>2911</a:t>
+                      </a:r>
+                      <a:endParaRPr lang="ko-KR" altLang="en-US" sz="1400" dirty="0"/>
+                    </a:p>
+                  </a:txBody>
+                  <a:tcPr anchor="ctr"/>
+                </a:tc>
+                <a:tc>
+                  <a:txBody>
+                    <a:bodyPr/>
+                    <a:lstStyle/>
+                    <a:p>
+                      <a:pPr marL="0" marR="0" lvl="0" indent="0" algn="ctr" defTabSz="914400" rtl="0" eaLnBrk="1" fontAlgn="auto" latinLnBrk="1" hangingPunct="1">
+                        <a:lnSpc>
+                          <a:spcPct val="100000"/>
+                        </a:lnSpc>
+                        <a:spcBef>
+                          <a:spcPts val="0"/>
+                        </a:spcBef>
+                        <a:spcAft>
+                          <a:spcPts val="0"/>
+                        </a:spcAft>
+                        <a:buClrTx/>
+                        <a:buSzTx/>
+                        <a:buFontTx/>
+                        <a:buNone/>
+                        <a:tabLst/>
+                        <a:defRPr/>
+                      </a:pPr>
+                      <a:r>
+                        <a:rPr lang="en-US" altLang="ko-KR" sz="1400" dirty="0"/>
+                        <a:t>25182</a:t>
+                      </a:r>
+                      <a:endParaRPr lang="ko-KR" altLang="en-US" sz="1400" dirty="0"/>
+                    </a:p>
+                  </a:txBody>
+                  <a:tcPr anchor="ctr"/>
+                </a:tc>
+                <a:tc>
+                  <a:txBody>
+                    <a:bodyPr/>
+                    <a:lstStyle/>
+                    <a:p>
+                      <a:pPr marL="0" marR="0" lvl="0" indent="0" algn="ctr" defTabSz="914400" rtl="0" eaLnBrk="1" fontAlgn="auto" latinLnBrk="1" hangingPunct="1">
+                        <a:lnSpc>
+                          <a:spcPct val="100000"/>
+                        </a:lnSpc>
+                        <a:spcBef>
+                          <a:spcPts val="0"/>
+                        </a:spcBef>
+                        <a:spcAft>
+                          <a:spcPts val="0"/>
+                        </a:spcAft>
+                        <a:buClrTx/>
+                        <a:buSzTx/>
+                        <a:buFontTx/>
+                        <a:buNone/>
+                        <a:tabLst/>
+                        <a:defRPr/>
+                      </a:pPr>
+                      <a:r>
+                        <a:rPr lang="en-US" altLang="ko-KR" sz="1400" dirty="0"/>
+                        <a:t>1525</a:t>
+                      </a:r>
+                      <a:endParaRPr lang="ko-KR" altLang="en-US" sz="1400" dirty="0"/>
+                    </a:p>
+                  </a:txBody>
+                  <a:tcPr anchor="ctr"/>
+                </a:tc>
+                <a:tc>
+                  <a:txBody>
+                    <a:bodyPr/>
+                    <a:lstStyle/>
+                    <a:p>
+                      <a:pPr marL="0" marR="0" lvl="0" indent="0" algn="ctr" defTabSz="914400" rtl="0" eaLnBrk="1" fontAlgn="auto" latinLnBrk="1" hangingPunct="1">
+                        <a:lnSpc>
+                          <a:spcPct val="100000"/>
+                        </a:lnSpc>
+                        <a:spcBef>
+                          <a:spcPts val="0"/>
+                        </a:spcBef>
+                        <a:spcAft>
+                          <a:spcPts val="0"/>
+                        </a:spcAft>
+                        <a:buClrTx/>
+                        <a:buSzTx/>
+                        <a:buFontTx/>
+                        <a:buNone/>
+                        <a:tabLst/>
+                        <a:defRPr/>
+                      </a:pPr>
+                      <a:r>
+                        <a:rPr lang="en-US" altLang="ko-KR" sz="1400" dirty="0"/>
+                        <a:t>390</a:t>
+                      </a:r>
+                      <a:endParaRPr lang="ko-KR" altLang="en-US" sz="1400" dirty="0"/>
+                    </a:p>
+                  </a:txBody>
+                  <a:tcPr anchor="ctr"/>
+                </a:tc>
+                <a:extLst>
+                  <a:ext uri="{0D108BD9-81ED-4DB2-BD59-A6C34878D82A}">
+                    <a16:rowId xmlns:a16="http://schemas.microsoft.com/office/drawing/2014/main" val="2529902944"/>
+                  </a:ext>
+                </a:extLst>
+              </a:tr>
+              <a:tr h="440181">
+                <a:tc>
+                  <a:txBody>
+                    <a:bodyPr/>
+                    <a:lstStyle/>
+                    <a:p>
+                      <a:pPr algn="ctr" latinLnBrk="1"/>
+                      <a:r>
+                        <a:rPr lang="en-US" altLang="ko-KR" sz="1400" dirty="0"/>
+                        <a:t>16</a:t>
+                      </a:r>
+                      <a:endParaRPr lang="ko-KR" altLang="en-US" sz="1400" dirty="0"/>
+                    </a:p>
+                  </a:txBody>
+                  <a:tcPr anchor="ctr"/>
+                </a:tc>
+                <a:tc>
+                  <a:txBody>
+                    <a:bodyPr/>
+                    <a:lstStyle/>
+                    <a:p>
+                      <a:pPr marL="0" marR="0" lvl="0" indent="0" algn="ctr" defTabSz="914400" rtl="0" eaLnBrk="1" fontAlgn="auto" latinLnBrk="1" hangingPunct="1">
+                        <a:lnSpc>
+                          <a:spcPct val="100000"/>
+                        </a:lnSpc>
+                        <a:spcBef>
+                          <a:spcPts val="0"/>
+                        </a:spcBef>
+                        <a:spcAft>
+                          <a:spcPts val="0"/>
+                        </a:spcAft>
+                        <a:buClrTx/>
+                        <a:buSzTx/>
+                        <a:buFontTx/>
+                        <a:buNone/>
+                        <a:tabLst/>
+                        <a:defRPr/>
+                      </a:pPr>
+                      <a:r>
+                        <a:rPr lang="en-US" altLang="ko-KR" sz="1400" dirty="0"/>
+                        <a:t>6305</a:t>
+                      </a:r>
+                      <a:endParaRPr lang="ko-KR" altLang="en-US" sz="1400" dirty="0"/>
+                    </a:p>
+                  </a:txBody>
+                  <a:tcPr anchor="ctr"/>
+                </a:tc>
+                <a:tc>
+                  <a:txBody>
+                    <a:bodyPr/>
+                    <a:lstStyle/>
+                    <a:p>
+                      <a:pPr marL="0" marR="0" lvl="0" indent="0" algn="ctr" defTabSz="914400" rtl="0" eaLnBrk="1" fontAlgn="auto" latinLnBrk="1" hangingPunct="1">
+                        <a:lnSpc>
+                          <a:spcPct val="100000"/>
+                        </a:lnSpc>
+                        <a:spcBef>
+                          <a:spcPts val="0"/>
+                        </a:spcBef>
+                        <a:spcAft>
+                          <a:spcPts val="0"/>
+                        </a:spcAft>
+                        <a:buClrTx/>
+                        <a:buSzTx/>
+                        <a:buFontTx/>
+                        <a:buNone/>
+                        <a:tabLst/>
+                        <a:defRPr/>
+                      </a:pPr>
+                      <a:r>
+                        <a:rPr lang="en-US" altLang="ko-KR" sz="1400" dirty="0"/>
+                        <a:t>30040</a:t>
+                      </a:r>
+                      <a:endParaRPr lang="ko-KR" altLang="en-US" sz="1400" dirty="0"/>
+                    </a:p>
+                  </a:txBody>
+                  <a:tcPr anchor="ctr"/>
+                </a:tc>
+                <a:tc>
+                  <a:txBody>
+                    <a:bodyPr/>
+                    <a:lstStyle/>
+                    <a:p>
+                      <a:pPr marL="0" marR="0" lvl="0" indent="0" algn="ctr" defTabSz="914400" rtl="0" eaLnBrk="1" fontAlgn="auto" latinLnBrk="1" hangingPunct="1">
+                        <a:lnSpc>
+                          <a:spcPct val="100000"/>
+                        </a:lnSpc>
+                        <a:spcBef>
+                          <a:spcPts val="0"/>
+                        </a:spcBef>
+                        <a:spcAft>
+                          <a:spcPts val="0"/>
+                        </a:spcAft>
+                        <a:buClrTx/>
+                        <a:buSzTx/>
+                        <a:buFontTx/>
+                        <a:buNone/>
+                        <a:tabLst/>
+                        <a:defRPr/>
+                      </a:pPr>
+                      <a:r>
+                        <a:rPr lang="en-US" altLang="ko-KR" sz="1400" dirty="0"/>
+                        <a:t>837</a:t>
+                      </a:r>
+                      <a:endParaRPr lang="ko-KR" altLang="en-US" sz="1400" dirty="0"/>
+                    </a:p>
+                  </a:txBody>
+                  <a:tcPr anchor="ctr"/>
+                </a:tc>
+                <a:tc>
+                  <a:txBody>
+                    <a:bodyPr/>
+                    <a:lstStyle/>
+                    <a:p>
+                      <a:pPr marL="0" marR="0" lvl="0" indent="0" algn="ctr" defTabSz="914400" rtl="0" eaLnBrk="1" fontAlgn="auto" latinLnBrk="1" hangingPunct="1">
+                        <a:lnSpc>
+                          <a:spcPct val="100000"/>
+                        </a:lnSpc>
+                        <a:spcBef>
+                          <a:spcPts val="0"/>
+                        </a:spcBef>
+                        <a:spcAft>
+                          <a:spcPts val="0"/>
+                        </a:spcAft>
+                        <a:buClrTx/>
+                        <a:buSzTx/>
+                        <a:buFontTx/>
+                        <a:buNone/>
+                        <a:tabLst/>
+                        <a:defRPr/>
+                      </a:pPr>
+                      <a:r>
+                        <a:rPr lang="en-US" altLang="ko-KR" sz="1400" dirty="0"/>
+                        <a:t>315</a:t>
+                      </a:r>
+                      <a:endParaRPr lang="ko-KR" altLang="en-US" sz="1400" dirty="0"/>
+                    </a:p>
+                  </a:txBody>
+                  <a:tcPr anchor="ctr"/>
+                </a:tc>
+                <a:extLst>
+                  <a:ext uri="{0D108BD9-81ED-4DB2-BD59-A6C34878D82A}">
+                    <a16:rowId xmlns:a16="http://schemas.microsoft.com/office/drawing/2014/main" val="2004643796"/>
+                  </a:ext>
+                </a:extLst>
+              </a:tr>
+            </a:tbl>
+          </a:graphicData>
+        </a:graphic>
+      </p:graphicFrame>
+      <p:graphicFrame>
+        <p:nvGraphicFramePr>
+          <p:cNvPr id="4" name="표 3">
+            <a:extLst>
+              <a:ext uri="{FF2B5EF4-FFF2-40B4-BE49-F238E27FC236}">
+                <a16:creationId xmlns:a16="http://schemas.microsoft.com/office/drawing/2014/main" id="{009D5D25-8C88-3A06-0721-FA67D30EFFBD}"/>
+              </a:ext>
+            </a:extLst>
+          </p:cNvPr>
+          <p:cNvGraphicFramePr>
+            <a:graphicFrameLocks noGrp="1"/>
+          </p:cNvGraphicFramePr>
+          <p:nvPr>
+            <p:extLst>
+              <p:ext uri="{D42A27DB-BD31-4B8C-83A1-F6EECF244321}">
+                <p14:modId xmlns:p14="http://schemas.microsoft.com/office/powerpoint/2010/main" val="1444138272"/>
+              </p:ext>
+            </p:extLst>
+          </p:nvPr>
+        </p:nvGraphicFramePr>
+        <p:xfrm>
+          <a:off x="686670" y="3280963"/>
+          <a:ext cx="7108305" cy="2641086"/>
+        </p:xfrm>
+        <a:graphic>
+          <a:graphicData uri="http://schemas.openxmlformats.org/drawingml/2006/table">
+            <a:tbl>
+              <a:tblPr firstRow="1" bandRow="1">
+                <a:tableStyleId>{5940675A-B579-460E-94D1-54222C63F5DA}</a:tableStyleId>
+              </a:tblPr>
+              <a:tblGrid>
+                <a:gridCol w="1421661">
+                  <a:extLst>
+                    <a:ext uri="{9D8B030D-6E8A-4147-A177-3AD203B41FA5}">
+                      <a16:colId xmlns:a16="http://schemas.microsoft.com/office/drawing/2014/main" val="1319673312"/>
+                    </a:ext>
+                  </a:extLst>
+                </a:gridCol>
+                <a:gridCol w="1421661">
+                  <a:extLst>
+                    <a:ext uri="{9D8B030D-6E8A-4147-A177-3AD203B41FA5}">
+                      <a16:colId xmlns:a16="http://schemas.microsoft.com/office/drawing/2014/main" val="2871862873"/>
+                    </a:ext>
+                  </a:extLst>
+                </a:gridCol>
+                <a:gridCol w="1421661">
+                  <a:extLst>
+                    <a:ext uri="{9D8B030D-6E8A-4147-A177-3AD203B41FA5}">
+                      <a16:colId xmlns:a16="http://schemas.microsoft.com/office/drawing/2014/main" val="1071272062"/>
+                    </a:ext>
+                  </a:extLst>
+                </a:gridCol>
+                <a:gridCol w="1421661">
+                  <a:extLst>
+                    <a:ext uri="{9D8B030D-6E8A-4147-A177-3AD203B41FA5}">
+                      <a16:colId xmlns:a16="http://schemas.microsoft.com/office/drawing/2014/main" val="2338732851"/>
+                    </a:ext>
+                  </a:extLst>
+                </a:gridCol>
+                <a:gridCol w="1421661">
+                  <a:extLst>
+                    <a:ext uri="{9D8B030D-6E8A-4147-A177-3AD203B41FA5}">
+                      <a16:colId xmlns:a16="http://schemas.microsoft.com/office/drawing/2014/main" val="12880792"/>
+                    </a:ext>
+                  </a:extLst>
+                </a:gridCol>
+              </a:tblGrid>
+              <a:tr h="440181">
+                <a:tc>
+                  <a:txBody>
+                    <a:bodyPr/>
+                    <a:lstStyle/>
+                    <a:p>
+                      <a:pPr algn="ctr" latinLnBrk="1"/>
+                      <a:r>
+                        <a:rPr lang="en-US" altLang="ko-KR" sz="1400" dirty="0"/>
+                        <a:t>Single 1042</a:t>
+                      </a:r>
+                      <a:endParaRPr lang="ko-KR" altLang="en-US" sz="1400" dirty="0"/>
+                    </a:p>
+                  </a:txBody>
+                  <a:tcPr anchor="ctr"/>
+                </a:tc>
+                <a:tc>
+                  <a:txBody>
+                    <a:bodyPr/>
+                    <a:lstStyle/>
+                    <a:p>
+                      <a:pPr algn="ctr" latinLnBrk="1"/>
+                      <a:r>
+                        <a:rPr lang="ko-KR" altLang="en-US" sz="1400" dirty="0"/>
+                        <a:t>게으른</a:t>
+                      </a:r>
+                    </a:p>
+                  </a:txBody>
+                  <a:tcPr anchor="ctr"/>
+                </a:tc>
+                <a:tc>
+                  <a:txBody>
+                    <a:bodyPr/>
+                    <a:lstStyle/>
+                    <a:p>
+                      <a:pPr algn="ctr" latinLnBrk="1"/>
+                      <a:r>
+                        <a:rPr lang="en-US" altLang="ko-KR" sz="1400" dirty="0" err="1"/>
+                        <a:t>shared_ptr</a:t>
+                      </a:r>
+                      <a:endParaRPr lang="ko-KR" altLang="en-US" sz="1400" dirty="0"/>
+                    </a:p>
+                  </a:txBody>
+                  <a:tcPr anchor="ctr"/>
+                </a:tc>
+                <a:tc>
+                  <a:txBody>
+                    <a:bodyPr/>
+                    <a:lstStyle/>
+                    <a:p>
+                      <a:pPr algn="ctr" latinLnBrk="1"/>
+                      <a:r>
+                        <a:rPr lang="ko-KR" altLang="en-US" sz="1400" dirty="0"/>
+                        <a:t>낙천</a:t>
+                      </a:r>
+                    </a:p>
+                  </a:txBody>
+                  <a:tcPr anchor="ctr"/>
+                </a:tc>
+                <a:tc>
+                  <a:txBody>
+                    <a:bodyPr/>
+                    <a:lstStyle/>
+                    <a:p>
+                      <a:pPr algn="ctr" latinLnBrk="1"/>
+                      <a:r>
+                        <a:rPr lang="ko-KR" altLang="en-US" sz="1400" dirty="0"/>
+                        <a:t>게으른</a:t>
+                      </a:r>
+                    </a:p>
+                  </a:txBody>
+                  <a:tcPr anchor="ctr"/>
+                </a:tc>
+                <a:extLst>
+                  <a:ext uri="{0D108BD9-81ED-4DB2-BD59-A6C34878D82A}">
+                    <a16:rowId xmlns:a16="http://schemas.microsoft.com/office/drawing/2014/main" val="179394230"/>
+                  </a:ext>
+                </a:extLst>
+              </a:tr>
+              <a:tr h="440181">
+                <a:tc>
+                  <a:txBody>
+                    <a:bodyPr/>
+                    <a:lstStyle/>
+                    <a:p>
+                      <a:pPr algn="ctr" latinLnBrk="1"/>
+                      <a:r>
+                        <a:rPr lang="en-US" altLang="ko-KR" sz="1400" dirty="0"/>
+                        <a:t>1</a:t>
+                      </a:r>
+                      <a:endParaRPr lang="ko-KR" altLang="en-US" sz="1400" dirty="0"/>
+                    </a:p>
+                  </a:txBody>
+                  <a:tcPr anchor="ctr"/>
+                </a:tc>
+                <a:tc>
+                  <a:txBody>
+                    <a:bodyPr/>
+                    <a:lstStyle/>
+                    <a:p>
+                      <a:pPr marL="0" marR="0" lvl="0" indent="0" algn="ctr" defTabSz="914400" rtl="0" eaLnBrk="1" fontAlgn="auto" latinLnBrk="1" hangingPunct="1">
+                        <a:lnSpc>
+                          <a:spcPct val="100000"/>
+                        </a:lnSpc>
+                        <a:spcBef>
+                          <a:spcPts val="0"/>
+                        </a:spcBef>
+                        <a:spcAft>
+                          <a:spcPts val="0"/>
+                        </a:spcAft>
+                        <a:buClrTx/>
+                        <a:buSzTx/>
+                        <a:buFontTx/>
+                        <a:buNone/>
+                        <a:tabLst/>
+                        <a:defRPr/>
+                      </a:pPr>
+                      <a:r>
+                        <a:rPr lang="en-US" altLang="ko-KR" sz="1400" dirty="0"/>
+                        <a:t>1377</a:t>
+                      </a:r>
+                      <a:endParaRPr lang="ko-KR" altLang="en-US" sz="1400" dirty="0"/>
+                    </a:p>
+                  </a:txBody>
+                  <a:tcPr anchor="ctr"/>
+                </a:tc>
+                <a:tc>
+                  <a:txBody>
+                    <a:bodyPr/>
+                    <a:lstStyle/>
+                    <a:p>
+                      <a:pPr marL="0" marR="0" lvl="0" indent="0" algn="ctr" defTabSz="914400" rtl="0" eaLnBrk="1" fontAlgn="auto" latinLnBrk="1" hangingPunct="1">
+                        <a:lnSpc>
+                          <a:spcPct val="100000"/>
+                        </a:lnSpc>
+                        <a:spcBef>
+                          <a:spcPts val="0"/>
+                        </a:spcBef>
+                        <a:spcAft>
+                          <a:spcPts val="0"/>
+                        </a:spcAft>
+                        <a:buClrTx/>
+                        <a:buSzTx/>
+                        <a:buFontTx/>
+                        <a:buNone/>
+                        <a:tabLst/>
+                        <a:defRPr/>
+                      </a:pPr>
+                      <a:r>
+                        <a:rPr lang="en-US" altLang="ko-KR" sz="1400" dirty="0"/>
+                        <a:t>18170</a:t>
+                      </a:r>
+                      <a:endParaRPr lang="ko-KR" altLang="en-US" sz="1400" dirty="0"/>
+                    </a:p>
+                  </a:txBody>
+                  <a:tcPr anchor="ctr"/>
+                </a:tc>
+                <a:tc>
+                  <a:txBody>
+                    <a:bodyPr/>
+                    <a:lstStyle/>
+                    <a:p>
+                      <a:pPr marL="0" marR="0" lvl="0" indent="0" algn="ctr" defTabSz="914400" rtl="0" eaLnBrk="1" fontAlgn="auto" latinLnBrk="1" hangingPunct="1">
+                        <a:lnSpc>
+                          <a:spcPct val="100000"/>
+                        </a:lnSpc>
+                        <a:spcBef>
+                          <a:spcPts val="0"/>
+                        </a:spcBef>
+                        <a:spcAft>
+                          <a:spcPts val="0"/>
+                        </a:spcAft>
+                        <a:buClrTx/>
+                        <a:buSzTx/>
+                        <a:buFontTx/>
+                        <a:buNone/>
+                        <a:tabLst/>
+                        <a:defRPr/>
+                      </a:pPr>
+                      <a:endParaRPr lang="ko-KR" altLang="en-US" sz="1400" dirty="0"/>
+                    </a:p>
+                  </a:txBody>
+                  <a:tcPr anchor="ctr"/>
+                </a:tc>
+                <a:tc>
+                  <a:txBody>
+                    <a:bodyPr/>
+                    <a:lstStyle/>
+                    <a:p>
+                      <a:pPr marL="0" marR="0" lvl="0" indent="0" algn="ctr" defTabSz="914400" rtl="0" eaLnBrk="1" fontAlgn="auto" latinLnBrk="1" hangingPunct="1">
+                        <a:lnSpc>
+                          <a:spcPct val="100000"/>
+                        </a:lnSpc>
+                        <a:spcBef>
+                          <a:spcPts val="0"/>
+                        </a:spcBef>
+                        <a:spcAft>
+                          <a:spcPts val="0"/>
+                        </a:spcAft>
+                        <a:buClrTx/>
+                        <a:buSzTx/>
+                        <a:buFontTx/>
+                        <a:buNone/>
+                        <a:tabLst/>
+                        <a:defRPr/>
+                      </a:pPr>
+                      <a:r>
+                        <a:rPr lang="en-US" altLang="ko-KR" sz="1400" dirty="0"/>
+                        <a:t>1377</a:t>
+                      </a:r>
+                      <a:endParaRPr lang="ko-KR" altLang="en-US" sz="1400" dirty="0"/>
+                    </a:p>
+                  </a:txBody>
+                  <a:tcPr anchor="ctr"/>
+                </a:tc>
+                <a:extLst>
+                  <a:ext uri="{0D108BD9-81ED-4DB2-BD59-A6C34878D82A}">
+                    <a16:rowId xmlns:a16="http://schemas.microsoft.com/office/drawing/2014/main" val="1496120675"/>
+                  </a:ext>
+                </a:extLst>
+              </a:tr>
+              <a:tr h="440181">
+                <a:tc>
+                  <a:txBody>
+                    <a:bodyPr/>
+                    <a:lstStyle/>
+                    <a:p>
+                      <a:pPr algn="ctr" latinLnBrk="1"/>
+                      <a:r>
+                        <a:rPr lang="en-US" altLang="ko-KR" sz="1400" dirty="0"/>
+                        <a:t>2</a:t>
+                      </a:r>
+                      <a:endParaRPr lang="ko-KR" altLang="en-US" sz="1400" dirty="0"/>
+                    </a:p>
+                  </a:txBody>
+                  <a:tcPr anchor="ctr"/>
+                </a:tc>
+                <a:tc>
+                  <a:txBody>
+                    <a:bodyPr/>
+                    <a:lstStyle/>
+                    <a:p>
+                      <a:pPr marL="0" marR="0" lvl="0" indent="0" algn="ctr" defTabSz="914400" rtl="0" eaLnBrk="1" fontAlgn="auto" latinLnBrk="1" hangingPunct="1">
+                        <a:lnSpc>
+                          <a:spcPct val="100000"/>
+                        </a:lnSpc>
+                        <a:spcBef>
+                          <a:spcPts val="0"/>
+                        </a:spcBef>
+                        <a:spcAft>
+                          <a:spcPts val="0"/>
+                        </a:spcAft>
+                        <a:buClrTx/>
+                        <a:buSzTx/>
+                        <a:buFontTx/>
+                        <a:buNone/>
+                        <a:tabLst/>
+                        <a:defRPr/>
+                      </a:pPr>
+                      <a:r>
+                        <a:rPr lang="en-US" altLang="ko-KR" sz="1400" dirty="0"/>
+                        <a:t>906</a:t>
+                      </a:r>
+                      <a:endParaRPr lang="ko-KR" altLang="en-US" sz="1400" dirty="0"/>
+                    </a:p>
+                  </a:txBody>
+                  <a:tcPr anchor="ctr"/>
+                </a:tc>
+                <a:tc>
+                  <a:txBody>
+                    <a:bodyPr/>
+                    <a:lstStyle/>
+                    <a:p>
+                      <a:pPr marL="0" marR="0" lvl="0" indent="0" algn="ctr" defTabSz="914400" rtl="0" eaLnBrk="1" fontAlgn="auto" latinLnBrk="1" hangingPunct="1">
+                        <a:lnSpc>
+                          <a:spcPct val="100000"/>
+                        </a:lnSpc>
+                        <a:spcBef>
+                          <a:spcPts val="0"/>
+                        </a:spcBef>
+                        <a:spcAft>
+                          <a:spcPts val="0"/>
+                        </a:spcAft>
+                        <a:buClrTx/>
+                        <a:buSzTx/>
+                        <a:buFontTx/>
+                        <a:buNone/>
+                        <a:tabLst/>
+                        <a:defRPr/>
+                      </a:pPr>
+                      <a:r>
+                        <a:rPr lang="en-US" altLang="ko-KR" sz="1400" dirty="0"/>
+                        <a:t>X</a:t>
+                      </a:r>
+                      <a:endParaRPr lang="ko-KR" altLang="en-US" sz="1400" dirty="0"/>
+                    </a:p>
+                  </a:txBody>
+                  <a:tcPr anchor="ctr"/>
+                </a:tc>
+                <a:tc>
+                  <a:txBody>
+                    <a:bodyPr/>
+                    <a:lstStyle/>
+                    <a:p>
+                      <a:pPr marL="0" marR="0" lvl="0" indent="0" algn="ctr" defTabSz="914400" rtl="0" eaLnBrk="1" fontAlgn="auto" latinLnBrk="1" hangingPunct="1">
+                        <a:lnSpc>
+                          <a:spcPct val="100000"/>
+                        </a:lnSpc>
+                        <a:spcBef>
+                          <a:spcPts val="0"/>
+                        </a:spcBef>
+                        <a:spcAft>
+                          <a:spcPts val="0"/>
+                        </a:spcAft>
+                        <a:buClrTx/>
+                        <a:buSzTx/>
+                        <a:buFontTx/>
+                        <a:buNone/>
+                        <a:tabLst/>
+                        <a:defRPr/>
+                      </a:pPr>
+                      <a:endParaRPr lang="ko-KR" altLang="en-US" sz="1400" dirty="0"/>
+                    </a:p>
+                  </a:txBody>
+                  <a:tcPr anchor="ctr"/>
+                </a:tc>
+                <a:tc>
+                  <a:txBody>
+                    <a:bodyPr/>
+                    <a:lstStyle/>
+                    <a:p>
+                      <a:pPr marL="0" marR="0" lvl="0" indent="0" algn="ctr" defTabSz="914400" rtl="0" eaLnBrk="1" fontAlgn="auto" latinLnBrk="1" hangingPunct="1">
+                        <a:lnSpc>
+                          <a:spcPct val="100000"/>
+                        </a:lnSpc>
+                        <a:spcBef>
+                          <a:spcPts val="0"/>
+                        </a:spcBef>
+                        <a:spcAft>
+                          <a:spcPts val="0"/>
+                        </a:spcAft>
+                        <a:buClrTx/>
+                        <a:buSzTx/>
+                        <a:buFontTx/>
+                        <a:buNone/>
+                        <a:tabLst/>
+                        <a:defRPr/>
+                      </a:pPr>
+                      <a:r>
+                        <a:rPr lang="en-US" altLang="ko-KR" sz="1400" dirty="0"/>
+                        <a:t>906</a:t>
+                      </a:r>
+                      <a:endParaRPr lang="ko-KR" altLang="en-US" sz="1400" dirty="0"/>
+                    </a:p>
+                  </a:txBody>
+                  <a:tcPr anchor="ctr"/>
+                </a:tc>
+                <a:extLst>
+                  <a:ext uri="{0D108BD9-81ED-4DB2-BD59-A6C34878D82A}">
+                    <a16:rowId xmlns:a16="http://schemas.microsoft.com/office/drawing/2014/main" val="2893682346"/>
+                  </a:ext>
+                </a:extLst>
+              </a:tr>
+              <a:tr h="440181">
+                <a:tc>
+                  <a:txBody>
+                    <a:bodyPr/>
+                    <a:lstStyle/>
+                    <a:p>
+                      <a:pPr algn="ctr" latinLnBrk="1"/>
+                      <a:r>
+                        <a:rPr lang="en-US" altLang="ko-KR" sz="1400" dirty="0"/>
+                        <a:t>4</a:t>
+                      </a:r>
+                      <a:endParaRPr lang="ko-KR" altLang="en-US" sz="1400" dirty="0"/>
+                    </a:p>
+                  </a:txBody>
+                  <a:tcPr anchor="ctr"/>
+                </a:tc>
+                <a:tc>
+                  <a:txBody>
+                    <a:bodyPr/>
+                    <a:lstStyle/>
+                    <a:p>
+                      <a:pPr marL="0" marR="0" lvl="0" indent="0" algn="ctr" defTabSz="914400" rtl="0" eaLnBrk="1" fontAlgn="auto" latinLnBrk="1" hangingPunct="1">
+                        <a:lnSpc>
+                          <a:spcPct val="100000"/>
+                        </a:lnSpc>
+                        <a:spcBef>
+                          <a:spcPts val="0"/>
+                        </a:spcBef>
+                        <a:spcAft>
+                          <a:spcPts val="0"/>
+                        </a:spcAft>
+                        <a:buClrTx/>
+                        <a:buSzTx/>
+                        <a:buFontTx/>
+                        <a:buNone/>
+                        <a:tabLst/>
+                        <a:defRPr/>
+                      </a:pPr>
+                      <a:r>
+                        <a:rPr lang="en-US" altLang="ko-KR" sz="1400" dirty="0"/>
+                        <a:t>570</a:t>
+                      </a:r>
+                      <a:endParaRPr lang="ko-KR" altLang="en-US" sz="1400" dirty="0"/>
+                    </a:p>
+                  </a:txBody>
+                  <a:tcPr anchor="ctr"/>
+                </a:tc>
+                <a:tc>
+                  <a:txBody>
+                    <a:bodyPr/>
+                    <a:lstStyle/>
+                    <a:p>
+                      <a:pPr marL="0" marR="0" lvl="0" indent="0" algn="ctr" defTabSz="914400" rtl="0" eaLnBrk="1" fontAlgn="auto" latinLnBrk="1" hangingPunct="1">
+                        <a:lnSpc>
+                          <a:spcPct val="100000"/>
+                        </a:lnSpc>
+                        <a:spcBef>
+                          <a:spcPts val="0"/>
+                        </a:spcBef>
+                        <a:spcAft>
+                          <a:spcPts val="0"/>
+                        </a:spcAft>
+                        <a:buClrTx/>
+                        <a:buSzTx/>
+                        <a:buFontTx/>
+                        <a:buNone/>
+                        <a:tabLst/>
+                        <a:defRPr/>
+                      </a:pPr>
+                      <a:r>
+                        <a:rPr lang="en-US" altLang="ko-KR" sz="1400" dirty="0"/>
+                        <a:t>X</a:t>
+                      </a:r>
+                      <a:endParaRPr lang="ko-KR" altLang="en-US" sz="1400" dirty="0"/>
+                    </a:p>
+                  </a:txBody>
+                  <a:tcPr anchor="ctr"/>
+                </a:tc>
+                <a:tc>
+                  <a:txBody>
+                    <a:bodyPr/>
+                    <a:lstStyle/>
+                    <a:p>
+                      <a:pPr marL="0" marR="0" lvl="0" indent="0" algn="ctr" defTabSz="914400" rtl="0" eaLnBrk="1" fontAlgn="auto" latinLnBrk="1" hangingPunct="1">
+                        <a:lnSpc>
+                          <a:spcPct val="100000"/>
+                        </a:lnSpc>
+                        <a:spcBef>
+                          <a:spcPts val="0"/>
+                        </a:spcBef>
+                        <a:spcAft>
+                          <a:spcPts val="0"/>
+                        </a:spcAft>
+                        <a:buClrTx/>
+                        <a:buSzTx/>
+                        <a:buFontTx/>
+                        <a:buNone/>
+                        <a:tabLst/>
+                        <a:defRPr/>
+                      </a:pPr>
+                      <a:endParaRPr lang="ko-KR" altLang="en-US" sz="1400" dirty="0"/>
+                    </a:p>
+                  </a:txBody>
+                  <a:tcPr anchor="ctr"/>
+                </a:tc>
+                <a:tc>
+                  <a:txBody>
+                    <a:bodyPr/>
+                    <a:lstStyle/>
+                    <a:p>
+                      <a:pPr marL="0" marR="0" lvl="0" indent="0" algn="ctr" defTabSz="914400" rtl="0" eaLnBrk="1" fontAlgn="auto" latinLnBrk="1" hangingPunct="1">
+                        <a:lnSpc>
+                          <a:spcPct val="100000"/>
+                        </a:lnSpc>
+                        <a:spcBef>
+                          <a:spcPts val="0"/>
+                        </a:spcBef>
+                        <a:spcAft>
+                          <a:spcPts val="0"/>
+                        </a:spcAft>
+                        <a:buClrTx/>
+                        <a:buSzTx/>
+                        <a:buFontTx/>
+                        <a:buNone/>
+                        <a:tabLst/>
+                        <a:defRPr/>
+                      </a:pPr>
+                      <a:r>
+                        <a:rPr lang="en-US" altLang="ko-KR" sz="1400" dirty="0"/>
+                        <a:t>570</a:t>
+                      </a:r>
+                      <a:endParaRPr lang="ko-KR" altLang="en-US" sz="1400" dirty="0"/>
+                    </a:p>
+                  </a:txBody>
+                  <a:tcPr anchor="ctr"/>
+                </a:tc>
+                <a:extLst>
+                  <a:ext uri="{0D108BD9-81ED-4DB2-BD59-A6C34878D82A}">
+                    <a16:rowId xmlns:a16="http://schemas.microsoft.com/office/drawing/2014/main" val="1508387431"/>
+                  </a:ext>
+                </a:extLst>
+              </a:tr>
+              <a:tr h="440181">
+                <a:tc>
+                  <a:txBody>
+                    <a:bodyPr/>
+                    <a:lstStyle/>
+                    <a:p>
+                      <a:pPr algn="ctr" latinLnBrk="1"/>
+                      <a:r>
+                        <a:rPr lang="en-US" altLang="ko-KR" sz="1400" dirty="0"/>
+                        <a:t>8</a:t>
+                      </a:r>
+                      <a:endParaRPr lang="ko-KR" altLang="en-US" sz="1400" dirty="0"/>
+                    </a:p>
+                  </a:txBody>
+                  <a:tcPr anchor="ctr"/>
+                </a:tc>
+                <a:tc>
+                  <a:txBody>
+                    <a:bodyPr/>
+                    <a:lstStyle/>
+                    <a:p>
+                      <a:pPr marL="0" marR="0" lvl="0" indent="0" algn="ctr" defTabSz="914400" rtl="0" eaLnBrk="1" fontAlgn="auto" latinLnBrk="1" hangingPunct="1">
+                        <a:lnSpc>
+                          <a:spcPct val="100000"/>
+                        </a:lnSpc>
+                        <a:spcBef>
+                          <a:spcPts val="0"/>
+                        </a:spcBef>
+                        <a:spcAft>
+                          <a:spcPts val="0"/>
+                        </a:spcAft>
+                        <a:buClrTx/>
+                        <a:buSzTx/>
+                        <a:buFontTx/>
+                        <a:buNone/>
+                        <a:tabLst/>
+                        <a:defRPr/>
+                      </a:pPr>
+                      <a:r>
+                        <a:rPr lang="en-US" altLang="ko-KR" sz="1400" dirty="0"/>
+                        <a:t>390</a:t>
+                      </a:r>
+                      <a:endParaRPr lang="ko-KR" altLang="en-US" sz="1400" dirty="0"/>
+                    </a:p>
+                  </a:txBody>
+                  <a:tcPr anchor="ctr"/>
+                </a:tc>
+                <a:tc>
+                  <a:txBody>
+                    <a:bodyPr/>
+                    <a:lstStyle/>
+                    <a:p>
+                      <a:pPr marL="0" marR="0" lvl="0" indent="0" algn="ctr" defTabSz="914400" rtl="0" eaLnBrk="1" fontAlgn="auto" latinLnBrk="1" hangingPunct="1">
+                        <a:lnSpc>
+                          <a:spcPct val="100000"/>
+                        </a:lnSpc>
+                        <a:spcBef>
+                          <a:spcPts val="0"/>
+                        </a:spcBef>
+                        <a:spcAft>
+                          <a:spcPts val="0"/>
+                        </a:spcAft>
+                        <a:buClrTx/>
+                        <a:buSzTx/>
+                        <a:buFontTx/>
+                        <a:buNone/>
+                        <a:tabLst/>
+                        <a:defRPr/>
+                      </a:pPr>
+                      <a:r>
+                        <a:rPr lang="en-US" altLang="ko-KR" sz="1400" dirty="0"/>
+                        <a:t>X</a:t>
+                      </a:r>
+                      <a:endParaRPr lang="ko-KR" altLang="en-US" sz="1400" dirty="0"/>
+                    </a:p>
+                  </a:txBody>
+                  <a:tcPr anchor="ctr"/>
+                </a:tc>
+                <a:tc>
+                  <a:txBody>
+                    <a:bodyPr/>
+                    <a:lstStyle/>
+                    <a:p>
+                      <a:pPr marL="0" marR="0" lvl="0" indent="0" algn="ctr" defTabSz="914400" rtl="0" eaLnBrk="1" fontAlgn="auto" latinLnBrk="1" hangingPunct="1">
+                        <a:lnSpc>
+                          <a:spcPct val="100000"/>
+                        </a:lnSpc>
+                        <a:spcBef>
+                          <a:spcPts val="0"/>
+                        </a:spcBef>
+                        <a:spcAft>
+                          <a:spcPts val="0"/>
+                        </a:spcAft>
+                        <a:buClrTx/>
+                        <a:buSzTx/>
+                        <a:buFontTx/>
+                        <a:buNone/>
+                        <a:tabLst/>
+                        <a:defRPr/>
+                      </a:pPr>
+                      <a:endParaRPr lang="ko-KR" altLang="en-US" sz="1400" dirty="0"/>
+                    </a:p>
+                  </a:txBody>
+                  <a:tcPr anchor="ctr"/>
+                </a:tc>
+                <a:tc>
+                  <a:txBody>
+                    <a:bodyPr/>
+                    <a:lstStyle/>
+                    <a:p>
+                      <a:pPr marL="0" marR="0" lvl="0" indent="0" algn="ctr" defTabSz="914400" rtl="0" eaLnBrk="1" fontAlgn="auto" latinLnBrk="1" hangingPunct="1">
+                        <a:lnSpc>
+                          <a:spcPct val="100000"/>
+                        </a:lnSpc>
+                        <a:spcBef>
+                          <a:spcPts val="0"/>
+                        </a:spcBef>
+                        <a:spcAft>
+                          <a:spcPts val="0"/>
+                        </a:spcAft>
+                        <a:buClrTx/>
+                        <a:buSzTx/>
+                        <a:buFontTx/>
+                        <a:buNone/>
+                        <a:tabLst/>
+                        <a:defRPr/>
+                      </a:pPr>
+                      <a:r>
+                        <a:rPr lang="en-US" altLang="ko-KR" sz="1400" dirty="0"/>
+                        <a:t>390</a:t>
+                      </a:r>
+                      <a:endParaRPr lang="ko-KR" altLang="en-US" sz="1400" dirty="0"/>
+                    </a:p>
+                  </a:txBody>
+                  <a:tcPr anchor="ctr"/>
+                </a:tc>
+                <a:extLst>
+                  <a:ext uri="{0D108BD9-81ED-4DB2-BD59-A6C34878D82A}">
+                    <a16:rowId xmlns:a16="http://schemas.microsoft.com/office/drawing/2014/main" val="2529902944"/>
+                  </a:ext>
+                </a:extLst>
+              </a:tr>
+              <a:tr h="440181">
+                <a:tc>
+                  <a:txBody>
+                    <a:bodyPr/>
+                    <a:lstStyle/>
+                    <a:p>
+                      <a:pPr algn="ctr" latinLnBrk="1"/>
+                      <a:r>
+                        <a:rPr lang="en-US" altLang="ko-KR" sz="1400" dirty="0"/>
+                        <a:t>16</a:t>
+                      </a:r>
+                      <a:endParaRPr lang="ko-KR" altLang="en-US" sz="1400" dirty="0"/>
+                    </a:p>
+                  </a:txBody>
+                  <a:tcPr anchor="ctr"/>
+                </a:tc>
+                <a:tc>
+                  <a:txBody>
+                    <a:bodyPr/>
+                    <a:lstStyle/>
+                    <a:p>
+                      <a:pPr marL="0" marR="0" lvl="0" indent="0" algn="ctr" defTabSz="914400" rtl="0" eaLnBrk="1" fontAlgn="auto" latinLnBrk="1" hangingPunct="1">
+                        <a:lnSpc>
+                          <a:spcPct val="100000"/>
+                        </a:lnSpc>
+                        <a:spcBef>
+                          <a:spcPts val="0"/>
+                        </a:spcBef>
+                        <a:spcAft>
+                          <a:spcPts val="0"/>
+                        </a:spcAft>
+                        <a:buClrTx/>
+                        <a:buSzTx/>
+                        <a:buFontTx/>
+                        <a:buNone/>
+                        <a:tabLst/>
+                        <a:defRPr/>
+                      </a:pPr>
+                      <a:r>
+                        <a:rPr lang="en-US" altLang="ko-KR" sz="1400" dirty="0"/>
+                        <a:t>315</a:t>
+                      </a:r>
+                      <a:endParaRPr lang="ko-KR" altLang="en-US" sz="1400" dirty="0"/>
+                    </a:p>
+                  </a:txBody>
+                  <a:tcPr anchor="ctr"/>
+                </a:tc>
+                <a:tc>
+                  <a:txBody>
+                    <a:bodyPr/>
+                    <a:lstStyle/>
+                    <a:p>
+                      <a:pPr marL="0" marR="0" lvl="0" indent="0" algn="ctr" defTabSz="914400" rtl="0" eaLnBrk="1" fontAlgn="auto" latinLnBrk="1" hangingPunct="1">
+                        <a:lnSpc>
+                          <a:spcPct val="100000"/>
+                        </a:lnSpc>
+                        <a:spcBef>
+                          <a:spcPts val="0"/>
+                        </a:spcBef>
+                        <a:spcAft>
+                          <a:spcPts val="0"/>
+                        </a:spcAft>
+                        <a:buClrTx/>
+                        <a:buSzTx/>
+                        <a:buFontTx/>
+                        <a:buNone/>
+                        <a:tabLst/>
+                        <a:defRPr/>
+                      </a:pPr>
+                      <a:r>
+                        <a:rPr lang="en-US" altLang="ko-KR" sz="1400" dirty="0"/>
+                        <a:t>X</a:t>
+                      </a:r>
+                      <a:endParaRPr lang="ko-KR" altLang="en-US" sz="1400" dirty="0"/>
+                    </a:p>
+                  </a:txBody>
+                  <a:tcPr anchor="ctr"/>
+                </a:tc>
+                <a:tc>
+                  <a:txBody>
+                    <a:bodyPr/>
+                    <a:lstStyle/>
+                    <a:p>
+                      <a:pPr marL="0" marR="0" lvl="0" indent="0" algn="ctr" defTabSz="914400" rtl="0" eaLnBrk="1" fontAlgn="auto" latinLnBrk="1" hangingPunct="1">
+                        <a:lnSpc>
+                          <a:spcPct val="100000"/>
+                        </a:lnSpc>
+                        <a:spcBef>
+                          <a:spcPts val="0"/>
+                        </a:spcBef>
+                        <a:spcAft>
+                          <a:spcPts val="0"/>
+                        </a:spcAft>
+                        <a:buClrTx/>
+                        <a:buSzTx/>
+                        <a:buFontTx/>
+                        <a:buNone/>
+                        <a:tabLst/>
+                        <a:defRPr/>
+                      </a:pPr>
+                      <a:r>
+                        <a:rPr lang="en-US" altLang="ko-KR" sz="1400" dirty="0"/>
+                        <a:t>837</a:t>
+                      </a:r>
+                      <a:endParaRPr lang="ko-KR" altLang="en-US" sz="1400" dirty="0"/>
+                    </a:p>
+                  </a:txBody>
+                  <a:tcPr anchor="ctr"/>
+                </a:tc>
+                <a:tc>
+                  <a:txBody>
+                    <a:bodyPr/>
+                    <a:lstStyle/>
+                    <a:p>
+                      <a:pPr marL="0" marR="0" lvl="0" indent="0" algn="ctr" defTabSz="914400" rtl="0" eaLnBrk="1" fontAlgn="auto" latinLnBrk="1" hangingPunct="1">
+                        <a:lnSpc>
+                          <a:spcPct val="100000"/>
+                        </a:lnSpc>
+                        <a:spcBef>
+                          <a:spcPts val="0"/>
+                        </a:spcBef>
+                        <a:spcAft>
+                          <a:spcPts val="0"/>
+                        </a:spcAft>
+                        <a:buClrTx/>
+                        <a:buSzTx/>
+                        <a:buFontTx/>
+                        <a:buNone/>
+                        <a:tabLst/>
+                        <a:defRPr/>
+                      </a:pPr>
+                      <a:r>
+                        <a:rPr lang="en-US" altLang="ko-KR" sz="1400" dirty="0"/>
+                        <a:t>315</a:t>
+                      </a:r>
+                      <a:endParaRPr lang="ko-KR" altLang="en-US" sz="1400" dirty="0"/>
+                    </a:p>
+                  </a:txBody>
+                  <a:tcPr anchor="ctr"/>
+                </a:tc>
+                <a:extLst>
+                  <a:ext uri="{0D108BD9-81ED-4DB2-BD59-A6C34878D82A}">
+                    <a16:rowId xmlns:a16="http://schemas.microsoft.com/office/drawing/2014/main" val="2004643796"/>
+                  </a:ext>
+                </a:extLst>
+              </a:tr>
+            </a:tbl>
+          </a:graphicData>
+        </a:graphic>
+      </p:graphicFrame>
     </p:spTree>
     <p:extLst>
       <p:ext uri="{BB962C8B-B14F-4D97-AF65-F5344CB8AC3E}">

--- a/MCP2025/새 프레젠테이션 문서.pptx
+++ b/MCP2025/새 프레젠테이션 문서.pptx
@@ -261,7 +261,7 @@
           <a:p>
             <a:fld id="{2278C4D4-34BA-41F3-BA62-1B1F2BB85AFB}" type="datetimeFigureOut">
               <a:rPr lang="ko-KR" altLang="en-US" smtClean="0"/>
-              <a:t>2025-05-12</a:t>
+              <a:t>2025-05-13</a:t>
             </a:fld>
             <a:endParaRPr lang="ko-KR" altLang="en-US"/>
           </a:p>
@@ -459,7 +459,7 @@
           <a:p>
             <a:fld id="{2278C4D4-34BA-41F3-BA62-1B1F2BB85AFB}" type="datetimeFigureOut">
               <a:rPr lang="ko-KR" altLang="en-US" smtClean="0"/>
-              <a:t>2025-05-12</a:t>
+              <a:t>2025-05-13</a:t>
             </a:fld>
             <a:endParaRPr lang="ko-KR" altLang="en-US"/>
           </a:p>
@@ -667,7 +667,7 @@
           <a:p>
             <a:fld id="{2278C4D4-34BA-41F3-BA62-1B1F2BB85AFB}" type="datetimeFigureOut">
               <a:rPr lang="ko-KR" altLang="en-US" smtClean="0"/>
-              <a:t>2025-05-12</a:t>
+              <a:t>2025-05-13</a:t>
             </a:fld>
             <a:endParaRPr lang="ko-KR" altLang="en-US"/>
           </a:p>
@@ -865,7 +865,7 @@
           <a:p>
             <a:fld id="{2278C4D4-34BA-41F3-BA62-1B1F2BB85AFB}" type="datetimeFigureOut">
               <a:rPr lang="ko-KR" altLang="en-US" smtClean="0"/>
-              <a:t>2025-05-12</a:t>
+              <a:t>2025-05-13</a:t>
             </a:fld>
             <a:endParaRPr lang="ko-KR" altLang="en-US"/>
           </a:p>
@@ -1140,7 +1140,7 @@
           <a:p>
             <a:fld id="{2278C4D4-34BA-41F3-BA62-1B1F2BB85AFB}" type="datetimeFigureOut">
               <a:rPr lang="ko-KR" altLang="en-US" smtClean="0"/>
-              <a:t>2025-05-12</a:t>
+              <a:t>2025-05-13</a:t>
             </a:fld>
             <a:endParaRPr lang="ko-KR" altLang="en-US"/>
           </a:p>
@@ -1405,7 +1405,7 @@
           <a:p>
             <a:fld id="{2278C4D4-34BA-41F3-BA62-1B1F2BB85AFB}" type="datetimeFigureOut">
               <a:rPr lang="ko-KR" altLang="en-US" smtClean="0"/>
-              <a:t>2025-05-12</a:t>
+              <a:t>2025-05-13</a:t>
             </a:fld>
             <a:endParaRPr lang="ko-KR" altLang="en-US"/>
           </a:p>
@@ -1817,7 +1817,7 @@
           <a:p>
             <a:fld id="{2278C4D4-34BA-41F3-BA62-1B1F2BB85AFB}" type="datetimeFigureOut">
               <a:rPr lang="ko-KR" altLang="en-US" smtClean="0"/>
-              <a:t>2025-05-12</a:t>
+              <a:t>2025-05-13</a:t>
             </a:fld>
             <a:endParaRPr lang="ko-KR" altLang="en-US"/>
           </a:p>
@@ -1958,7 +1958,7 @@
           <a:p>
             <a:fld id="{2278C4D4-34BA-41F3-BA62-1B1F2BB85AFB}" type="datetimeFigureOut">
               <a:rPr lang="ko-KR" altLang="en-US" smtClean="0"/>
-              <a:t>2025-05-12</a:t>
+              <a:t>2025-05-13</a:t>
             </a:fld>
             <a:endParaRPr lang="ko-KR" altLang="en-US"/>
           </a:p>
@@ -2071,7 +2071,7 @@
           <a:p>
             <a:fld id="{2278C4D4-34BA-41F3-BA62-1B1F2BB85AFB}" type="datetimeFigureOut">
               <a:rPr lang="ko-KR" altLang="en-US" smtClean="0"/>
-              <a:t>2025-05-12</a:t>
+              <a:t>2025-05-13</a:t>
             </a:fld>
             <a:endParaRPr lang="ko-KR" altLang="en-US"/>
           </a:p>
@@ -2382,7 +2382,7 @@
           <a:p>
             <a:fld id="{2278C4D4-34BA-41F3-BA62-1B1F2BB85AFB}" type="datetimeFigureOut">
               <a:rPr lang="ko-KR" altLang="en-US" smtClean="0"/>
-              <a:t>2025-05-12</a:t>
+              <a:t>2025-05-13</a:t>
             </a:fld>
             <a:endParaRPr lang="ko-KR" altLang="en-US"/>
           </a:p>
@@ -2670,7 +2670,7 @@
           <a:p>
             <a:fld id="{2278C4D4-34BA-41F3-BA62-1B1F2BB85AFB}" type="datetimeFigureOut">
               <a:rPr lang="ko-KR" altLang="en-US" smtClean="0"/>
-              <a:t>2025-05-12</a:t>
+              <a:t>2025-05-13</a:t>
             </a:fld>
             <a:endParaRPr lang="ko-KR" altLang="en-US"/>
           </a:p>
@@ -2911,7 +2911,7 @@
           <a:p>
             <a:fld id="{2278C4D4-34BA-41F3-BA62-1B1F2BB85AFB}" type="datetimeFigureOut">
               <a:rPr lang="ko-KR" altLang="en-US" smtClean="0"/>
-              <a:t>2025-05-12</a:t>
+              <a:t>2025-05-13</a:t>
             </a:fld>
             <a:endParaRPr lang="ko-KR" altLang="en-US"/>
           </a:p>
@@ -5994,7 +5994,7 @@
           <p:nvPr>
             <p:extLst>
               <p:ext uri="{D42A27DB-BD31-4B8C-83A1-F6EECF244321}">
-                <p14:modId xmlns:p14="http://schemas.microsoft.com/office/powerpoint/2010/main" val="291646523"/>
+                <p14:modId xmlns:p14="http://schemas.microsoft.com/office/powerpoint/2010/main" val="1516346936"/>
               </p:ext>
             </p:extLst>
           </p:nvPr>
@@ -6055,7 +6055,7 @@
                       <a:pPr algn="ctr" latinLnBrk="1"/>
                       <a:r>
                         <a:rPr lang="en-US" altLang="ko-KR" sz="1400" dirty="0"/>
-                        <a:t>Single 1042</a:t>
+                        <a:t>Single 366</a:t>
                       </a:r>
                       <a:endParaRPr lang="ko-KR" altLang="en-US" sz="1400" dirty="0"/>
                     </a:p>
@@ -6085,7 +6085,7 @@
                       <a:pPr algn="ctr" latinLnBrk="1"/>
                       <a:r>
                         <a:rPr lang="en-US" altLang="ko-KR" sz="1400" dirty="0"/>
-                        <a:t>LF</a:t>
+                        <a:t>LF(40000)</a:t>
                       </a:r>
                       <a:endParaRPr lang="ko-KR" altLang="en-US" sz="1400" dirty="0"/>
                     </a:p>
@@ -6100,7 +6100,7 @@
                       <a:pPr algn="ctr" latinLnBrk="1"/>
                       <a:r>
                         <a:rPr lang="en-US" altLang="ko-KR" sz="1400" dirty="0"/>
-                        <a:t>WF</a:t>
+                        <a:t>WF(40000)</a:t>
                       </a:r>
                       <a:endParaRPr lang="ko-KR" altLang="en-US" sz="1400" dirty="0"/>
                     </a:p>
@@ -6113,10 +6113,7 @@
                     <a:lstStyle/>
                     <a:p>
                       <a:pPr algn="ctr" latinLnBrk="1"/>
-                      <a:r>
-                        <a:rPr lang="ko-KR" altLang="en-US" sz="1400" dirty="0"/>
-                        <a:t>게으른</a:t>
-                      </a:r>
+                      <a:endParaRPr lang="ko-KR" altLang="en-US" sz="1400" dirty="0"/>
                     </a:p>
                   </a:txBody>
                   <a:tcPr anchor="ctr"/>
@@ -6151,101 +6148,97 @@
                       <a:pPr algn="ctr" latinLnBrk="1"/>
                       <a:r>
                         <a:rPr lang="en-US" altLang="ko-KR" sz="1400" dirty="0"/>
-                        <a:t>1108</a:t>
-                      </a:r>
-                      <a:endParaRPr lang="ko-KR" altLang="en-US" sz="1400" dirty="0"/>
-                    </a:p>
-                  </a:txBody>
-                  <a:tcPr anchor="ctr"/>
-                </a:tc>
-                <a:tc>
-                  <a:txBody>
-                    <a:bodyPr/>
-                    <a:lstStyle/>
-                    <a:p>
-                      <a:pPr marL="0" marR="0" lvl="0" indent="0" algn="ctr" defTabSz="914400" rtl="0" eaLnBrk="1" fontAlgn="auto" latinLnBrk="1" hangingPunct="1">
-                        <a:lnSpc>
-                          <a:spcPct val="100000"/>
-                        </a:lnSpc>
-                        <a:spcBef>
-                          <a:spcPts val="0"/>
-                        </a:spcBef>
-                        <a:spcAft>
-                          <a:spcPts val="0"/>
-                        </a:spcAft>
-                        <a:buClrTx/>
-                        <a:buSzTx/>
-                        <a:buFontTx/>
-                        <a:buNone/>
-                        <a:tabLst/>
-                        <a:defRPr/>
-                      </a:pPr>
-                      <a:r>
-                        <a:rPr lang="en-US" altLang="ko-KR" sz="1400" dirty="0"/>
-                        <a:t>18158</a:t>
-                      </a:r>
-                      <a:endParaRPr lang="ko-KR" altLang="en-US" sz="1400" dirty="0"/>
-                    </a:p>
-                  </a:txBody>
-                  <a:tcPr anchor="ctr"/>
-                </a:tc>
-                <a:tc>
-                  <a:txBody>
-                    <a:bodyPr/>
-                    <a:lstStyle/>
-                    <a:p>
-                      <a:pPr marL="0" marR="0" lvl="0" indent="0" algn="ctr" defTabSz="914400" rtl="0" eaLnBrk="1" fontAlgn="auto" latinLnBrk="1" hangingPunct="1">
-                        <a:lnSpc>
-                          <a:spcPct val="100000"/>
-                        </a:lnSpc>
-                        <a:spcBef>
-                          <a:spcPts val="0"/>
-                        </a:spcBef>
-                        <a:spcAft>
-                          <a:spcPts val="0"/>
-                        </a:spcAft>
-                        <a:buClrTx/>
-                        <a:buSzTx/>
-                        <a:buFontTx/>
-                        <a:buNone/>
-                        <a:tabLst/>
-                        <a:defRPr/>
-                      </a:pPr>
-                      <a:r>
-                        <a:rPr lang="en-US" altLang="ko-KR" sz="1400" dirty="0"/>
-                        <a:t>3555</a:t>
-                      </a:r>
-                      <a:endParaRPr lang="ko-KR" altLang="en-US" sz="1400" dirty="0"/>
-                    </a:p>
-                  </a:txBody>
-                  <a:tcPr anchor="ctr"/>
-                </a:tc>
-                <a:tc>
-                  <a:txBody>
-                    <a:bodyPr/>
-                    <a:lstStyle/>
-                    <a:p>
-                      <a:pPr marL="0" marR="0" lvl="0" indent="0" algn="ctr" defTabSz="914400" rtl="0" eaLnBrk="1" fontAlgn="auto" latinLnBrk="1" hangingPunct="1">
-                        <a:lnSpc>
-                          <a:spcPct val="100000"/>
-                        </a:lnSpc>
-                        <a:spcBef>
-                          <a:spcPts val="0"/>
-                        </a:spcBef>
-                        <a:spcAft>
-                          <a:spcPts val="0"/>
-                        </a:spcAft>
-                        <a:buClrTx/>
-                        <a:buSzTx/>
-                        <a:buFontTx/>
-                        <a:buNone/>
-                        <a:tabLst/>
-                        <a:defRPr/>
-                      </a:pPr>
-                      <a:r>
-                        <a:rPr lang="en-US" altLang="ko-KR" sz="1400" dirty="0"/>
-                        <a:t>1377</a:t>
-                      </a:r>
+                        <a:t>431</a:t>
+                      </a:r>
+                      <a:endParaRPr lang="ko-KR" altLang="en-US" sz="1400" dirty="0"/>
+                    </a:p>
+                  </a:txBody>
+                  <a:tcPr anchor="ctr"/>
+                </a:tc>
+                <a:tc>
+                  <a:txBody>
+                    <a:bodyPr/>
+                    <a:lstStyle/>
+                    <a:p>
+                      <a:pPr marL="0" marR="0" lvl="0" indent="0" algn="ctr" defTabSz="914400" rtl="0" eaLnBrk="1" fontAlgn="auto" latinLnBrk="1" hangingPunct="1">
+                        <a:lnSpc>
+                          <a:spcPct val="100000"/>
+                        </a:lnSpc>
+                        <a:spcBef>
+                          <a:spcPts val="0"/>
+                        </a:spcBef>
+                        <a:spcAft>
+                          <a:spcPts val="0"/>
+                        </a:spcAft>
+                        <a:buClrTx/>
+                        <a:buSzTx/>
+                        <a:buFontTx/>
+                        <a:buNone/>
+                        <a:tabLst/>
+                        <a:defRPr/>
+                      </a:pPr>
+                      <a:r>
+                        <a:rPr lang="en-US" altLang="ko-KR" sz="1400" dirty="0"/>
+                        <a:t>80857</a:t>
+                      </a:r>
+                      <a:endParaRPr lang="ko-KR" altLang="en-US" sz="1400" dirty="0"/>
+                    </a:p>
+                  </a:txBody>
+                  <a:tcPr anchor="ctr"/>
+                </a:tc>
+                <a:tc>
+                  <a:txBody>
+                    <a:bodyPr/>
+                    <a:lstStyle/>
+                    <a:p>
+                      <a:pPr marL="0" marR="0" lvl="0" indent="0" algn="ctr" defTabSz="914400" rtl="0" eaLnBrk="1" fontAlgn="auto" latinLnBrk="1" hangingPunct="1">
+                        <a:lnSpc>
+                          <a:spcPct val="100000"/>
+                        </a:lnSpc>
+                        <a:spcBef>
+                          <a:spcPts val="0"/>
+                        </a:spcBef>
+                        <a:spcAft>
+                          <a:spcPts val="0"/>
+                        </a:spcAft>
+                        <a:buClrTx/>
+                        <a:buSzTx/>
+                        <a:buFontTx/>
+                        <a:buNone/>
+                        <a:tabLst/>
+                        <a:defRPr/>
+                      </a:pPr>
+                      <a:r>
+                        <a:rPr lang="en-US" altLang="ko-KR" sz="1400" dirty="0"/>
+                        <a:t>81170</a:t>
+                      </a:r>
+                      <a:endParaRPr lang="ko-KR" altLang="en-US" sz="1400" dirty="0"/>
+                    </a:p>
+                  </a:txBody>
+                  <a:tcPr anchor="ctr"/>
+                </a:tc>
+                <a:tc>
+                  <a:txBody>
+                    <a:bodyPr/>
+                    <a:lstStyle/>
+                    <a:p>
+                      <a:pPr marL="0" marR="0" lvl="0" indent="0" algn="ctr" defTabSz="914400" rtl="0" eaLnBrk="1" fontAlgn="auto" latinLnBrk="1" hangingPunct="1">
+                        <a:lnSpc>
+                          <a:spcPct val="100000"/>
+                        </a:lnSpc>
+                        <a:spcBef>
+                          <a:spcPts val="0"/>
+                        </a:spcBef>
+                        <a:spcAft>
+                          <a:spcPts val="0"/>
+                        </a:spcAft>
+                        <a:buClrTx/>
+                        <a:buSzTx/>
+                        <a:buFontTx/>
+                        <a:buNone/>
+                        <a:tabLst/>
+                        <a:defRPr/>
+                      </a:pPr>
                       <a:endParaRPr lang="ko-KR" altLang="en-US" sz="1400" dirty="0"/>
                     </a:p>
                   </a:txBody>
@@ -6297,101 +6290,97 @@
                       </a:pPr>
                       <a:r>
                         <a:rPr lang="en-US" altLang="ko-KR" sz="1400" dirty="0"/>
-                        <a:t>1120</a:t>
-                      </a:r>
-                      <a:endParaRPr lang="ko-KR" altLang="en-US" sz="1400" dirty="0"/>
-                    </a:p>
-                  </a:txBody>
-                  <a:tcPr anchor="ctr"/>
-                </a:tc>
-                <a:tc>
-                  <a:txBody>
-                    <a:bodyPr/>
-                    <a:lstStyle/>
-                    <a:p>
-                      <a:pPr marL="0" marR="0" lvl="0" indent="0" algn="ctr" defTabSz="914400" rtl="0" eaLnBrk="1" fontAlgn="auto" latinLnBrk="1" hangingPunct="1">
-                        <a:lnSpc>
-                          <a:spcPct val="100000"/>
-                        </a:lnSpc>
-                        <a:spcBef>
-                          <a:spcPts val="0"/>
-                        </a:spcBef>
-                        <a:spcAft>
-                          <a:spcPts val="0"/>
-                        </a:spcAft>
-                        <a:buClrTx/>
-                        <a:buSzTx/>
-                        <a:buFontTx/>
-                        <a:buNone/>
-                        <a:tabLst/>
-                        <a:defRPr/>
-                      </a:pPr>
-                      <a:r>
-                        <a:rPr lang="en-US" altLang="ko-KR" sz="1400" dirty="0"/>
-                        <a:t>17464</a:t>
-                      </a:r>
-                      <a:endParaRPr lang="ko-KR" altLang="en-US" sz="1400" dirty="0"/>
-                    </a:p>
-                  </a:txBody>
-                  <a:tcPr anchor="ctr"/>
-                </a:tc>
-                <a:tc>
-                  <a:txBody>
-                    <a:bodyPr/>
-                    <a:lstStyle/>
-                    <a:p>
-                      <a:pPr marL="0" marR="0" lvl="0" indent="0" algn="ctr" defTabSz="914400" rtl="0" eaLnBrk="1" fontAlgn="auto" latinLnBrk="1" hangingPunct="1">
-                        <a:lnSpc>
-                          <a:spcPct val="100000"/>
-                        </a:lnSpc>
-                        <a:spcBef>
-                          <a:spcPts val="0"/>
-                        </a:spcBef>
-                        <a:spcAft>
-                          <a:spcPts val="0"/>
-                        </a:spcAft>
-                        <a:buClrTx/>
-                        <a:buSzTx/>
-                        <a:buFontTx/>
-                        <a:buNone/>
-                        <a:tabLst/>
-                        <a:defRPr/>
-                      </a:pPr>
-                      <a:r>
-                        <a:rPr lang="en-US" altLang="ko-KR" sz="1400" dirty="0"/>
-                        <a:t>3370</a:t>
-                      </a:r>
-                      <a:endParaRPr lang="ko-KR" altLang="en-US" sz="1400" dirty="0"/>
-                    </a:p>
-                  </a:txBody>
-                  <a:tcPr anchor="ctr"/>
-                </a:tc>
-                <a:tc>
-                  <a:txBody>
-                    <a:bodyPr/>
-                    <a:lstStyle/>
-                    <a:p>
-                      <a:pPr marL="0" marR="0" lvl="0" indent="0" algn="ctr" defTabSz="914400" rtl="0" eaLnBrk="1" fontAlgn="auto" latinLnBrk="1" hangingPunct="1">
-                        <a:lnSpc>
-                          <a:spcPct val="100000"/>
-                        </a:lnSpc>
-                        <a:spcBef>
-                          <a:spcPts val="0"/>
-                        </a:spcBef>
-                        <a:spcAft>
-                          <a:spcPts val="0"/>
-                        </a:spcAft>
-                        <a:buClrTx/>
-                        <a:buSzTx/>
-                        <a:buFontTx/>
-                        <a:buNone/>
-                        <a:tabLst/>
-                        <a:defRPr/>
-                      </a:pPr>
-                      <a:r>
-                        <a:rPr lang="en-US" altLang="ko-KR" sz="1400" dirty="0"/>
-                        <a:t>906</a:t>
-                      </a:r>
+                        <a:t>490</a:t>
+                      </a:r>
+                      <a:endParaRPr lang="ko-KR" altLang="en-US" sz="1400" dirty="0"/>
+                    </a:p>
+                  </a:txBody>
+                  <a:tcPr anchor="ctr"/>
+                </a:tc>
+                <a:tc>
+                  <a:txBody>
+                    <a:bodyPr/>
+                    <a:lstStyle/>
+                    <a:p>
+                      <a:pPr marL="0" marR="0" lvl="0" indent="0" algn="ctr" defTabSz="914400" rtl="0" eaLnBrk="1" fontAlgn="auto" latinLnBrk="1" hangingPunct="1">
+                        <a:lnSpc>
+                          <a:spcPct val="100000"/>
+                        </a:lnSpc>
+                        <a:spcBef>
+                          <a:spcPts val="0"/>
+                        </a:spcBef>
+                        <a:spcAft>
+                          <a:spcPts val="0"/>
+                        </a:spcAft>
+                        <a:buClrTx/>
+                        <a:buSzTx/>
+                        <a:buFontTx/>
+                        <a:buNone/>
+                        <a:tabLst/>
+                        <a:defRPr/>
+                      </a:pPr>
+                      <a:r>
+                        <a:rPr lang="en-US" altLang="ko-KR" sz="1400" dirty="0"/>
+                        <a:t>33763</a:t>
+                      </a:r>
+                      <a:endParaRPr lang="ko-KR" altLang="en-US" sz="1400" dirty="0"/>
+                    </a:p>
+                  </a:txBody>
+                  <a:tcPr anchor="ctr"/>
+                </a:tc>
+                <a:tc>
+                  <a:txBody>
+                    <a:bodyPr/>
+                    <a:lstStyle/>
+                    <a:p>
+                      <a:pPr marL="0" marR="0" lvl="0" indent="0" algn="ctr" defTabSz="914400" rtl="0" eaLnBrk="1" fontAlgn="auto" latinLnBrk="1" hangingPunct="1">
+                        <a:lnSpc>
+                          <a:spcPct val="100000"/>
+                        </a:lnSpc>
+                        <a:spcBef>
+                          <a:spcPts val="0"/>
+                        </a:spcBef>
+                        <a:spcAft>
+                          <a:spcPts val="0"/>
+                        </a:spcAft>
+                        <a:buClrTx/>
+                        <a:buSzTx/>
+                        <a:buFontTx/>
+                        <a:buNone/>
+                        <a:tabLst/>
+                        <a:defRPr/>
+                      </a:pPr>
+                      <a:r>
+                        <a:rPr lang="en-US" altLang="ko-KR" sz="1400" dirty="0"/>
+                        <a:t>33228</a:t>
+                      </a:r>
+                      <a:endParaRPr lang="ko-KR" altLang="en-US" sz="1400" dirty="0"/>
+                    </a:p>
+                  </a:txBody>
+                  <a:tcPr anchor="ctr"/>
+                </a:tc>
+                <a:tc>
+                  <a:txBody>
+                    <a:bodyPr/>
+                    <a:lstStyle/>
+                    <a:p>
+                      <a:pPr marL="0" marR="0" lvl="0" indent="0" algn="ctr" defTabSz="914400" rtl="0" eaLnBrk="1" fontAlgn="auto" latinLnBrk="1" hangingPunct="1">
+                        <a:lnSpc>
+                          <a:spcPct val="100000"/>
+                        </a:lnSpc>
+                        <a:spcBef>
+                          <a:spcPts val="0"/>
+                        </a:spcBef>
+                        <a:spcAft>
+                          <a:spcPts val="0"/>
+                        </a:spcAft>
+                        <a:buClrTx/>
+                        <a:buSzTx/>
+                        <a:buFontTx/>
+                        <a:buNone/>
+                        <a:tabLst/>
+                        <a:defRPr/>
+                      </a:pPr>
                       <a:endParaRPr lang="ko-KR" altLang="en-US" sz="1400" dirty="0"/>
                     </a:p>
                   </a:txBody>
@@ -6443,101 +6432,97 @@
                       </a:pPr>
                       <a:r>
                         <a:rPr lang="en-US" altLang="ko-KR" sz="1400" dirty="0"/>
-                        <a:t>1144</a:t>
-                      </a:r>
-                      <a:endParaRPr lang="ko-KR" altLang="en-US" sz="1400" dirty="0"/>
-                    </a:p>
-                  </a:txBody>
-                  <a:tcPr anchor="ctr"/>
-                </a:tc>
-                <a:tc>
-                  <a:txBody>
-                    <a:bodyPr/>
-                    <a:lstStyle/>
-                    <a:p>
-                      <a:pPr marL="0" marR="0" lvl="0" indent="0" algn="ctr" defTabSz="914400" rtl="0" eaLnBrk="1" fontAlgn="auto" latinLnBrk="1" hangingPunct="1">
-                        <a:lnSpc>
-                          <a:spcPct val="100000"/>
-                        </a:lnSpc>
-                        <a:spcBef>
-                          <a:spcPts val="0"/>
-                        </a:spcBef>
-                        <a:spcAft>
-                          <a:spcPts val="0"/>
-                        </a:spcAft>
-                        <a:buClrTx/>
-                        <a:buSzTx/>
-                        <a:buFontTx/>
-                        <a:buNone/>
-                        <a:tabLst/>
-                        <a:defRPr/>
-                      </a:pPr>
-                      <a:r>
-                        <a:rPr lang="en-US" altLang="ko-KR" sz="1400" dirty="0"/>
-                        <a:t>12136</a:t>
-                      </a:r>
-                      <a:endParaRPr lang="ko-KR" altLang="en-US" sz="1400" dirty="0"/>
-                    </a:p>
-                  </a:txBody>
-                  <a:tcPr anchor="ctr"/>
-                </a:tc>
-                <a:tc>
-                  <a:txBody>
-                    <a:bodyPr/>
-                    <a:lstStyle/>
-                    <a:p>
-                      <a:pPr marL="0" marR="0" lvl="0" indent="0" algn="ctr" defTabSz="914400" rtl="0" eaLnBrk="1" fontAlgn="auto" latinLnBrk="1" hangingPunct="1">
-                        <a:lnSpc>
-                          <a:spcPct val="100000"/>
-                        </a:lnSpc>
-                        <a:spcBef>
-                          <a:spcPts val="0"/>
-                        </a:spcBef>
-                        <a:spcAft>
-                          <a:spcPts val="0"/>
-                        </a:spcAft>
-                        <a:buClrTx/>
-                        <a:buSzTx/>
-                        <a:buFontTx/>
-                        <a:buNone/>
-                        <a:tabLst/>
-                        <a:defRPr/>
-                      </a:pPr>
-                      <a:r>
-                        <a:rPr lang="en-US" altLang="ko-KR" sz="1400" dirty="0"/>
-                        <a:t>2149</a:t>
-                      </a:r>
-                      <a:endParaRPr lang="ko-KR" altLang="en-US" sz="1400" dirty="0"/>
-                    </a:p>
-                  </a:txBody>
-                  <a:tcPr anchor="ctr"/>
-                </a:tc>
-                <a:tc>
-                  <a:txBody>
-                    <a:bodyPr/>
-                    <a:lstStyle/>
-                    <a:p>
-                      <a:pPr marL="0" marR="0" lvl="0" indent="0" algn="ctr" defTabSz="914400" rtl="0" eaLnBrk="1" fontAlgn="auto" latinLnBrk="1" hangingPunct="1">
-                        <a:lnSpc>
-                          <a:spcPct val="100000"/>
-                        </a:lnSpc>
-                        <a:spcBef>
-                          <a:spcPts val="0"/>
-                        </a:spcBef>
-                        <a:spcAft>
-                          <a:spcPts val="0"/>
-                        </a:spcAft>
-                        <a:buClrTx/>
-                        <a:buSzTx/>
-                        <a:buFontTx/>
-                        <a:buNone/>
-                        <a:tabLst/>
-                        <a:defRPr/>
-                      </a:pPr>
-                      <a:r>
-                        <a:rPr lang="en-US" altLang="ko-KR" sz="1400" dirty="0"/>
-                        <a:t>570</a:t>
-                      </a:r>
+                        <a:t>581</a:t>
+                      </a:r>
+                      <a:endParaRPr lang="ko-KR" altLang="en-US" sz="1400" dirty="0"/>
+                    </a:p>
+                  </a:txBody>
+                  <a:tcPr anchor="ctr"/>
+                </a:tc>
+                <a:tc>
+                  <a:txBody>
+                    <a:bodyPr/>
+                    <a:lstStyle/>
+                    <a:p>
+                      <a:pPr marL="0" marR="0" lvl="0" indent="0" algn="ctr" defTabSz="914400" rtl="0" eaLnBrk="1" fontAlgn="auto" latinLnBrk="1" hangingPunct="1">
+                        <a:lnSpc>
+                          <a:spcPct val="100000"/>
+                        </a:lnSpc>
+                        <a:spcBef>
+                          <a:spcPts val="0"/>
+                        </a:spcBef>
+                        <a:spcAft>
+                          <a:spcPts val="0"/>
+                        </a:spcAft>
+                        <a:buClrTx/>
+                        <a:buSzTx/>
+                        <a:buFontTx/>
+                        <a:buNone/>
+                        <a:tabLst/>
+                        <a:defRPr/>
+                      </a:pPr>
+                      <a:r>
+                        <a:rPr lang="en-US" altLang="ko-KR" sz="1400" dirty="0"/>
+                        <a:t>15260</a:t>
+                      </a:r>
+                      <a:endParaRPr lang="ko-KR" altLang="en-US" sz="1400" dirty="0"/>
+                    </a:p>
+                  </a:txBody>
+                  <a:tcPr anchor="ctr"/>
+                </a:tc>
+                <a:tc>
+                  <a:txBody>
+                    <a:bodyPr/>
+                    <a:lstStyle/>
+                    <a:p>
+                      <a:pPr marL="0" marR="0" lvl="0" indent="0" algn="ctr" defTabSz="914400" rtl="0" eaLnBrk="1" fontAlgn="auto" latinLnBrk="1" hangingPunct="1">
+                        <a:lnSpc>
+                          <a:spcPct val="100000"/>
+                        </a:lnSpc>
+                        <a:spcBef>
+                          <a:spcPts val="0"/>
+                        </a:spcBef>
+                        <a:spcAft>
+                          <a:spcPts val="0"/>
+                        </a:spcAft>
+                        <a:buClrTx/>
+                        <a:buSzTx/>
+                        <a:buFontTx/>
+                        <a:buNone/>
+                        <a:tabLst/>
+                        <a:defRPr/>
+                      </a:pPr>
+                      <a:r>
+                        <a:rPr lang="en-US" altLang="ko-KR" sz="1400" dirty="0"/>
+                        <a:t>15199</a:t>
+                      </a:r>
+                      <a:endParaRPr lang="ko-KR" altLang="en-US" sz="1400" dirty="0"/>
+                    </a:p>
+                  </a:txBody>
+                  <a:tcPr anchor="ctr"/>
+                </a:tc>
+                <a:tc>
+                  <a:txBody>
+                    <a:bodyPr/>
+                    <a:lstStyle/>
+                    <a:p>
+                      <a:pPr marL="0" marR="0" lvl="0" indent="0" algn="ctr" defTabSz="914400" rtl="0" eaLnBrk="1" fontAlgn="auto" latinLnBrk="1" hangingPunct="1">
+                        <a:lnSpc>
+                          <a:spcPct val="100000"/>
+                        </a:lnSpc>
+                        <a:spcBef>
+                          <a:spcPts val="0"/>
+                        </a:spcBef>
+                        <a:spcAft>
+                          <a:spcPts val="0"/>
+                        </a:spcAft>
+                        <a:buClrTx/>
+                        <a:buSzTx/>
+                        <a:buFontTx/>
+                        <a:buNone/>
+                        <a:tabLst/>
+                        <a:defRPr/>
+                      </a:pPr>
                       <a:endParaRPr lang="ko-KR" altLang="en-US" sz="1400" dirty="0"/>
                     </a:p>
                   </a:txBody>
@@ -6589,101 +6574,97 @@
                       </a:pPr>
                       <a:r>
                         <a:rPr lang="en-US" altLang="ko-KR" sz="1400" dirty="0"/>
-                        <a:t>2911</a:t>
-                      </a:r>
-                      <a:endParaRPr lang="ko-KR" altLang="en-US" sz="1400" dirty="0"/>
-                    </a:p>
-                  </a:txBody>
-                  <a:tcPr anchor="ctr"/>
-                </a:tc>
-                <a:tc>
-                  <a:txBody>
-                    <a:bodyPr/>
-                    <a:lstStyle/>
-                    <a:p>
-                      <a:pPr marL="0" marR="0" lvl="0" indent="0" algn="ctr" defTabSz="914400" rtl="0" eaLnBrk="1" fontAlgn="auto" latinLnBrk="1" hangingPunct="1">
-                        <a:lnSpc>
-                          <a:spcPct val="100000"/>
-                        </a:lnSpc>
-                        <a:spcBef>
-                          <a:spcPts val="0"/>
-                        </a:spcBef>
-                        <a:spcAft>
-                          <a:spcPts val="0"/>
-                        </a:spcAft>
-                        <a:buClrTx/>
-                        <a:buSzTx/>
-                        <a:buFontTx/>
-                        <a:buNone/>
-                        <a:tabLst/>
-                        <a:defRPr/>
-                      </a:pPr>
-                      <a:r>
-                        <a:rPr lang="en-US" altLang="ko-KR" sz="1400" dirty="0"/>
-                        <a:t>25182</a:t>
-                      </a:r>
-                      <a:endParaRPr lang="ko-KR" altLang="en-US" sz="1400" dirty="0"/>
-                    </a:p>
-                  </a:txBody>
-                  <a:tcPr anchor="ctr"/>
-                </a:tc>
-                <a:tc>
-                  <a:txBody>
-                    <a:bodyPr/>
-                    <a:lstStyle/>
-                    <a:p>
-                      <a:pPr marL="0" marR="0" lvl="0" indent="0" algn="ctr" defTabSz="914400" rtl="0" eaLnBrk="1" fontAlgn="auto" latinLnBrk="1" hangingPunct="1">
-                        <a:lnSpc>
-                          <a:spcPct val="100000"/>
-                        </a:lnSpc>
-                        <a:spcBef>
-                          <a:spcPts val="0"/>
-                        </a:spcBef>
-                        <a:spcAft>
-                          <a:spcPts val="0"/>
-                        </a:spcAft>
-                        <a:buClrTx/>
-                        <a:buSzTx/>
-                        <a:buFontTx/>
-                        <a:buNone/>
-                        <a:tabLst/>
-                        <a:defRPr/>
-                      </a:pPr>
-                      <a:r>
-                        <a:rPr lang="en-US" altLang="ko-KR" sz="1400" dirty="0"/>
-                        <a:t>1525</a:t>
-                      </a:r>
-                      <a:endParaRPr lang="ko-KR" altLang="en-US" sz="1400" dirty="0"/>
-                    </a:p>
-                  </a:txBody>
-                  <a:tcPr anchor="ctr"/>
-                </a:tc>
-                <a:tc>
-                  <a:txBody>
-                    <a:bodyPr/>
-                    <a:lstStyle/>
-                    <a:p>
-                      <a:pPr marL="0" marR="0" lvl="0" indent="0" algn="ctr" defTabSz="914400" rtl="0" eaLnBrk="1" fontAlgn="auto" latinLnBrk="1" hangingPunct="1">
-                        <a:lnSpc>
-                          <a:spcPct val="100000"/>
-                        </a:lnSpc>
-                        <a:spcBef>
-                          <a:spcPts val="0"/>
-                        </a:spcBef>
-                        <a:spcAft>
-                          <a:spcPts val="0"/>
-                        </a:spcAft>
-                        <a:buClrTx/>
-                        <a:buSzTx/>
-                        <a:buFontTx/>
-                        <a:buNone/>
-                        <a:tabLst/>
-                        <a:defRPr/>
-                      </a:pPr>
-                      <a:r>
-                        <a:rPr lang="en-US" altLang="ko-KR" sz="1400" dirty="0"/>
-                        <a:t>390</a:t>
-                      </a:r>
+                        <a:t>829</a:t>
+                      </a:r>
+                      <a:endParaRPr lang="ko-KR" altLang="en-US" sz="1400" dirty="0"/>
+                    </a:p>
+                  </a:txBody>
+                  <a:tcPr anchor="ctr"/>
+                </a:tc>
+                <a:tc>
+                  <a:txBody>
+                    <a:bodyPr/>
+                    <a:lstStyle/>
+                    <a:p>
+                      <a:pPr marL="0" marR="0" lvl="0" indent="0" algn="ctr" defTabSz="914400" rtl="0" eaLnBrk="1" fontAlgn="auto" latinLnBrk="1" hangingPunct="1">
+                        <a:lnSpc>
+                          <a:spcPct val="100000"/>
+                        </a:lnSpc>
+                        <a:spcBef>
+                          <a:spcPts val="0"/>
+                        </a:spcBef>
+                        <a:spcAft>
+                          <a:spcPts val="0"/>
+                        </a:spcAft>
+                        <a:buClrTx/>
+                        <a:buSzTx/>
+                        <a:buFontTx/>
+                        <a:buNone/>
+                        <a:tabLst/>
+                        <a:defRPr/>
+                      </a:pPr>
+                      <a:r>
+                        <a:rPr lang="en-US" altLang="ko-KR" sz="1400" dirty="0"/>
+                        <a:t>8011</a:t>
+                      </a:r>
+                      <a:endParaRPr lang="ko-KR" altLang="en-US" sz="1400" dirty="0"/>
+                    </a:p>
+                  </a:txBody>
+                  <a:tcPr anchor="ctr"/>
+                </a:tc>
+                <a:tc>
+                  <a:txBody>
+                    <a:bodyPr/>
+                    <a:lstStyle/>
+                    <a:p>
+                      <a:pPr marL="0" marR="0" lvl="0" indent="0" algn="ctr" defTabSz="914400" rtl="0" eaLnBrk="1" fontAlgn="auto" latinLnBrk="1" hangingPunct="1">
+                        <a:lnSpc>
+                          <a:spcPct val="100000"/>
+                        </a:lnSpc>
+                        <a:spcBef>
+                          <a:spcPts val="0"/>
+                        </a:spcBef>
+                        <a:spcAft>
+                          <a:spcPts val="0"/>
+                        </a:spcAft>
+                        <a:buClrTx/>
+                        <a:buSzTx/>
+                        <a:buFontTx/>
+                        <a:buNone/>
+                        <a:tabLst/>
+                        <a:defRPr/>
+                      </a:pPr>
+                      <a:r>
+                        <a:rPr lang="en-US" altLang="ko-KR" sz="1400" dirty="0"/>
+                        <a:t>8203</a:t>
+                      </a:r>
+                      <a:endParaRPr lang="ko-KR" altLang="en-US" sz="1400" dirty="0"/>
+                    </a:p>
+                  </a:txBody>
+                  <a:tcPr anchor="ctr"/>
+                </a:tc>
+                <a:tc>
+                  <a:txBody>
+                    <a:bodyPr/>
+                    <a:lstStyle/>
+                    <a:p>
+                      <a:pPr marL="0" marR="0" lvl="0" indent="0" algn="ctr" defTabSz="914400" rtl="0" eaLnBrk="1" fontAlgn="auto" latinLnBrk="1" hangingPunct="1">
+                        <a:lnSpc>
+                          <a:spcPct val="100000"/>
+                        </a:lnSpc>
+                        <a:spcBef>
+                          <a:spcPts val="0"/>
+                        </a:spcBef>
+                        <a:spcAft>
+                          <a:spcPts val="0"/>
+                        </a:spcAft>
+                        <a:buClrTx/>
+                        <a:buSzTx/>
+                        <a:buFontTx/>
+                        <a:buNone/>
+                        <a:tabLst/>
+                        <a:defRPr/>
+                      </a:pPr>
                       <a:endParaRPr lang="ko-KR" altLang="en-US" sz="1400" dirty="0"/>
                     </a:p>
                   </a:txBody>
@@ -6735,101 +6716,97 @@
                       </a:pPr>
                       <a:r>
                         <a:rPr lang="en-US" altLang="ko-KR" sz="1400" dirty="0"/>
-                        <a:t>6305</a:t>
-                      </a:r>
-                      <a:endParaRPr lang="ko-KR" altLang="en-US" sz="1400" dirty="0"/>
-                    </a:p>
-                  </a:txBody>
-                  <a:tcPr anchor="ctr"/>
-                </a:tc>
-                <a:tc>
-                  <a:txBody>
-                    <a:bodyPr/>
-                    <a:lstStyle/>
-                    <a:p>
-                      <a:pPr marL="0" marR="0" lvl="0" indent="0" algn="ctr" defTabSz="914400" rtl="0" eaLnBrk="1" fontAlgn="auto" latinLnBrk="1" hangingPunct="1">
-                        <a:lnSpc>
-                          <a:spcPct val="100000"/>
-                        </a:lnSpc>
-                        <a:spcBef>
-                          <a:spcPts val="0"/>
-                        </a:spcBef>
-                        <a:spcAft>
-                          <a:spcPts val="0"/>
-                        </a:spcAft>
-                        <a:buClrTx/>
-                        <a:buSzTx/>
-                        <a:buFontTx/>
-                        <a:buNone/>
-                        <a:tabLst/>
-                        <a:defRPr/>
-                      </a:pPr>
-                      <a:r>
-                        <a:rPr lang="en-US" altLang="ko-KR" sz="1400" dirty="0"/>
-                        <a:t>30040</a:t>
-                      </a:r>
-                      <a:endParaRPr lang="ko-KR" altLang="en-US" sz="1400" dirty="0"/>
-                    </a:p>
-                  </a:txBody>
-                  <a:tcPr anchor="ctr"/>
-                </a:tc>
-                <a:tc>
-                  <a:txBody>
-                    <a:bodyPr/>
-                    <a:lstStyle/>
-                    <a:p>
-                      <a:pPr marL="0" marR="0" lvl="0" indent="0" algn="ctr" defTabSz="914400" rtl="0" eaLnBrk="1" fontAlgn="auto" latinLnBrk="1" hangingPunct="1">
-                        <a:lnSpc>
-                          <a:spcPct val="100000"/>
-                        </a:lnSpc>
-                        <a:spcBef>
-                          <a:spcPts val="0"/>
-                        </a:spcBef>
-                        <a:spcAft>
-                          <a:spcPts val="0"/>
-                        </a:spcAft>
-                        <a:buClrTx/>
-                        <a:buSzTx/>
-                        <a:buFontTx/>
-                        <a:buNone/>
-                        <a:tabLst/>
-                        <a:defRPr/>
-                      </a:pPr>
-                      <a:r>
-                        <a:rPr lang="en-US" altLang="ko-KR" sz="1400" dirty="0"/>
-                        <a:t>837</a:t>
-                      </a:r>
-                      <a:endParaRPr lang="ko-KR" altLang="en-US" sz="1400" dirty="0"/>
-                    </a:p>
-                  </a:txBody>
-                  <a:tcPr anchor="ctr"/>
-                </a:tc>
-                <a:tc>
-                  <a:txBody>
-                    <a:bodyPr/>
-                    <a:lstStyle/>
-                    <a:p>
-                      <a:pPr marL="0" marR="0" lvl="0" indent="0" algn="ctr" defTabSz="914400" rtl="0" eaLnBrk="1" fontAlgn="auto" latinLnBrk="1" hangingPunct="1">
-                        <a:lnSpc>
-                          <a:spcPct val="100000"/>
-                        </a:lnSpc>
-                        <a:spcBef>
-                          <a:spcPts val="0"/>
-                        </a:spcBef>
-                        <a:spcAft>
-                          <a:spcPts val="0"/>
-                        </a:spcAft>
-                        <a:buClrTx/>
-                        <a:buSzTx/>
-                        <a:buFontTx/>
-                        <a:buNone/>
-                        <a:tabLst/>
-                        <a:defRPr/>
-                      </a:pPr>
-                      <a:r>
-                        <a:rPr lang="en-US" altLang="ko-KR" sz="1400" dirty="0"/>
-                        <a:t>315</a:t>
-                      </a:r>
+                        <a:t>984</a:t>
+                      </a:r>
+                      <a:endParaRPr lang="ko-KR" altLang="en-US" sz="1400" dirty="0"/>
+                    </a:p>
+                  </a:txBody>
+                  <a:tcPr anchor="ctr"/>
+                </a:tc>
+                <a:tc>
+                  <a:txBody>
+                    <a:bodyPr/>
+                    <a:lstStyle/>
+                    <a:p>
+                      <a:pPr marL="0" marR="0" lvl="0" indent="0" algn="ctr" defTabSz="914400" rtl="0" eaLnBrk="1" fontAlgn="auto" latinLnBrk="1" hangingPunct="1">
+                        <a:lnSpc>
+                          <a:spcPct val="100000"/>
+                        </a:lnSpc>
+                        <a:spcBef>
+                          <a:spcPts val="0"/>
+                        </a:spcBef>
+                        <a:spcAft>
+                          <a:spcPts val="0"/>
+                        </a:spcAft>
+                        <a:buClrTx/>
+                        <a:buSzTx/>
+                        <a:buFontTx/>
+                        <a:buNone/>
+                        <a:tabLst/>
+                        <a:defRPr/>
+                      </a:pPr>
+                      <a:r>
+                        <a:rPr lang="en-US" altLang="ko-KR" sz="1400" dirty="0"/>
+                        <a:t>6989</a:t>
+                      </a:r>
+                      <a:endParaRPr lang="ko-KR" altLang="en-US" sz="1400" dirty="0"/>
+                    </a:p>
+                  </a:txBody>
+                  <a:tcPr anchor="ctr"/>
+                </a:tc>
+                <a:tc>
+                  <a:txBody>
+                    <a:bodyPr/>
+                    <a:lstStyle/>
+                    <a:p>
+                      <a:pPr marL="0" marR="0" lvl="0" indent="0" algn="ctr" defTabSz="914400" rtl="0" eaLnBrk="1" fontAlgn="auto" latinLnBrk="1" hangingPunct="1">
+                        <a:lnSpc>
+                          <a:spcPct val="100000"/>
+                        </a:lnSpc>
+                        <a:spcBef>
+                          <a:spcPts val="0"/>
+                        </a:spcBef>
+                        <a:spcAft>
+                          <a:spcPts val="0"/>
+                        </a:spcAft>
+                        <a:buClrTx/>
+                        <a:buSzTx/>
+                        <a:buFontTx/>
+                        <a:buNone/>
+                        <a:tabLst/>
+                        <a:defRPr/>
+                      </a:pPr>
+                      <a:r>
+                        <a:rPr lang="en-US" altLang="ko-KR" sz="1400"/>
+                        <a:t>6479</a:t>
+                      </a:r>
+                      <a:endParaRPr lang="ko-KR" altLang="en-US" sz="1400" dirty="0"/>
+                    </a:p>
+                  </a:txBody>
+                  <a:tcPr anchor="ctr"/>
+                </a:tc>
+                <a:tc>
+                  <a:txBody>
+                    <a:bodyPr/>
+                    <a:lstStyle/>
+                    <a:p>
+                      <a:pPr marL="0" marR="0" lvl="0" indent="0" algn="ctr" defTabSz="914400" rtl="0" eaLnBrk="1" fontAlgn="auto" latinLnBrk="1" hangingPunct="1">
+                        <a:lnSpc>
+                          <a:spcPct val="100000"/>
+                        </a:lnSpc>
+                        <a:spcBef>
+                          <a:spcPts val="0"/>
+                        </a:spcBef>
+                        <a:spcAft>
+                          <a:spcPts val="0"/>
+                        </a:spcAft>
+                        <a:buClrTx/>
+                        <a:buSzTx/>
+                        <a:buFontTx/>
+                        <a:buNone/>
+                        <a:tabLst/>
+                        <a:defRPr/>
+                      </a:pPr>
                       <a:endParaRPr lang="ko-KR" altLang="en-US" sz="1400" dirty="0"/>
                     </a:p>
                   </a:txBody>
@@ -6860,7 +6837,7 @@
           <p:nvPr>
             <p:extLst>
               <p:ext uri="{D42A27DB-BD31-4B8C-83A1-F6EECF244321}">
-                <p14:modId xmlns:p14="http://schemas.microsoft.com/office/powerpoint/2010/main" val="1444138272"/>
+                <p14:modId xmlns:p14="http://schemas.microsoft.com/office/powerpoint/2010/main" val="1626884672"/>
               </p:ext>
             </p:extLst>
           </p:nvPr>
@@ -6921,7 +6898,7 @@
                       <a:pPr algn="ctr" latinLnBrk="1"/>
                       <a:r>
                         <a:rPr lang="en-US" altLang="ko-KR" sz="1400" dirty="0"/>
-                        <a:t>Single 1042</a:t>
+                        <a:t>Single 287</a:t>
                       </a:r>
                       <a:endParaRPr lang="ko-KR" altLang="en-US" sz="1400" dirty="0"/>
                     </a:p>
@@ -6935,9 +6912,10 @@
                     <a:p>
                       <a:pPr algn="ctr" latinLnBrk="1"/>
                       <a:r>
-                        <a:rPr lang="ko-KR" altLang="en-US" sz="1400" dirty="0"/>
-                        <a:t>게으른</a:t>
-                      </a:r>
+                        <a:rPr lang="en-US" altLang="ko-KR" sz="1400" dirty="0"/>
+                        <a:t>coarse</a:t>
+                      </a:r>
+                      <a:endParaRPr lang="ko-KR" altLang="en-US" sz="1400" dirty="0"/>
                     </a:p>
                   </a:txBody>
                   <a:tcPr anchor="ctr"/>
@@ -6949,8 +6927,8 @@
                     <a:p>
                       <a:pPr algn="ctr" latinLnBrk="1"/>
                       <a:r>
-                        <a:rPr lang="en-US" altLang="ko-KR" sz="1400" dirty="0" err="1"/>
-                        <a:t>shared_ptr</a:t>
+                        <a:rPr lang="en-US" altLang="ko-KR" sz="1400" dirty="0"/>
+                        <a:t>LF ( no delete )</a:t>
                       </a:r>
                       <a:endParaRPr lang="ko-KR" altLang="en-US" sz="1400" dirty="0"/>
                     </a:p>
@@ -6963,10 +6941,7 @@
                     <a:lstStyle/>
                     <a:p>
                       <a:pPr algn="ctr" latinLnBrk="1"/>
-                      <a:r>
-                        <a:rPr lang="ko-KR" altLang="en-US" sz="1400" dirty="0"/>
-                        <a:t>낙천</a:t>
-                      </a:r>
+                      <a:endParaRPr lang="ko-KR" altLang="en-US" sz="1400" dirty="0"/>
                     </a:p>
                   </a:txBody>
                   <a:tcPr anchor="ctr"/>
@@ -6977,10 +6952,7 @@
                     <a:lstStyle/>
                     <a:p>
                       <a:pPr algn="ctr" latinLnBrk="1"/>
-                      <a:r>
-                        <a:rPr lang="ko-KR" altLang="en-US" sz="1400" dirty="0"/>
-                        <a:t>게으른</a:t>
-                      </a:r>
+                      <a:endParaRPr lang="ko-KR" altLang="en-US" sz="1400" dirty="0"/>
                     </a:p>
                   </a:txBody>
                   <a:tcPr anchor="ctr"/>
@@ -7031,97 +7003,93 @@
                       </a:pPr>
                       <a:r>
                         <a:rPr lang="en-US" altLang="ko-KR" sz="1400" dirty="0"/>
-                        <a:t>1377</a:t>
-                      </a:r>
-                      <a:endParaRPr lang="ko-KR" altLang="en-US" sz="1400" dirty="0"/>
-                    </a:p>
-                  </a:txBody>
-                  <a:tcPr anchor="ctr"/>
-                </a:tc>
-                <a:tc>
-                  <a:txBody>
-                    <a:bodyPr/>
-                    <a:lstStyle/>
-                    <a:p>
-                      <a:pPr marL="0" marR="0" lvl="0" indent="0" algn="ctr" defTabSz="914400" rtl="0" eaLnBrk="1" fontAlgn="auto" latinLnBrk="1" hangingPunct="1">
-                        <a:lnSpc>
-                          <a:spcPct val="100000"/>
-                        </a:lnSpc>
-                        <a:spcBef>
-                          <a:spcPts val="0"/>
-                        </a:spcBef>
-                        <a:spcAft>
-                          <a:spcPts val="0"/>
-                        </a:spcAft>
-                        <a:buClrTx/>
-                        <a:buSzTx/>
-                        <a:buFontTx/>
-                        <a:buNone/>
-                        <a:tabLst/>
-                        <a:defRPr/>
-                      </a:pPr>
-                      <a:r>
-                        <a:rPr lang="en-US" altLang="ko-KR" sz="1400" dirty="0"/>
-                        <a:t>18170</a:t>
-                      </a:r>
-                      <a:endParaRPr lang="ko-KR" altLang="en-US" sz="1400" dirty="0"/>
-                    </a:p>
-                  </a:txBody>
-                  <a:tcPr anchor="ctr"/>
-                </a:tc>
-                <a:tc>
-                  <a:txBody>
-                    <a:bodyPr/>
-                    <a:lstStyle/>
-                    <a:p>
-                      <a:pPr marL="0" marR="0" lvl="0" indent="0" algn="ctr" defTabSz="914400" rtl="0" eaLnBrk="1" fontAlgn="auto" latinLnBrk="1" hangingPunct="1">
-                        <a:lnSpc>
-                          <a:spcPct val="100000"/>
-                        </a:lnSpc>
-                        <a:spcBef>
-                          <a:spcPts val="0"/>
-                        </a:spcBef>
-                        <a:spcAft>
-                          <a:spcPts val="0"/>
-                        </a:spcAft>
-                        <a:buClrTx/>
-                        <a:buSzTx/>
-                        <a:buFontTx/>
-                        <a:buNone/>
-                        <a:tabLst/>
-                        <a:defRPr/>
-                      </a:pPr>
-                      <a:endParaRPr lang="ko-KR" altLang="en-US" sz="1400" dirty="0"/>
-                    </a:p>
-                  </a:txBody>
-                  <a:tcPr anchor="ctr"/>
-                </a:tc>
-                <a:tc>
-                  <a:txBody>
-                    <a:bodyPr/>
-                    <a:lstStyle/>
-                    <a:p>
-                      <a:pPr marL="0" marR="0" lvl="0" indent="0" algn="ctr" defTabSz="914400" rtl="0" eaLnBrk="1" fontAlgn="auto" latinLnBrk="1" hangingPunct="1">
-                        <a:lnSpc>
-                          <a:spcPct val="100000"/>
-                        </a:lnSpc>
-                        <a:spcBef>
-                          <a:spcPts val="0"/>
-                        </a:spcBef>
-                        <a:spcAft>
-                          <a:spcPts val="0"/>
-                        </a:spcAft>
-                        <a:buClrTx/>
-                        <a:buSzTx/>
-                        <a:buFontTx/>
-                        <a:buNone/>
-                        <a:tabLst/>
-                        <a:defRPr/>
-                      </a:pPr>
-                      <a:r>
-                        <a:rPr lang="en-US" altLang="ko-KR" sz="1400" dirty="0"/>
-                        <a:t>1377</a:t>
-                      </a:r>
+                        <a:t>420</a:t>
+                      </a:r>
+                      <a:endParaRPr lang="ko-KR" altLang="en-US" sz="1400" dirty="0"/>
+                    </a:p>
+                  </a:txBody>
+                  <a:tcPr anchor="ctr"/>
+                </a:tc>
+                <a:tc>
+                  <a:txBody>
+                    <a:bodyPr/>
+                    <a:lstStyle/>
+                    <a:p>
+                      <a:pPr marL="0" marR="0" lvl="0" indent="0" algn="ctr" defTabSz="914400" rtl="0" eaLnBrk="1" fontAlgn="auto" latinLnBrk="1" hangingPunct="1">
+                        <a:lnSpc>
+                          <a:spcPct val="100000"/>
+                        </a:lnSpc>
+                        <a:spcBef>
+                          <a:spcPts val="0"/>
+                        </a:spcBef>
+                        <a:spcAft>
+                          <a:spcPts val="0"/>
+                        </a:spcAft>
+                        <a:buClrTx/>
+                        <a:buSzTx/>
+                        <a:buFontTx/>
+                        <a:buNone/>
+                        <a:tabLst/>
+                        <a:defRPr/>
+                      </a:pPr>
+                      <a:r>
+                        <a:rPr lang="en-US" altLang="ko-KR" sz="1400" dirty="0"/>
+                        <a:t>306</a:t>
+                      </a:r>
+                      <a:endParaRPr lang="ko-KR" altLang="en-US" sz="1400" dirty="0"/>
+                    </a:p>
+                  </a:txBody>
+                  <a:tcPr anchor="ctr"/>
+                </a:tc>
+                <a:tc>
+                  <a:txBody>
+                    <a:bodyPr/>
+                    <a:lstStyle/>
+                    <a:p>
+                      <a:pPr marL="0" marR="0" lvl="0" indent="0" algn="ctr" defTabSz="914400" rtl="0" eaLnBrk="1" fontAlgn="auto" latinLnBrk="1" hangingPunct="1">
+                        <a:lnSpc>
+                          <a:spcPct val="100000"/>
+                        </a:lnSpc>
+                        <a:spcBef>
+                          <a:spcPts val="0"/>
+                        </a:spcBef>
+                        <a:spcAft>
+                          <a:spcPts val="0"/>
+                        </a:spcAft>
+                        <a:buClrTx/>
+                        <a:buSzTx/>
+                        <a:buFontTx/>
+                        <a:buNone/>
+                        <a:tabLst/>
+                        <a:defRPr/>
+                      </a:pPr>
+                      <a:endParaRPr lang="ko-KR" altLang="en-US" sz="1400" dirty="0"/>
+                    </a:p>
+                  </a:txBody>
+                  <a:tcPr anchor="ctr"/>
+                </a:tc>
+                <a:tc>
+                  <a:txBody>
+                    <a:bodyPr/>
+                    <a:lstStyle/>
+                    <a:p>
+                      <a:pPr marL="0" marR="0" lvl="0" indent="0" algn="ctr" defTabSz="914400" rtl="0" eaLnBrk="1" fontAlgn="auto" latinLnBrk="1" hangingPunct="1">
+                        <a:lnSpc>
+                          <a:spcPct val="100000"/>
+                        </a:lnSpc>
+                        <a:spcBef>
+                          <a:spcPts val="0"/>
+                        </a:spcBef>
+                        <a:spcAft>
+                          <a:spcPts val="0"/>
+                        </a:spcAft>
+                        <a:buClrTx/>
+                        <a:buSzTx/>
+                        <a:buFontTx/>
+                        <a:buNone/>
+                        <a:tabLst/>
+                        <a:defRPr/>
+                      </a:pPr>
                       <a:endParaRPr lang="ko-KR" altLang="en-US" sz="1400" dirty="0"/>
                     </a:p>
                   </a:txBody>
@@ -7204,66 +7172,62 @@
                       </a:pPr>
                       <a:r>
                         <a:rPr lang="en-US" altLang="ko-KR" sz="1400" dirty="0"/>
-                        <a:t>X</a:t>
-                      </a:r>
-                      <a:endParaRPr lang="ko-KR" altLang="en-US" sz="1400" dirty="0"/>
-                    </a:p>
-                  </a:txBody>
-                  <a:tcPr anchor="ctr"/>
-                </a:tc>
-                <a:tc>
-                  <a:txBody>
-                    <a:bodyPr/>
-                    <a:lstStyle/>
-                    <a:p>
-                      <a:pPr marL="0" marR="0" lvl="0" indent="0" algn="ctr" defTabSz="914400" rtl="0" eaLnBrk="1" fontAlgn="auto" latinLnBrk="1" hangingPunct="1">
-                        <a:lnSpc>
-                          <a:spcPct val="100000"/>
-                        </a:lnSpc>
-                        <a:spcBef>
-                          <a:spcPts val="0"/>
-                        </a:spcBef>
-                        <a:spcAft>
-                          <a:spcPts val="0"/>
-                        </a:spcAft>
-                        <a:buClrTx/>
-                        <a:buSzTx/>
-                        <a:buFontTx/>
-                        <a:buNone/>
-                        <a:tabLst/>
-                        <a:defRPr/>
-                      </a:pPr>
-                      <a:endParaRPr lang="ko-KR" altLang="en-US" sz="1400" dirty="0"/>
-                    </a:p>
-                  </a:txBody>
-                  <a:tcPr anchor="ctr"/>
-                </a:tc>
-                <a:tc>
-                  <a:txBody>
-                    <a:bodyPr/>
-                    <a:lstStyle/>
-                    <a:p>
-                      <a:pPr marL="0" marR="0" lvl="0" indent="0" algn="ctr" defTabSz="914400" rtl="0" eaLnBrk="1" fontAlgn="auto" latinLnBrk="1" hangingPunct="1">
-                        <a:lnSpc>
-                          <a:spcPct val="100000"/>
-                        </a:lnSpc>
-                        <a:spcBef>
-                          <a:spcPts val="0"/>
-                        </a:spcBef>
-                        <a:spcAft>
-                          <a:spcPts val="0"/>
-                        </a:spcAft>
-                        <a:buClrTx/>
-                        <a:buSzTx/>
-                        <a:buFontTx/>
-                        <a:buNone/>
-                        <a:tabLst/>
-                        <a:defRPr/>
-                      </a:pPr>
-                      <a:r>
-                        <a:rPr lang="en-US" altLang="ko-KR" sz="1400" dirty="0"/>
-                        <a:t>906</a:t>
-                      </a:r>
+                        <a:t>554</a:t>
+                      </a:r>
+                      <a:endParaRPr lang="ko-KR" altLang="en-US" sz="1400" dirty="0"/>
+                    </a:p>
+                  </a:txBody>
+                  <a:tcPr anchor="ctr"/>
+                </a:tc>
+                <a:tc>
+                  <a:txBody>
+                    <a:bodyPr/>
+                    <a:lstStyle/>
+                    <a:p>
+                      <a:pPr marL="0" marR="0" lvl="0" indent="0" algn="ctr" defTabSz="914400" rtl="0" eaLnBrk="1" fontAlgn="auto" latinLnBrk="1" hangingPunct="1">
+                        <a:lnSpc>
+                          <a:spcPct val="100000"/>
+                        </a:lnSpc>
+                        <a:spcBef>
+                          <a:spcPts val="0"/>
+                        </a:spcBef>
+                        <a:spcAft>
+                          <a:spcPts val="0"/>
+                        </a:spcAft>
+                        <a:buClrTx/>
+                        <a:buSzTx/>
+                        <a:buFontTx/>
+                        <a:buNone/>
+                        <a:tabLst/>
+                        <a:defRPr/>
+                      </a:pPr>
+                      <a:endParaRPr lang="ko-KR" altLang="en-US" sz="1400" dirty="0"/>
+                    </a:p>
+                  </a:txBody>
+                  <a:tcPr anchor="ctr"/>
+                </a:tc>
+                <a:tc>
+                  <a:txBody>
+                    <a:bodyPr/>
+                    <a:lstStyle/>
+                    <a:p>
+                      <a:pPr marL="0" marR="0" lvl="0" indent="0" algn="ctr" defTabSz="914400" rtl="0" eaLnBrk="1" fontAlgn="auto" latinLnBrk="1" hangingPunct="1">
+                        <a:lnSpc>
+                          <a:spcPct val="100000"/>
+                        </a:lnSpc>
+                        <a:spcBef>
+                          <a:spcPts val="0"/>
+                        </a:spcBef>
+                        <a:spcAft>
+                          <a:spcPts val="0"/>
+                        </a:spcAft>
+                        <a:buClrTx/>
+                        <a:buSzTx/>
+                        <a:buFontTx/>
+                        <a:buNone/>
+                        <a:tabLst/>
+                        <a:defRPr/>
+                      </a:pPr>
                       <a:endParaRPr lang="ko-KR" altLang="en-US" sz="1400" dirty="0"/>
                     </a:p>
                   </a:txBody>
@@ -7315,97 +7279,93 @@
                       </a:pPr>
                       <a:r>
                         <a:rPr lang="en-US" altLang="ko-KR" sz="1400" dirty="0"/>
-                        <a:t>570</a:t>
-                      </a:r>
-                      <a:endParaRPr lang="ko-KR" altLang="en-US" sz="1400" dirty="0"/>
-                    </a:p>
-                  </a:txBody>
-                  <a:tcPr anchor="ctr"/>
-                </a:tc>
-                <a:tc>
-                  <a:txBody>
-                    <a:bodyPr/>
-                    <a:lstStyle/>
-                    <a:p>
-                      <a:pPr marL="0" marR="0" lvl="0" indent="0" algn="ctr" defTabSz="914400" rtl="0" eaLnBrk="1" fontAlgn="auto" latinLnBrk="1" hangingPunct="1">
-                        <a:lnSpc>
-                          <a:spcPct val="100000"/>
-                        </a:lnSpc>
-                        <a:spcBef>
-                          <a:spcPts val="0"/>
-                        </a:spcBef>
-                        <a:spcAft>
-                          <a:spcPts val="0"/>
-                        </a:spcAft>
-                        <a:buClrTx/>
-                        <a:buSzTx/>
-                        <a:buFontTx/>
-                        <a:buNone/>
-                        <a:tabLst/>
-                        <a:defRPr/>
-                      </a:pPr>
-                      <a:r>
-                        <a:rPr lang="en-US" altLang="ko-KR" sz="1400" dirty="0"/>
-                        <a:t>X</a:t>
-                      </a:r>
-                      <a:endParaRPr lang="ko-KR" altLang="en-US" sz="1400" dirty="0"/>
-                    </a:p>
-                  </a:txBody>
-                  <a:tcPr anchor="ctr"/>
-                </a:tc>
-                <a:tc>
-                  <a:txBody>
-                    <a:bodyPr/>
-                    <a:lstStyle/>
-                    <a:p>
-                      <a:pPr marL="0" marR="0" lvl="0" indent="0" algn="ctr" defTabSz="914400" rtl="0" eaLnBrk="1" fontAlgn="auto" latinLnBrk="1" hangingPunct="1">
-                        <a:lnSpc>
-                          <a:spcPct val="100000"/>
-                        </a:lnSpc>
-                        <a:spcBef>
-                          <a:spcPts val="0"/>
-                        </a:spcBef>
-                        <a:spcAft>
-                          <a:spcPts val="0"/>
-                        </a:spcAft>
-                        <a:buClrTx/>
-                        <a:buSzTx/>
-                        <a:buFontTx/>
-                        <a:buNone/>
-                        <a:tabLst/>
-                        <a:defRPr/>
-                      </a:pPr>
-                      <a:endParaRPr lang="ko-KR" altLang="en-US" sz="1400" dirty="0"/>
-                    </a:p>
-                  </a:txBody>
-                  <a:tcPr anchor="ctr"/>
-                </a:tc>
-                <a:tc>
-                  <a:txBody>
-                    <a:bodyPr/>
-                    <a:lstStyle/>
-                    <a:p>
-                      <a:pPr marL="0" marR="0" lvl="0" indent="0" algn="ctr" defTabSz="914400" rtl="0" eaLnBrk="1" fontAlgn="auto" latinLnBrk="1" hangingPunct="1">
-                        <a:lnSpc>
-                          <a:spcPct val="100000"/>
-                        </a:lnSpc>
-                        <a:spcBef>
-                          <a:spcPts val="0"/>
-                        </a:spcBef>
-                        <a:spcAft>
-                          <a:spcPts val="0"/>
-                        </a:spcAft>
-                        <a:buClrTx/>
-                        <a:buSzTx/>
-                        <a:buFontTx/>
-                        <a:buNone/>
-                        <a:tabLst/>
-                        <a:defRPr/>
-                      </a:pPr>
-                      <a:r>
-                        <a:rPr lang="en-US" altLang="ko-KR" sz="1400" dirty="0"/>
-                        <a:t>570</a:t>
-                      </a:r>
+                        <a:t>1328</a:t>
+                      </a:r>
+                      <a:endParaRPr lang="ko-KR" altLang="en-US" sz="1400" dirty="0"/>
+                    </a:p>
+                  </a:txBody>
+                  <a:tcPr anchor="ctr"/>
+                </a:tc>
+                <a:tc>
+                  <a:txBody>
+                    <a:bodyPr/>
+                    <a:lstStyle/>
+                    <a:p>
+                      <a:pPr marL="0" marR="0" lvl="0" indent="0" algn="ctr" defTabSz="914400" rtl="0" eaLnBrk="1" fontAlgn="auto" latinLnBrk="1" hangingPunct="1">
+                        <a:lnSpc>
+                          <a:spcPct val="100000"/>
+                        </a:lnSpc>
+                        <a:spcBef>
+                          <a:spcPts val="0"/>
+                        </a:spcBef>
+                        <a:spcAft>
+                          <a:spcPts val="0"/>
+                        </a:spcAft>
+                        <a:buClrTx/>
+                        <a:buSzTx/>
+                        <a:buFontTx/>
+                        <a:buNone/>
+                        <a:tabLst/>
+                        <a:defRPr/>
+                      </a:pPr>
+                      <a:r>
+                        <a:rPr lang="en-US" altLang="ko-KR" sz="1400" dirty="0"/>
+                        <a:t>823</a:t>
+                      </a:r>
+                      <a:endParaRPr lang="ko-KR" altLang="en-US" sz="1400" dirty="0"/>
+                    </a:p>
+                  </a:txBody>
+                  <a:tcPr anchor="ctr"/>
+                </a:tc>
+                <a:tc>
+                  <a:txBody>
+                    <a:bodyPr/>
+                    <a:lstStyle/>
+                    <a:p>
+                      <a:pPr marL="0" marR="0" lvl="0" indent="0" algn="ctr" defTabSz="914400" rtl="0" eaLnBrk="1" fontAlgn="auto" latinLnBrk="1" hangingPunct="1">
+                        <a:lnSpc>
+                          <a:spcPct val="100000"/>
+                        </a:lnSpc>
+                        <a:spcBef>
+                          <a:spcPts val="0"/>
+                        </a:spcBef>
+                        <a:spcAft>
+                          <a:spcPts val="0"/>
+                        </a:spcAft>
+                        <a:buClrTx/>
+                        <a:buSzTx/>
+                        <a:buFontTx/>
+                        <a:buNone/>
+                        <a:tabLst/>
+                        <a:defRPr/>
+                      </a:pPr>
+                      <a:endParaRPr lang="ko-KR" altLang="en-US" sz="1400" dirty="0"/>
+                    </a:p>
+                  </a:txBody>
+                  <a:tcPr anchor="ctr"/>
+                </a:tc>
+                <a:tc>
+                  <a:txBody>
+                    <a:bodyPr/>
+                    <a:lstStyle/>
+                    <a:p>
+                      <a:pPr marL="0" marR="0" lvl="0" indent="0" algn="ctr" defTabSz="914400" rtl="0" eaLnBrk="1" fontAlgn="auto" latinLnBrk="1" hangingPunct="1">
+                        <a:lnSpc>
+                          <a:spcPct val="100000"/>
+                        </a:lnSpc>
+                        <a:spcBef>
+                          <a:spcPts val="0"/>
+                        </a:spcBef>
+                        <a:spcAft>
+                          <a:spcPts val="0"/>
+                        </a:spcAft>
+                        <a:buClrTx/>
+                        <a:buSzTx/>
+                        <a:buFontTx/>
+                        <a:buNone/>
+                        <a:tabLst/>
+                        <a:defRPr/>
+                      </a:pPr>
                       <a:endParaRPr lang="ko-KR" altLang="en-US" sz="1400" dirty="0"/>
                     </a:p>
                   </a:txBody>
@@ -7457,97 +7417,93 @@
                       </a:pPr>
                       <a:r>
                         <a:rPr lang="en-US" altLang="ko-KR" sz="1400" dirty="0"/>
-                        <a:t>390</a:t>
-                      </a:r>
-                      <a:endParaRPr lang="ko-KR" altLang="en-US" sz="1400" dirty="0"/>
-                    </a:p>
-                  </a:txBody>
-                  <a:tcPr anchor="ctr"/>
-                </a:tc>
-                <a:tc>
-                  <a:txBody>
-                    <a:bodyPr/>
-                    <a:lstStyle/>
-                    <a:p>
-                      <a:pPr marL="0" marR="0" lvl="0" indent="0" algn="ctr" defTabSz="914400" rtl="0" eaLnBrk="1" fontAlgn="auto" latinLnBrk="1" hangingPunct="1">
-                        <a:lnSpc>
-                          <a:spcPct val="100000"/>
-                        </a:lnSpc>
-                        <a:spcBef>
-                          <a:spcPts val="0"/>
-                        </a:spcBef>
-                        <a:spcAft>
-                          <a:spcPts val="0"/>
-                        </a:spcAft>
-                        <a:buClrTx/>
-                        <a:buSzTx/>
-                        <a:buFontTx/>
-                        <a:buNone/>
-                        <a:tabLst/>
-                        <a:defRPr/>
-                      </a:pPr>
-                      <a:r>
-                        <a:rPr lang="en-US" altLang="ko-KR" sz="1400" dirty="0"/>
-                        <a:t>X</a:t>
-                      </a:r>
-                      <a:endParaRPr lang="ko-KR" altLang="en-US" sz="1400" dirty="0"/>
-                    </a:p>
-                  </a:txBody>
-                  <a:tcPr anchor="ctr"/>
-                </a:tc>
-                <a:tc>
-                  <a:txBody>
-                    <a:bodyPr/>
-                    <a:lstStyle/>
-                    <a:p>
-                      <a:pPr marL="0" marR="0" lvl="0" indent="0" algn="ctr" defTabSz="914400" rtl="0" eaLnBrk="1" fontAlgn="auto" latinLnBrk="1" hangingPunct="1">
-                        <a:lnSpc>
-                          <a:spcPct val="100000"/>
-                        </a:lnSpc>
-                        <a:spcBef>
-                          <a:spcPts val="0"/>
-                        </a:spcBef>
-                        <a:spcAft>
-                          <a:spcPts val="0"/>
-                        </a:spcAft>
-                        <a:buClrTx/>
-                        <a:buSzTx/>
-                        <a:buFontTx/>
-                        <a:buNone/>
-                        <a:tabLst/>
-                        <a:defRPr/>
-                      </a:pPr>
-                      <a:endParaRPr lang="ko-KR" altLang="en-US" sz="1400" dirty="0"/>
-                    </a:p>
-                  </a:txBody>
-                  <a:tcPr anchor="ctr"/>
-                </a:tc>
-                <a:tc>
-                  <a:txBody>
-                    <a:bodyPr/>
-                    <a:lstStyle/>
-                    <a:p>
-                      <a:pPr marL="0" marR="0" lvl="0" indent="0" algn="ctr" defTabSz="914400" rtl="0" eaLnBrk="1" fontAlgn="auto" latinLnBrk="1" hangingPunct="1">
-                        <a:lnSpc>
-                          <a:spcPct val="100000"/>
-                        </a:lnSpc>
-                        <a:spcBef>
-                          <a:spcPts val="0"/>
-                        </a:spcBef>
-                        <a:spcAft>
-                          <a:spcPts val="0"/>
-                        </a:spcAft>
-                        <a:buClrTx/>
-                        <a:buSzTx/>
-                        <a:buFontTx/>
-                        <a:buNone/>
-                        <a:tabLst/>
-                        <a:defRPr/>
-                      </a:pPr>
-                      <a:r>
-                        <a:rPr lang="en-US" altLang="ko-KR" sz="1400" dirty="0"/>
-                        <a:t>390</a:t>
-                      </a:r>
+                        <a:t>1479</a:t>
+                      </a:r>
+                      <a:endParaRPr lang="ko-KR" altLang="en-US" sz="1400" dirty="0"/>
+                    </a:p>
+                  </a:txBody>
+                  <a:tcPr anchor="ctr"/>
+                </a:tc>
+                <a:tc>
+                  <a:txBody>
+                    <a:bodyPr/>
+                    <a:lstStyle/>
+                    <a:p>
+                      <a:pPr marL="0" marR="0" lvl="0" indent="0" algn="ctr" defTabSz="914400" rtl="0" eaLnBrk="1" fontAlgn="auto" latinLnBrk="1" hangingPunct="1">
+                        <a:lnSpc>
+                          <a:spcPct val="100000"/>
+                        </a:lnSpc>
+                        <a:spcBef>
+                          <a:spcPts val="0"/>
+                        </a:spcBef>
+                        <a:spcAft>
+                          <a:spcPts val="0"/>
+                        </a:spcAft>
+                        <a:buClrTx/>
+                        <a:buSzTx/>
+                        <a:buFontTx/>
+                        <a:buNone/>
+                        <a:tabLst/>
+                        <a:defRPr/>
+                      </a:pPr>
+                      <a:r>
+                        <a:rPr lang="en-US" altLang="ko-KR" sz="1400" dirty="0"/>
+                        <a:t>1015</a:t>
+                      </a:r>
+                      <a:endParaRPr lang="ko-KR" altLang="en-US" sz="1400" dirty="0"/>
+                    </a:p>
+                  </a:txBody>
+                  <a:tcPr anchor="ctr"/>
+                </a:tc>
+                <a:tc>
+                  <a:txBody>
+                    <a:bodyPr/>
+                    <a:lstStyle/>
+                    <a:p>
+                      <a:pPr marL="0" marR="0" lvl="0" indent="0" algn="ctr" defTabSz="914400" rtl="0" eaLnBrk="1" fontAlgn="auto" latinLnBrk="1" hangingPunct="1">
+                        <a:lnSpc>
+                          <a:spcPct val="100000"/>
+                        </a:lnSpc>
+                        <a:spcBef>
+                          <a:spcPts val="0"/>
+                        </a:spcBef>
+                        <a:spcAft>
+                          <a:spcPts val="0"/>
+                        </a:spcAft>
+                        <a:buClrTx/>
+                        <a:buSzTx/>
+                        <a:buFontTx/>
+                        <a:buNone/>
+                        <a:tabLst/>
+                        <a:defRPr/>
+                      </a:pPr>
+                      <a:endParaRPr lang="ko-KR" altLang="en-US" sz="1400" dirty="0"/>
+                    </a:p>
+                  </a:txBody>
+                  <a:tcPr anchor="ctr"/>
+                </a:tc>
+                <a:tc>
+                  <a:txBody>
+                    <a:bodyPr/>
+                    <a:lstStyle/>
+                    <a:p>
+                      <a:pPr marL="0" marR="0" lvl="0" indent="0" algn="ctr" defTabSz="914400" rtl="0" eaLnBrk="1" fontAlgn="auto" latinLnBrk="1" hangingPunct="1">
+                        <a:lnSpc>
+                          <a:spcPct val="100000"/>
+                        </a:lnSpc>
+                        <a:spcBef>
+                          <a:spcPts val="0"/>
+                        </a:spcBef>
+                        <a:spcAft>
+                          <a:spcPts val="0"/>
+                        </a:spcAft>
+                        <a:buClrTx/>
+                        <a:buSzTx/>
+                        <a:buFontTx/>
+                        <a:buNone/>
+                        <a:tabLst/>
+                        <a:defRPr/>
+                      </a:pPr>
                       <a:endParaRPr lang="ko-KR" altLang="en-US" sz="1400" dirty="0"/>
                     </a:p>
                   </a:txBody>
@@ -7599,101 +7555,93 @@
                       </a:pPr>
                       <a:r>
                         <a:rPr lang="en-US" altLang="ko-KR" sz="1400" dirty="0"/>
-                        <a:t>315</a:t>
-                      </a:r>
-                      <a:endParaRPr lang="ko-KR" altLang="en-US" sz="1400" dirty="0"/>
-                    </a:p>
-                  </a:txBody>
-                  <a:tcPr anchor="ctr"/>
-                </a:tc>
-                <a:tc>
-                  <a:txBody>
-                    <a:bodyPr/>
-                    <a:lstStyle/>
-                    <a:p>
-                      <a:pPr marL="0" marR="0" lvl="0" indent="0" algn="ctr" defTabSz="914400" rtl="0" eaLnBrk="1" fontAlgn="auto" latinLnBrk="1" hangingPunct="1">
-                        <a:lnSpc>
-                          <a:spcPct val="100000"/>
-                        </a:lnSpc>
-                        <a:spcBef>
-                          <a:spcPts val="0"/>
-                        </a:spcBef>
-                        <a:spcAft>
-                          <a:spcPts val="0"/>
-                        </a:spcAft>
-                        <a:buClrTx/>
-                        <a:buSzTx/>
-                        <a:buFontTx/>
-                        <a:buNone/>
-                        <a:tabLst/>
-                        <a:defRPr/>
-                      </a:pPr>
-                      <a:r>
-                        <a:rPr lang="en-US" altLang="ko-KR" sz="1400" dirty="0"/>
-                        <a:t>X</a:t>
-                      </a:r>
-                      <a:endParaRPr lang="ko-KR" altLang="en-US" sz="1400" dirty="0"/>
-                    </a:p>
-                  </a:txBody>
-                  <a:tcPr anchor="ctr"/>
-                </a:tc>
-                <a:tc>
-                  <a:txBody>
-                    <a:bodyPr/>
-                    <a:lstStyle/>
-                    <a:p>
-                      <a:pPr marL="0" marR="0" lvl="0" indent="0" algn="ctr" defTabSz="914400" rtl="0" eaLnBrk="1" fontAlgn="auto" latinLnBrk="1" hangingPunct="1">
-                        <a:lnSpc>
-                          <a:spcPct val="100000"/>
-                        </a:lnSpc>
-                        <a:spcBef>
-                          <a:spcPts val="0"/>
-                        </a:spcBef>
-                        <a:spcAft>
-                          <a:spcPts val="0"/>
-                        </a:spcAft>
-                        <a:buClrTx/>
-                        <a:buSzTx/>
-                        <a:buFontTx/>
-                        <a:buNone/>
-                        <a:tabLst/>
-                        <a:defRPr/>
-                      </a:pPr>
-                      <a:r>
-                        <a:rPr lang="en-US" altLang="ko-KR" sz="1400" dirty="0"/>
-                        <a:t>837</a:t>
-                      </a:r>
-                      <a:endParaRPr lang="ko-KR" altLang="en-US" sz="1400" dirty="0"/>
-                    </a:p>
-                  </a:txBody>
-                  <a:tcPr anchor="ctr"/>
-                </a:tc>
-                <a:tc>
-                  <a:txBody>
-                    <a:bodyPr/>
-                    <a:lstStyle/>
-                    <a:p>
-                      <a:pPr marL="0" marR="0" lvl="0" indent="0" algn="ctr" defTabSz="914400" rtl="0" eaLnBrk="1" fontAlgn="auto" latinLnBrk="1" hangingPunct="1">
-                        <a:lnSpc>
-                          <a:spcPct val="100000"/>
-                        </a:lnSpc>
-                        <a:spcBef>
-                          <a:spcPts val="0"/>
-                        </a:spcBef>
-                        <a:spcAft>
-                          <a:spcPts val="0"/>
-                        </a:spcAft>
-                        <a:buClrTx/>
-                        <a:buSzTx/>
-                        <a:buFontTx/>
-                        <a:buNone/>
-                        <a:tabLst/>
-                        <a:defRPr/>
-                      </a:pPr>
-                      <a:r>
-                        <a:rPr lang="en-US" altLang="ko-KR" sz="1400" dirty="0"/>
-                        <a:t>315</a:t>
-                      </a:r>
+                        <a:t>1531</a:t>
+                      </a:r>
+                      <a:endParaRPr lang="ko-KR" altLang="en-US" sz="1400" dirty="0"/>
+                    </a:p>
+                  </a:txBody>
+                  <a:tcPr anchor="ctr"/>
+                </a:tc>
+                <a:tc>
+                  <a:txBody>
+                    <a:bodyPr/>
+                    <a:lstStyle/>
+                    <a:p>
+                      <a:pPr marL="0" marR="0" lvl="0" indent="0" algn="ctr" defTabSz="914400" rtl="0" eaLnBrk="1" fontAlgn="auto" latinLnBrk="1" hangingPunct="1">
+                        <a:lnSpc>
+                          <a:spcPct val="100000"/>
+                        </a:lnSpc>
+                        <a:spcBef>
+                          <a:spcPts val="0"/>
+                        </a:spcBef>
+                        <a:spcAft>
+                          <a:spcPts val="0"/>
+                        </a:spcAft>
+                        <a:buClrTx/>
+                        <a:buSzTx/>
+                        <a:buFontTx/>
+                        <a:buNone/>
+                        <a:tabLst/>
+                        <a:defRPr/>
+                      </a:pPr>
+                      <a:r>
+                        <a:rPr lang="en-US" altLang="ko-KR" sz="1400" dirty="0"/>
+                        <a:t>1078</a:t>
+                      </a:r>
+                      <a:endParaRPr lang="ko-KR" altLang="en-US" sz="1400" dirty="0"/>
+                    </a:p>
+                  </a:txBody>
+                  <a:tcPr anchor="ctr"/>
+                </a:tc>
+                <a:tc>
+                  <a:txBody>
+                    <a:bodyPr/>
+                    <a:lstStyle/>
+                    <a:p>
+                      <a:pPr marL="0" marR="0" lvl="0" indent="0" algn="ctr" defTabSz="914400" rtl="0" eaLnBrk="1" fontAlgn="auto" latinLnBrk="1" hangingPunct="1">
+                        <a:lnSpc>
+                          <a:spcPct val="100000"/>
+                        </a:lnSpc>
+                        <a:spcBef>
+                          <a:spcPts val="0"/>
+                        </a:spcBef>
+                        <a:spcAft>
+                          <a:spcPts val="0"/>
+                        </a:spcAft>
+                        <a:buClrTx/>
+                        <a:buSzTx/>
+                        <a:buFontTx/>
+                        <a:buNone/>
+                        <a:tabLst/>
+                        <a:defRPr/>
+                      </a:pPr>
+                      <a:endParaRPr lang="ko-KR" altLang="en-US" sz="1400" dirty="0"/>
+                    </a:p>
+                  </a:txBody>
+                  <a:tcPr anchor="ctr"/>
+                </a:tc>
+                <a:tc>
+                  <a:txBody>
+                    <a:bodyPr/>
+                    <a:lstStyle/>
+                    <a:p>
+                      <a:pPr marL="0" marR="0" lvl="0" indent="0" algn="ctr" defTabSz="914400" rtl="0" eaLnBrk="1" fontAlgn="auto" latinLnBrk="1" hangingPunct="1">
+                        <a:lnSpc>
+                          <a:spcPct val="100000"/>
+                        </a:lnSpc>
+                        <a:spcBef>
+                          <a:spcPts val="0"/>
+                        </a:spcBef>
+                        <a:spcAft>
+                          <a:spcPts val="0"/>
+                        </a:spcAft>
+                        <a:buClrTx/>
+                        <a:buSzTx/>
+                        <a:buFontTx/>
+                        <a:buNone/>
+                        <a:tabLst/>
+                        <a:defRPr/>
+                      </a:pPr>
                       <a:endParaRPr lang="ko-KR" altLang="en-US" sz="1400" dirty="0"/>
                     </a:p>
                   </a:txBody>

--- a/MCP2025/새 프레젠테이션 문서.pptx
+++ b/MCP2025/새 프레젠테이션 문서.pptx
@@ -261,7 +261,7 @@
           <a:p>
             <a:fld id="{2278C4D4-34BA-41F3-BA62-1B1F2BB85AFB}" type="datetimeFigureOut">
               <a:rPr lang="ko-KR" altLang="en-US" smtClean="0"/>
-              <a:t>2025-05-13</a:t>
+              <a:t>2025-05-16</a:t>
             </a:fld>
             <a:endParaRPr lang="ko-KR" altLang="en-US"/>
           </a:p>
@@ -459,7 +459,7 @@
           <a:p>
             <a:fld id="{2278C4D4-34BA-41F3-BA62-1B1F2BB85AFB}" type="datetimeFigureOut">
               <a:rPr lang="ko-KR" altLang="en-US" smtClean="0"/>
-              <a:t>2025-05-13</a:t>
+              <a:t>2025-05-16</a:t>
             </a:fld>
             <a:endParaRPr lang="ko-KR" altLang="en-US"/>
           </a:p>
@@ -667,7 +667,7 @@
           <a:p>
             <a:fld id="{2278C4D4-34BA-41F3-BA62-1B1F2BB85AFB}" type="datetimeFigureOut">
               <a:rPr lang="ko-KR" altLang="en-US" smtClean="0"/>
-              <a:t>2025-05-13</a:t>
+              <a:t>2025-05-16</a:t>
             </a:fld>
             <a:endParaRPr lang="ko-KR" altLang="en-US"/>
           </a:p>
@@ -865,7 +865,7 @@
           <a:p>
             <a:fld id="{2278C4D4-34BA-41F3-BA62-1B1F2BB85AFB}" type="datetimeFigureOut">
               <a:rPr lang="ko-KR" altLang="en-US" smtClean="0"/>
-              <a:t>2025-05-13</a:t>
+              <a:t>2025-05-16</a:t>
             </a:fld>
             <a:endParaRPr lang="ko-KR" altLang="en-US"/>
           </a:p>
@@ -1140,7 +1140,7 @@
           <a:p>
             <a:fld id="{2278C4D4-34BA-41F3-BA62-1B1F2BB85AFB}" type="datetimeFigureOut">
               <a:rPr lang="ko-KR" altLang="en-US" smtClean="0"/>
-              <a:t>2025-05-13</a:t>
+              <a:t>2025-05-16</a:t>
             </a:fld>
             <a:endParaRPr lang="ko-KR" altLang="en-US"/>
           </a:p>
@@ -1405,7 +1405,7 @@
           <a:p>
             <a:fld id="{2278C4D4-34BA-41F3-BA62-1B1F2BB85AFB}" type="datetimeFigureOut">
               <a:rPr lang="ko-KR" altLang="en-US" smtClean="0"/>
-              <a:t>2025-05-13</a:t>
+              <a:t>2025-05-16</a:t>
             </a:fld>
             <a:endParaRPr lang="ko-KR" altLang="en-US"/>
           </a:p>
@@ -1817,7 +1817,7 @@
           <a:p>
             <a:fld id="{2278C4D4-34BA-41F3-BA62-1B1F2BB85AFB}" type="datetimeFigureOut">
               <a:rPr lang="ko-KR" altLang="en-US" smtClean="0"/>
-              <a:t>2025-05-13</a:t>
+              <a:t>2025-05-16</a:t>
             </a:fld>
             <a:endParaRPr lang="ko-KR" altLang="en-US"/>
           </a:p>
@@ -1958,7 +1958,7 @@
           <a:p>
             <a:fld id="{2278C4D4-34BA-41F3-BA62-1B1F2BB85AFB}" type="datetimeFigureOut">
               <a:rPr lang="ko-KR" altLang="en-US" smtClean="0"/>
-              <a:t>2025-05-13</a:t>
+              <a:t>2025-05-16</a:t>
             </a:fld>
             <a:endParaRPr lang="ko-KR" altLang="en-US"/>
           </a:p>
@@ -2071,7 +2071,7 @@
           <a:p>
             <a:fld id="{2278C4D4-34BA-41F3-BA62-1B1F2BB85AFB}" type="datetimeFigureOut">
               <a:rPr lang="ko-KR" altLang="en-US" smtClean="0"/>
-              <a:t>2025-05-13</a:t>
+              <a:t>2025-05-16</a:t>
             </a:fld>
             <a:endParaRPr lang="ko-KR" altLang="en-US"/>
           </a:p>
@@ -2382,7 +2382,7 @@
           <a:p>
             <a:fld id="{2278C4D4-34BA-41F3-BA62-1B1F2BB85AFB}" type="datetimeFigureOut">
               <a:rPr lang="ko-KR" altLang="en-US" smtClean="0"/>
-              <a:t>2025-05-13</a:t>
+              <a:t>2025-05-16</a:t>
             </a:fld>
             <a:endParaRPr lang="ko-KR" altLang="en-US"/>
           </a:p>
@@ -2670,7 +2670,7 @@
           <a:p>
             <a:fld id="{2278C4D4-34BA-41F3-BA62-1B1F2BB85AFB}" type="datetimeFigureOut">
               <a:rPr lang="ko-KR" altLang="en-US" smtClean="0"/>
-              <a:t>2025-05-13</a:t>
+              <a:t>2025-05-16</a:t>
             </a:fld>
             <a:endParaRPr lang="ko-KR" altLang="en-US"/>
           </a:p>
@@ -2911,7 +2911,7 @@
           <a:p>
             <a:fld id="{2278C4D4-34BA-41F3-BA62-1B1F2BB85AFB}" type="datetimeFigureOut">
               <a:rPr lang="ko-KR" altLang="en-US" smtClean="0"/>
-              <a:t>2025-05-13</a:t>
+              <a:t>2025-05-16</a:t>
             </a:fld>
             <a:endParaRPr lang="ko-KR" altLang="en-US"/>
           </a:p>
@@ -6837,7 +6837,7 @@
           <p:nvPr>
             <p:extLst>
               <p:ext uri="{D42A27DB-BD31-4B8C-83A1-F6EECF244321}">
-                <p14:modId xmlns:p14="http://schemas.microsoft.com/office/powerpoint/2010/main" val="1626884672"/>
+                <p14:modId xmlns:p14="http://schemas.microsoft.com/office/powerpoint/2010/main" val="1305363158"/>
               </p:ext>
             </p:extLst>
           </p:nvPr>
@@ -6928,7 +6928,7 @@
                       <a:pPr algn="ctr" latinLnBrk="1"/>
                       <a:r>
                         <a:rPr lang="en-US" altLang="ko-KR" sz="1400" dirty="0"/>
-                        <a:t>LF ( no delete )</a:t>
+                        <a:t>LF</a:t>
                       </a:r>
                       <a:endParaRPr lang="ko-KR" altLang="en-US" sz="1400" dirty="0"/>
                     </a:p>
@@ -6941,7 +6941,14 @@
                     <a:lstStyle/>
                     <a:p>
                       <a:pPr algn="ctr" latinLnBrk="1"/>
-                      <a:endParaRPr lang="ko-KR" altLang="en-US" sz="1400" dirty="0"/>
+                      <a:r>
+                        <a:rPr lang="en-US" altLang="ko-KR" sz="1400" dirty="0"/>
+                        <a:t>64bit ST LF</a:t>
+                      </a:r>
+                      <a:r>
+                        <a:rPr lang="ko-KR" altLang="en-US" sz="1400" dirty="0"/>
+                        <a:t> </a:t>
+                      </a:r>
                     </a:p>
                   </a:txBody>
                   <a:tcPr anchor="ctr"/>
@@ -7003,66 +7010,70 @@
                       </a:pPr>
                       <a:r>
                         <a:rPr lang="en-US" altLang="ko-KR" sz="1400" dirty="0"/>
-                        <a:t>420</a:t>
-                      </a:r>
-                      <a:endParaRPr lang="ko-KR" altLang="en-US" sz="1400" dirty="0"/>
-                    </a:p>
-                  </a:txBody>
-                  <a:tcPr anchor="ctr"/>
-                </a:tc>
-                <a:tc>
-                  <a:txBody>
-                    <a:bodyPr/>
-                    <a:lstStyle/>
-                    <a:p>
-                      <a:pPr marL="0" marR="0" lvl="0" indent="0" algn="ctr" defTabSz="914400" rtl="0" eaLnBrk="1" fontAlgn="auto" latinLnBrk="1" hangingPunct="1">
-                        <a:lnSpc>
-                          <a:spcPct val="100000"/>
-                        </a:lnSpc>
-                        <a:spcBef>
-                          <a:spcPts val="0"/>
-                        </a:spcBef>
-                        <a:spcAft>
-                          <a:spcPts val="0"/>
-                        </a:spcAft>
-                        <a:buClrTx/>
-                        <a:buSzTx/>
-                        <a:buFontTx/>
-                        <a:buNone/>
-                        <a:tabLst/>
-                        <a:defRPr/>
-                      </a:pPr>
-                      <a:r>
-                        <a:rPr lang="en-US" altLang="ko-KR" sz="1400" dirty="0"/>
-                        <a:t>306</a:t>
-                      </a:r>
-                      <a:endParaRPr lang="ko-KR" altLang="en-US" sz="1400" dirty="0"/>
-                    </a:p>
-                  </a:txBody>
-                  <a:tcPr anchor="ctr"/>
-                </a:tc>
-                <a:tc>
-                  <a:txBody>
-                    <a:bodyPr/>
-                    <a:lstStyle/>
-                    <a:p>
-                      <a:pPr marL="0" marR="0" lvl="0" indent="0" algn="ctr" defTabSz="914400" rtl="0" eaLnBrk="1" fontAlgn="auto" latinLnBrk="1" hangingPunct="1">
-                        <a:lnSpc>
-                          <a:spcPct val="100000"/>
-                        </a:lnSpc>
-                        <a:spcBef>
-                          <a:spcPts val="0"/>
-                        </a:spcBef>
-                        <a:spcAft>
-                          <a:spcPts val="0"/>
-                        </a:spcAft>
-                        <a:buClrTx/>
-                        <a:buSzTx/>
-                        <a:buFontTx/>
-                        <a:buNone/>
-                        <a:tabLst/>
-                        <a:defRPr/>
-                      </a:pPr>
+                        <a:t>484</a:t>
+                      </a:r>
+                      <a:endParaRPr lang="ko-KR" altLang="en-US" sz="1400" dirty="0"/>
+                    </a:p>
+                  </a:txBody>
+                  <a:tcPr anchor="ctr"/>
+                </a:tc>
+                <a:tc>
+                  <a:txBody>
+                    <a:bodyPr/>
+                    <a:lstStyle/>
+                    <a:p>
+                      <a:pPr marL="0" marR="0" lvl="0" indent="0" algn="ctr" defTabSz="914400" rtl="0" eaLnBrk="1" fontAlgn="auto" latinLnBrk="1" hangingPunct="1">
+                        <a:lnSpc>
+                          <a:spcPct val="100000"/>
+                        </a:lnSpc>
+                        <a:spcBef>
+                          <a:spcPts val="0"/>
+                        </a:spcBef>
+                        <a:spcAft>
+                          <a:spcPts val="0"/>
+                        </a:spcAft>
+                        <a:buClrTx/>
+                        <a:buSzTx/>
+                        <a:buFontTx/>
+                        <a:buNone/>
+                        <a:tabLst/>
+                        <a:defRPr/>
+                      </a:pPr>
+                      <a:r>
+                        <a:rPr lang="en-US" altLang="ko-KR" sz="1400" dirty="0"/>
+                        <a:t>341</a:t>
+                      </a:r>
+                      <a:endParaRPr lang="ko-KR" altLang="en-US" sz="1400" dirty="0"/>
+                    </a:p>
+                  </a:txBody>
+                  <a:tcPr anchor="ctr"/>
+                </a:tc>
+                <a:tc>
+                  <a:txBody>
+                    <a:bodyPr/>
+                    <a:lstStyle/>
+                    <a:p>
+                      <a:pPr marL="0" marR="0" lvl="0" indent="0" algn="ctr" defTabSz="914400" rtl="0" eaLnBrk="1" fontAlgn="auto" latinLnBrk="1" hangingPunct="1">
+                        <a:lnSpc>
+                          <a:spcPct val="100000"/>
+                        </a:lnSpc>
+                        <a:spcBef>
+                          <a:spcPts val="0"/>
+                        </a:spcBef>
+                        <a:spcAft>
+                          <a:spcPts val="0"/>
+                        </a:spcAft>
+                        <a:buClrTx/>
+                        <a:buSzTx/>
+                        <a:buFontTx/>
+                        <a:buNone/>
+                        <a:tabLst/>
+                        <a:defRPr/>
+                      </a:pPr>
+                      <a:r>
+                        <a:rPr lang="en-US" altLang="ko-KR" sz="1400" dirty="0"/>
+                        <a:t>284</a:t>
+                      </a:r>
                       <a:endParaRPr lang="ko-KR" altLang="en-US" sz="1400" dirty="0"/>
                     </a:p>
                   </a:txBody>
@@ -7141,66 +7152,70 @@
                       </a:pPr>
                       <a:r>
                         <a:rPr lang="en-US" altLang="ko-KR" sz="1400" dirty="0"/>
-                        <a:t>906</a:t>
-                      </a:r>
-                      <a:endParaRPr lang="ko-KR" altLang="en-US" sz="1400" dirty="0"/>
-                    </a:p>
-                  </a:txBody>
-                  <a:tcPr anchor="ctr"/>
-                </a:tc>
-                <a:tc>
-                  <a:txBody>
-                    <a:bodyPr/>
-                    <a:lstStyle/>
-                    <a:p>
-                      <a:pPr marL="0" marR="0" lvl="0" indent="0" algn="ctr" defTabSz="914400" rtl="0" eaLnBrk="1" fontAlgn="auto" latinLnBrk="1" hangingPunct="1">
-                        <a:lnSpc>
-                          <a:spcPct val="100000"/>
-                        </a:lnSpc>
-                        <a:spcBef>
-                          <a:spcPts val="0"/>
-                        </a:spcBef>
-                        <a:spcAft>
-                          <a:spcPts val="0"/>
-                        </a:spcAft>
-                        <a:buClrTx/>
-                        <a:buSzTx/>
-                        <a:buFontTx/>
-                        <a:buNone/>
-                        <a:tabLst/>
-                        <a:defRPr/>
-                      </a:pPr>
-                      <a:r>
-                        <a:rPr lang="en-US" altLang="ko-KR" sz="1400" dirty="0"/>
-                        <a:t>554</a:t>
-                      </a:r>
-                      <a:endParaRPr lang="ko-KR" altLang="en-US" sz="1400" dirty="0"/>
-                    </a:p>
-                  </a:txBody>
-                  <a:tcPr anchor="ctr"/>
-                </a:tc>
-                <a:tc>
-                  <a:txBody>
-                    <a:bodyPr/>
-                    <a:lstStyle/>
-                    <a:p>
-                      <a:pPr marL="0" marR="0" lvl="0" indent="0" algn="ctr" defTabSz="914400" rtl="0" eaLnBrk="1" fontAlgn="auto" latinLnBrk="1" hangingPunct="1">
-                        <a:lnSpc>
-                          <a:spcPct val="100000"/>
-                        </a:lnSpc>
-                        <a:spcBef>
-                          <a:spcPts val="0"/>
-                        </a:spcBef>
-                        <a:spcAft>
-                          <a:spcPts val="0"/>
-                        </a:spcAft>
-                        <a:buClrTx/>
-                        <a:buSzTx/>
-                        <a:buFontTx/>
-                        <a:buNone/>
-                        <a:tabLst/>
-                        <a:defRPr/>
-                      </a:pPr>
+                        <a:t>1031</a:t>
+                      </a:r>
+                      <a:endParaRPr lang="ko-KR" altLang="en-US" sz="1400" dirty="0"/>
+                    </a:p>
+                  </a:txBody>
+                  <a:tcPr anchor="ctr"/>
+                </a:tc>
+                <a:tc>
+                  <a:txBody>
+                    <a:bodyPr/>
+                    <a:lstStyle/>
+                    <a:p>
+                      <a:pPr marL="0" marR="0" lvl="0" indent="0" algn="ctr" defTabSz="914400" rtl="0" eaLnBrk="1" fontAlgn="auto" latinLnBrk="1" hangingPunct="1">
+                        <a:lnSpc>
+                          <a:spcPct val="100000"/>
+                        </a:lnSpc>
+                        <a:spcBef>
+                          <a:spcPts val="0"/>
+                        </a:spcBef>
+                        <a:spcAft>
+                          <a:spcPts val="0"/>
+                        </a:spcAft>
+                        <a:buClrTx/>
+                        <a:buSzTx/>
+                        <a:buFontTx/>
+                        <a:buNone/>
+                        <a:tabLst/>
+                        <a:defRPr/>
+                      </a:pPr>
+                      <a:r>
+                        <a:rPr lang="en-US" altLang="ko-KR" sz="1400" dirty="0"/>
+                        <a:t>642</a:t>
+                      </a:r>
+                      <a:endParaRPr lang="ko-KR" altLang="en-US" sz="1400" dirty="0"/>
+                    </a:p>
+                  </a:txBody>
+                  <a:tcPr anchor="ctr"/>
+                </a:tc>
+                <a:tc>
+                  <a:txBody>
+                    <a:bodyPr/>
+                    <a:lstStyle/>
+                    <a:p>
+                      <a:pPr marL="0" marR="0" lvl="0" indent="0" algn="ctr" defTabSz="914400" rtl="0" eaLnBrk="1" fontAlgn="auto" latinLnBrk="1" hangingPunct="1">
+                        <a:lnSpc>
+                          <a:spcPct val="100000"/>
+                        </a:lnSpc>
+                        <a:spcBef>
+                          <a:spcPts val="0"/>
+                        </a:spcBef>
+                        <a:spcAft>
+                          <a:spcPts val="0"/>
+                        </a:spcAft>
+                        <a:buClrTx/>
+                        <a:buSzTx/>
+                        <a:buFontTx/>
+                        <a:buNone/>
+                        <a:tabLst/>
+                        <a:defRPr/>
+                      </a:pPr>
+                      <a:r>
+                        <a:rPr lang="en-US" altLang="ko-KR" sz="1400" dirty="0"/>
+                        <a:t>497</a:t>
+                      </a:r>
                       <a:endParaRPr lang="ko-KR" altLang="en-US" sz="1400" dirty="0"/>
                     </a:p>
                   </a:txBody>
@@ -7279,66 +7294,70 @@
                       </a:pPr>
                       <a:r>
                         <a:rPr lang="en-US" altLang="ko-KR" sz="1400" dirty="0"/>
-                        <a:t>1328</a:t>
-                      </a:r>
-                      <a:endParaRPr lang="ko-KR" altLang="en-US" sz="1400" dirty="0"/>
-                    </a:p>
-                  </a:txBody>
-                  <a:tcPr anchor="ctr"/>
-                </a:tc>
-                <a:tc>
-                  <a:txBody>
-                    <a:bodyPr/>
-                    <a:lstStyle/>
-                    <a:p>
-                      <a:pPr marL="0" marR="0" lvl="0" indent="0" algn="ctr" defTabSz="914400" rtl="0" eaLnBrk="1" fontAlgn="auto" latinLnBrk="1" hangingPunct="1">
-                        <a:lnSpc>
-                          <a:spcPct val="100000"/>
-                        </a:lnSpc>
-                        <a:spcBef>
-                          <a:spcPts val="0"/>
-                        </a:spcBef>
-                        <a:spcAft>
-                          <a:spcPts val="0"/>
-                        </a:spcAft>
-                        <a:buClrTx/>
-                        <a:buSzTx/>
-                        <a:buFontTx/>
-                        <a:buNone/>
-                        <a:tabLst/>
-                        <a:defRPr/>
-                      </a:pPr>
-                      <a:r>
-                        <a:rPr lang="en-US" altLang="ko-KR" sz="1400" dirty="0"/>
-                        <a:t>823</a:t>
-                      </a:r>
-                      <a:endParaRPr lang="ko-KR" altLang="en-US" sz="1400" dirty="0"/>
-                    </a:p>
-                  </a:txBody>
-                  <a:tcPr anchor="ctr"/>
-                </a:tc>
-                <a:tc>
-                  <a:txBody>
-                    <a:bodyPr/>
-                    <a:lstStyle/>
-                    <a:p>
-                      <a:pPr marL="0" marR="0" lvl="0" indent="0" algn="ctr" defTabSz="914400" rtl="0" eaLnBrk="1" fontAlgn="auto" latinLnBrk="1" hangingPunct="1">
-                        <a:lnSpc>
-                          <a:spcPct val="100000"/>
-                        </a:lnSpc>
-                        <a:spcBef>
-                          <a:spcPts val="0"/>
-                        </a:spcBef>
-                        <a:spcAft>
-                          <a:spcPts val="0"/>
-                        </a:spcAft>
-                        <a:buClrTx/>
-                        <a:buSzTx/>
-                        <a:buFontTx/>
-                        <a:buNone/>
-                        <a:tabLst/>
-                        <a:defRPr/>
-                      </a:pPr>
+                        <a:t>1424</a:t>
+                      </a:r>
+                      <a:endParaRPr lang="ko-KR" altLang="en-US" sz="1400" dirty="0"/>
+                    </a:p>
+                  </a:txBody>
+                  <a:tcPr anchor="ctr"/>
+                </a:tc>
+                <a:tc>
+                  <a:txBody>
+                    <a:bodyPr/>
+                    <a:lstStyle/>
+                    <a:p>
+                      <a:pPr marL="0" marR="0" lvl="0" indent="0" algn="ctr" defTabSz="914400" rtl="0" eaLnBrk="1" fontAlgn="auto" latinLnBrk="1" hangingPunct="1">
+                        <a:lnSpc>
+                          <a:spcPct val="100000"/>
+                        </a:lnSpc>
+                        <a:spcBef>
+                          <a:spcPts val="0"/>
+                        </a:spcBef>
+                        <a:spcAft>
+                          <a:spcPts val="0"/>
+                        </a:spcAft>
+                        <a:buClrTx/>
+                        <a:buSzTx/>
+                        <a:buFontTx/>
+                        <a:buNone/>
+                        <a:tabLst/>
+                        <a:defRPr/>
+                      </a:pPr>
+                      <a:r>
+                        <a:rPr lang="en-US" altLang="ko-KR" sz="1400" dirty="0"/>
+                        <a:t>862</a:t>
+                      </a:r>
+                      <a:endParaRPr lang="ko-KR" altLang="en-US" sz="1400" dirty="0"/>
+                    </a:p>
+                  </a:txBody>
+                  <a:tcPr anchor="ctr"/>
+                </a:tc>
+                <a:tc>
+                  <a:txBody>
+                    <a:bodyPr/>
+                    <a:lstStyle/>
+                    <a:p>
+                      <a:pPr marL="0" marR="0" lvl="0" indent="0" algn="ctr" defTabSz="914400" rtl="0" eaLnBrk="1" fontAlgn="auto" latinLnBrk="1" hangingPunct="1">
+                        <a:lnSpc>
+                          <a:spcPct val="100000"/>
+                        </a:lnSpc>
+                        <a:spcBef>
+                          <a:spcPts val="0"/>
+                        </a:spcBef>
+                        <a:spcAft>
+                          <a:spcPts val="0"/>
+                        </a:spcAft>
+                        <a:buClrTx/>
+                        <a:buSzTx/>
+                        <a:buFontTx/>
+                        <a:buNone/>
+                        <a:tabLst/>
+                        <a:defRPr/>
+                      </a:pPr>
+                      <a:r>
+                        <a:rPr lang="en-US" altLang="ko-KR" sz="1400" dirty="0"/>
+                        <a:t>897</a:t>
+                      </a:r>
                       <a:endParaRPr lang="ko-KR" altLang="en-US" sz="1400" dirty="0"/>
                     </a:p>
                   </a:txBody>
@@ -7417,66 +7436,70 @@
                       </a:pPr>
                       <a:r>
                         <a:rPr lang="en-US" altLang="ko-KR" sz="1400" dirty="0"/>
-                        <a:t>1479</a:t>
-                      </a:r>
-                      <a:endParaRPr lang="ko-KR" altLang="en-US" sz="1400" dirty="0"/>
-                    </a:p>
-                  </a:txBody>
-                  <a:tcPr anchor="ctr"/>
-                </a:tc>
-                <a:tc>
-                  <a:txBody>
-                    <a:bodyPr/>
-                    <a:lstStyle/>
-                    <a:p>
-                      <a:pPr marL="0" marR="0" lvl="0" indent="0" algn="ctr" defTabSz="914400" rtl="0" eaLnBrk="1" fontAlgn="auto" latinLnBrk="1" hangingPunct="1">
-                        <a:lnSpc>
-                          <a:spcPct val="100000"/>
-                        </a:lnSpc>
-                        <a:spcBef>
-                          <a:spcPts val="0"/>
-                        </a:spcBef>
-                        <a:spcAft>
-                          <a:spcPts val="0"/>
-                        </a:spcAft>
-                        <a:buClrTx/>
-                        <a:buSzTx/>
-                        <a:buFontTx/>
-                        <a:buNone/>
-                        <a:tabLst/>
-                        <a:defRPr/>
-                      </a:pPr>
-                      <a:r>
-                        <a:rPr lang="en-US" altLang="ko-KR" sz="1400" dirty="0"/>
-                        <a:t>1015</a:t>
-                      </a:r>
-                      <a:endParaRPr lang="ko-KR" altLang="en-US" sz="1400" dirty="0"/>
-                    </a:p>
-                  </a:txBody>
-                  <a:tcPr anchor="ctr"/>
-                </a:tc>
-                <a:tc>
-                  <a:txBody>
-                    <a:bodyPr/>
-                    <a:lstStyle/>
-                    <a:p>
-                      <a:pPr marL="0" marR="0" lvl="0" indent="0" algn="ctr" defTabSz="914400" rtl="0" eaLnBrk="1" fontAlgn="auto" latinLnBrk="1" hangingPunct="1">
-                        <a:lnSpc>
-                          <a:spcPct val="100000"/>
-                        </a:lnSpc>
-                        <a:spcBef>
-                          <a:spcPts val="0"/>
-                        </a:spcBef>
-                        <a:spcAft>
-                          <a:spcPts val="0"/>
-                        </a:spcAft>
-                        <a:buClrTx/>
-                        <a:buSzTx/>
-                        <a:buFontTx/>
-                        <a:buNone/>
-                        <a:tabLst/>
-                        <a:defRPr/>
-                      </a:pPr>
+                        <a:t>1552</a:t>
+                      </a:r>
+                      <a:endParaRPr lang="ko-KR" altLang="en-US" sz="1400" dirty="0"/>
+                    </a:p>
+                  </a:txBody>
+                  <a:tcPr anchor="ctr"/>
+                </a:tc>
+                <a:tc>
+                  <a:txBody>
+                    <a:bodyPr/>
+                    <a:lstStyle/>
+                    <a:p>
+                      <a:pPr marL="0" marR="0" lvl="0" indent="0" algn="ctr" defTabSz="914400" rtl="0" eaLnBrk="1" fontAlgn="auto" latinLnBrk="1" hangingPunct="1">
+                        <a:lnSpc>
+                          <a:spcPct val="100000"/>
+                        </a:lnSpc>
+                        <a:spcBef>
+                          <a:spcPts val="0"/>
+                        </a:spcBef>
+                        <a:spcAft>
+                          <a:spcPts val="0"/>
+                        </a:spcAft>
+                        <a:buClrTx/>
+                        <a:buSzTx/>
+                        <a:buFontTx/>
+                        <a:buNone/>
+                        <a:tabLst/>
+                        <a:defRPr/>
+                      </a:pPr>
+                      <a:r>
+                        <a:rPr lang="en-US" altLang="ko-KR" sz="1400" dirty="0"/>
+                        <a:t>1077</a:t>
+                      </a:r>
+                      <a:endParaRPr lang="ko-KR" altLang="en-US" sz="1400" dirty="0"/>
+                    </a:p>
+                  </a:txBody>
+                  <a:tcPr anchor="ctr"/>
+                </a:tc>
+                <a:tc>
+                  <a:txBody>
+                    <a:bodyPr/>
+                    <a:lstStyle/>
+                    <a:p>
+                      <a:pPr marL="0" marR="0" lvl="0" indent="0" algn="ctr" defTabSz="914400" rtl="0" eaLnBrk="1" fontAlgn="auto" latinLnBrk="1" hangingPunct="1">
+                        <a:lnSpc>
+                          <a:spcPct val="100000"/>
+                        </a:lnSpc>
+                        <a:spcBef>
+                          <a:spcPts val="0"/>
+                        </a:spcBef>
+                        <a:spcAft>
+                          <a:spcPts val="0"/>
+                        </a:spcAft>
+                        <a:buClrTx/>
+                        <a:buSzTx/>
+                        <a:buFontTx/>
+                        <a:buNone/>
+                        <a:tabLst/>
+                        <a:defRPr/>
+                      </a:pPr>
+                      <a:r>
+                        <a:rPr lang="en-US" altLang="ko-KR" sz="1400" dirty="0"/>
+                        <a:t>1109</a:t>
+                      </a:r>
                       <a:endParaRPr lang="ko-KR" altLang="en-US" sz="1400" dirty="0"/>
                     </a:p>
                   </a:txBody>
@@ -7555,66 +7578,70 @@
                       </a:pPr>
                       <a:r>
                         <a:rPr lang="en-US" altLang="ko-KR" sz="1400" dirty="0"/>
-                        <a:t>1531</a:t>
-                      </a:r>
-                      <a:endParaRPr lang="ko-KR" altLang="en-US" sz="1400" dirty="0"/>
-                    </a:p>
-                  </a:txBody>
-                  <a:tcPr anchor="ctr"/>
-                </a:tc>
-                <a:tc>
-                  <a:txBody>
-                    <a:bodyPr/>
-                    <a:lstStyle/>
-                    <a:p>
-                      <a:pPr marL="0" marR="0" lvl="0" indent="0" algn="ctr" defTabSz="914400" rtl="0" eaLnBrk="1" fontAlgn="auto" latinLnBrk="1" hangingPunct="1">
-                        <a:lnSpc>
-                          <a:spcPct val="100000"/>
-                        </a:lnSpc>
-                        <a:spcBef>
-                          <a:spcPts val="0"/>
-                        </a:spcBef>
-                        <a:spcAft>
-                          <a:spcPts val="0"/>
-                        </a:spcAft>
-                        <a:buClrTx/>
-                        <a:buSzTx/>
-                        <a:buFontTx/>
-                        <a:buNone/>
-                        <a:tabLst/>
-                        <a:defRPr/>
-                      </a:pPr>
-                      <a:r>
-                        <a:rPr lang="en-US" altLang="ko-KR" sz="1400" dirty="0"/>
-                        <a:t>1078</a:t>
-                      </a:r>
-                      <a:endParaRPr lang="ko-KR" altLang="en-US" sz="1400" dirty="0"/>
-                    </a:p>
-                  </a:txBody>
-                  <a:tcPr anchor="ctr"/>
-                </a:tc>
-                <a:tc>
-                  <a:txBody>
-                    <a:bodyPr/>
-                    <a:lstStyle/>
-                    <a:p>
-                      <a:pPr marL="0" marR="0" lvl="0" indent="0" algn="ctr" defTabSz="914400" rtl="0" eaLnBrk="1" fontAlgn="auto" latinLnBrk="1" hangingPunct="1">
-                        <a:lnSpc>
-                          <a:spcPct val="100000"/>
-                        </a:lnSpc>
-                        <a:spcBef>
-                          <a:spcPts val="0"/>
-                        </a:spcBef>
-                        <a:spcAft>
-                          <a:spcPts val="0"/>
-                        </a:spcAft>
-                        <a:buClrTx/>
-                        <a:buSzTx/>
-                        <a:buFontTx/>
-                        <a:buNone/>
-                        <a:tabLst/>
-                        <a:defRPr/>
-                      </a:pPr>
+                        <a:t>1612</a:t>
+                      </a:r>
+                      <a:endParaRPr lang="ko-KR" altLang="en-US" sz="1400" dirty="0"/>
+                    </a:p>
+                  </a:txBody>
+                  <a:tcPr anchor="ctr"/>
+                </a:tc>
+                <a:tc>
+                  <a:txBody>
+                    <a:bodyPr/>
+                    <a:lstStyle/>
+                    <a:p>
+                      <a:pPr marL="0" marR="0" lvl="0" indent="0" algn="ctr" defTabSz="914400" rtl="0" eaLnBrk="1" fontAlgn="auto" latinLnBrk="1" hangingPunct="1">
+                        <a:lnSpc>
+                          <a:spcPct val="100000"/>
+                        </a:lnSpc>
+                        <a:spcBef>
+                          <a:spcPts val="0"/>
+                        </a:spcBef>
+                        <a:spcAft>
+                          <a:spcPts val="0"/>
+                        </a:spcAft>
+                        <a:buClrTx/>
+                        <a:buSzTx/>
+                        <a:buFontTx/>
+                        <a:buNone/>
+                        <a:tabLst/>
+                        <a:defRPr/>
+                      </a:pPr>
+                      <a:r>
+                        <a:rPr lang="en-US" altLang="ko-KR" sz="1400" dirty="0"/>
+                        <a:t>1175</a:t>
+                      </a:r>
+                      <a:endParaRPr lang="ko-KR" altLang="en-US" sz="1400" dirty="0"/>
+                    </a:p>
+                  </a:txBody>
+                  <a:tcPr anchor="ctr"/>
+                </a:tc>
+                <a:tc>
+                  <a:txBody>
+                    <a:bodyPr/>
+                    <a:lstStyle/>
+                    <a:p>
+                      <a:pPr marL="0" marR="0" lvl="0" indent="0" algn="ctr" defTabSz="914400" rtl="0" eaLnBrk="1" fontAlgn="auto" latinLnBrk="1" hangingPunct="1">
+                        <a:lnSpc>
+                          <a:spcPct val="100000"/>
+                        </a:lnSpc>
+                        <a:spcBef>
+                          <a:spcPts val="0"/>
+                        </a:spcBef>
+                        <a:spcAft>
+                          <a:spcPts val="0"/>
+                        </a:spcAft>
+                        <a:buClrTx/>
+                        <a:buSzTx/>
+                        <a:buFontTx/>
+                        <a:buNone/>
+                        <a:tabLst/>
+                        <a:defRPr/>
+                      </a:pPr>
+                      <a:r>
+                        <a:rPr lang="en-US" altLang="ko-KR" sz="1400" dirty="0"/>
+                        <a:t>1224</a:t>
+                      </a:r>
                       <a:endParaRPr lang="ko-KR" altLang="en-US" sz="1400" dirty="0"/>
                     </a:p>
                   </a:txBody>

--- a/MCP2025/새 프레젠테이션 문서.pptx
+++ b/MCP2025/새 프레젠테이션 문서.pptx
@@ -8,6 +8,7 @@
     <p:sldId id="256" r:id="rId2"/>
     <p:sldId id="258" r:id="rId3"/>
     <p:sldId id="257" r:id="rId4"/>
+    <p:sldId id="259" r:id="rId5"/>
   </p:sldIdLst>
   <p:sldSz cx="12192000" cy="6858000"/>
   <p:notesSz cx="6858000" cy="9144000"/>
@@ -261,7 +262,7 @@
           <a:p>
             <a:fld id="{2278C4D4-34BA-41F3-BA62-1B1F2BB85AFB}" type="datetimeFigureOut">
               <a:rPr lang="ko-KR" altLang="en-US" smtClean="0"/>
-              <a:t>2025-05-16</a:t>
+              <a:t>2025-05-27</a:t>
             </a:fld>
             <a:endParaRPr lang="ko-KR" altLang="en-US"/>
           </a:p>
@@ -459,7 +460,7 @@
           <a:p>
             <a:fld id="{2278C4D4-34BA-41F3-BA62-1B1F2BB85AFB}" type="datetimeFigureOut">
               <a:rPr lang="ko-KR" altLang="en-US" smtClean="0"/>
-              <a:t>2025-05-16</a:t>
+              <a:t>2025-05-27</a:t>
             </a:fld>
             <a:endParaRPr lang="ko-KR" altLang="en-US"/>
           </a:p>
@@ -667,7 +668,7 @@
           <a:p>
             <a:fld id="{2278C4D4-34BA-41F3-BA62-1B1F2BB85AFB}" type="datetimeFigureOut">
               <a:rPr lang="ko-KR" altLang="en-US" smtClean="0"/>
-              <a:t>2025-05-16</a:t>
+              <a:t>2025-05-27</a:t>
             </a:fld>
             <a:endParaRPr lang="ko-KR" altLang="en-US"/>
           </a:p>
@@ -865,7 +866,7 @@
           <a:p>
             <a:fld id="{2278C4D4-34BA-41F3-BA62-1B1F2BB85AFB}" type="datetimeFigureOut">
               <a:rPr lang="ko-KR" altLang="en-US" smtClean="0"/>
-              <a:t>2025-05-16</a:t>
+              <a:t>2025-05-27</a:t>
             </a:fld>
             <a:endParaRPr lang="ko-KR" altLang="en-US"/>
           </a:p>
@@ -1140,7 +1141,7 @@
           <a:p>
             <a:fld id="{2278C4D4-34BA-41F3-BA62-1B1F2BB85AFB}" type="datetimeFigureOut">
               <a:rPr lang="ko-KR" altLang="en-US" smtClean="0"/>
-              <a:t>2025-05-16</a:t>
+              <a:t>2025-05-27</a:t>
             </a:fld>
             <a:endParaRPr lang="ko-KR" altLang="en-US"/>
           </a:p>
@@ -1405,7 +1406,7 @@
           <a:p>
             <a:fld id="{2278C4D4-34BA-41F3-BA62-1B1F2BB85AFB}" type="datetimeFigureOut">
               <a:rPr lang="ko-KR" altLang="en-US" smtClean="0"/>
-              <a:t>2025-05-16</a:t>
+              <a:t>2025-05-27</a:t>
             </a:fld>
             <a:endParaRPr lang="ko-KR" altLang="en-US"/>
           </a:p>
@@ -1817,7 +1818,7 @@
           <a:p>
             <a:fld id="{2278C4D4-34BA-41F3-BA62-1B1F2BB85AFB}" type="datetimeFigureOut">
               <a:rPr lang="ko-KR" altLang="en-US" smtClean="0"/>
-              <a:t>2025-05-16</a:t>
+              <a:t>2025-05-27</a:t>
             </a:fld>
             <a:endParaRPr lang="ko-KR" altLang="en-US"/>
           </a:p>
@@ -1958,7 +1959,7 @@
           <a:p>
             <a:fld id="{2278C4D4-34BA-41F3-BA62-1B1F2BB85AFB}" type="datetimeFigureOut">
               <a:rPr lang="ko-KR" altLang="en-US" smtClean="0"/>
-              <a:t>2025-05-16</a:t>
+              <a:t>2025-05-27</a:t>
             </a:fld>
             <a:endParaRPr lang="ko-KR" altLang="en-US"/>
           </a:p>
@@ -2071,7 +2072,7 @@
           <a:p>
             <a:fld id="{2278C4D4-34BA-41F3-BA62-1B1F2BB85AFB}" type="datetimeFigureOut">
               <a:rPr lang="ko-KR" altLang="en-US" smtClean="0"/>
-              <a:t>2025-05-16</a:t>
+              <a:t>2025-05-27</a:t>
             </a:fld>
             <a:endParaRPr lang="ko-KR" altLang="en-US"/>
           </a:p>
@@ -2382,7 +2383,7 @@
           <a:p>
             <a:fld id="{2278C4D4-34BA-41F3-BA62-1B1F2BB85AFB}" type="datetimeFigureOut">
               <a:rPr lang="ko-KR" altLang="en-US" smtClean="0"/>
-              <a:t>2025-05-16</a:t>
+              <a:t>2025-05-27</a:t>
             </a:fld>
             <a:endParaRPr lang="ko-KR" altLang="en-US"/>
           </a:p>
@@ -2670,7 +2671,7 @@
           <a:p>
             <a:fld id="{2278C4D4-34BA-41F3-BA62-1B1F2BB85AFB}" type="datetimeFigureOut">
               <a:rPr lang="ko-KR" altLang="en-US" smtClean="0"/>
-              <a:t>2025-05-16</a:t>
+              <a:t>2025-05-27</a:t>
             </a:fld>
             <a:endParaRPr lang="ko-KR" altLang="en-US"/>
           </a:p>
@@ -2911,7 +2912,7 @@
           <a:p>
             <a:fld id="{2278C4D4-34BA-41F3-BA62-1B1F2BB85AFB}" type="datetimeFigureOut">
               <a:rPr lang="ko-KR" altLang="en-US" smtClean="0"/>
-              <a:t>2025-05-16</a:t>
+              <a:t>2025-05-27</a:t>
             </a:fld>
             <a:endParaRPr lang="ko-KR" altLang="en-US"/>
           </a:p>
@@ -6837,14 +6838,14 @@
           <p:nvPr>
             <p:extLst>
               <p:ext uri="{D42A27DB-BD31-4B8C-83A1-F6EECF244321}">
-                <p14:modId xmlns:p14="http://schemas.microsoft.com/office/powerpoint/2010/main" val="1305363158"/>
+                <p14:modId xmlns:p14="http://schemas.microsoft.com/office/powerpoint/2010/main" val="3181080693"/>
               </p:ext>
             </p:extLst>
           </p:nvPr>
         </p:nvGraphicFramePr>
         <p:xfrm>
           <a:off x="686670" y="3280963"/>
-          <a:ext cx="7108305" cy="2641086"/>
+          <a:ext cx="7108305" cy="2616917"/>
         </p:xfrm>
         <a:graphic>
           <a:graphicData uri="http://schemas.openxmlformats.org/drawingml/2006/table">
@@ -7538,7 +7539,7 @@
                   </a:ext>
                 </a:extLst>
               </a:tr>
-              <a:tr h="440181">
+              <a:tr h="416012">
                 <a:tc>
                   <a:txBody>
                     <a:bodyPr/>
@@ -7688,6 +7689,974 @@
     <p:extLst>
       <p:ext uri="{BB962C8B-B14F-4D97-AF65-F5344CB8AC3E}">
         <p14:creationId xmlns:p14="http://schemas.microsoft.com/office/powerpoint/2010/main" val="4171828954"/>
+      </p:ext>
+    </p:extLst>
+  </p:cSld>
+  <p:clrMapOvr>
+    <a:masterClrMapping/>
+  </p:clrMapOvr>
+</p:sld>
+</file>
+
+<file path=ppt/slides/slide4.xml><?xml version="1.0" encoding="utf-8"?>
+<p:sld xmlns:a="http://schemas.openxmlformats.org/drawingml/2006/main" xmlns:r="http://schemas.openxmlformats.org/officeDocument/2006/relationships" xmlns:p="http://schemas.openxmlformats.org/presentationml/2006/main">
+  <p:cSld>
+    <p:spTree>
+      <p:nvGrpSpPr>
+        <p:cNvPr id="1" name=""/>
+        <p:cNvGrpSpPr/>
+        <p:nvPr/>
+      </p:nvGrpSpPr>
+      <p:grpSpPr>
+        <a:xfrm>
+          <a:off x="0" y="0"/>
+          <a:ext cx="0" cy="0"/>
+          <a:chOff x="0" y="0"/>
+          <a:chExt cx="0" cy="0"/>
+        </a:xfrm>
+      </p:grpSpPr>
+      <p:graphicFrame>
+        <p:nvGraphicFramePr>
+          <p:cNvPr id="4" name="표 3">
+            <a:extLst>
+              <a:ext uri="{FF2B5EF4-FFF2-40B4-BE49-F238E27FC236}">
+                <a16:creationId xmlns:a16="http://schemas.microsoft.com/office/drawing/2014/main" id="{03057F0B-697A-7AFA-BC8A-7382963DD478}"/>
+              </a:ext>
+            </a:extLst>
+          </p:cNvPr>
+          <p:cNvGraphicFramePr>
+            <a:graphicFrameLocks noGrp="1"/>
+          </p:cNvGraphicFramePr>
+          <p:nvPr>
+            <p:extLst>
+              <p:ext uri="{D42A27DB-BD31-4B8C-83A1-F6EECF244321}">
+                <p14:modId xmlns:p14="http://schemas.microsoft.com/office/powerpoint/2010/main" val="1117283659"/>
+              </p:ext>
+            </p:extLst>
+          </p:nvPr>
+        </p:nvGraphicFramePr>
+        <p:xfrm>
+          <a:off x="686670" y="3280963"/>
+          <a:ext cx="7474350" cy="2641086"/>
+        </p:xfrm>
+        <a:graphic>
+          <a:graphicData uri="http://schemas.openxmlformats.org/drawingml/2006/table">
+            <a:tbl>
+              <a:tblPr firstRow="1" bandRow="1">
+                <a:tableStyleId>{5940675A-B579-460E-94D1-54222C63F5DA}</a:tableStyleId>
+              </a:tblPr>
+              <a:tblGrid>
+                <a:gridCol w="1494870">
+                  <a:extLst>
+                    <a:ext uri="{9D8B030D-6E8A-4147-A177-3AD203B41FA5}">
+                      <a16:colId xmlns:a16="http://schemas.microsoft.com/office/drawing/2014/main" val="1319673312"/>
+                    </a:ext>
+                  </a:extLst>
+                </a:gridCol>
+                <a:gridCol w="1494870">
+                  <a:extLst>
+                    <a:ext uri="{9D8B030D-6E8A-4147-A177-3AD203B41FA5}">
+                      <a16:colId xmlns:a16="http://schemas.microsoft.com/office/drawing/2014/main" val="2871862873"/>
+                    </a:ext>
+                  </a:extLst>
+                </a:gridCol>
+                <a:gridCol w="1494870">
+                  <a:extLst>
+                    <a:ext uri="{9D8B030D-6E8A-4147-A177-3AD203B41FA5}">
+                      <a16:colId xmlns:a16="http://schemas.microsoft.com/office/drawing/2014/main" val="1071272062"/>
+                    </a:ext>
+                  </a:extLst>
+                </a:gridCol>
+                <a:gridCol w="1494870">
+                  <a:extLst>
+                    <a:ext uri="{9D8B030D-6E8A-4147-A177-3AD203B41FA5}">
+                      <a16:colId xmlns:a16="http://schemas.microsoft.com/office/drawing/2014/main" val="2338732851"/>
+                    </a:ext>
+                  </a:extLst>
+                </a:gridCol>
+                <a:gridCol w="1494870">
+                  <a:extLst>
+                    <a:ext uri="{9D8B030D-6E8A-4147-A177-3AD203B41FA5}">
+                      <a16:colId xmlns:a16="http://schemas.microsoft.com/office/drawing/2014/main" val="12880792"/>
+                    </a:ext>
+                  </a:extLst>
+                </a:gridCol>
+              </a:tblGrid>
+              <a:tr h="440181">
+                <a:tc>
+                  <a:txBody>
+                    <a:bodyPr/>
+                    <a:lstStyle/>
+                    <a:p>
+                      <a:pPr algn="ctr" latinLnBrk="1"/>
+                      <a:endParaRPr lang="ko-KR" altLang="en-US" sz="1400" dirty="0"/>
+                    </a:p>
+                  </a:txBody>
+                  <a:tcPr anchor="ctr"/>
+                </a:tc>
+                <a:tc>
+                  <a:txBody>
+                    <a:bodyPr/>
+                    <a:lstStyle/>
+                    <a:p>
+                      <a:pPr algn="ctr" latinLnBrk="1"/>
+                      <a:r>
+                        <a:rPr lang="en-US" altLang="ko-KR" sz="1400" dirty="0"/>
+                        <a:t>coarse</a:t>
+                      </a:r>
+                      <a:endParaRPr lang="ko-KR" altLang="en-US" sz="1400" dirty="0"/>
+                    </a:p>
+                  </a:txBody>
+                  <a:tcPr anchor="ctr"/>
+                </a:tc>
+                <a:tc>
+                  <a:txBody>
+                    <a:bodyPr/>
+                    <a:lstStyle/>
+                    <a:p>
+                      <a:pPr algn="ctr" latinLnBrk="1"/>
+                      <a:r>
+                        <a:rPr lang="en-US" altLang="ko-KR" sz="1400" dirty="0"/>
+                        <a:t>LF</a:t>
+                      </a:r>
+                      <a:endParaRPr lang="ko-KR" altLang="en-US" sz="1400" dirty="0"/>
+                    </a:p>
+                  </a:txBody>
+                  <a:tcPr anchor="ctr"/>
+                </a:tc>
+                <a:tc>
+                  <a:txBody>
+                    <a:bodyPr/>
+                    <a:lstStyle/>
+                    <a:p>
+                      <a:pPr algn="ctr" latinLnBrk="1"/>
+                      <a:r>
+                        <a:rPr lang="en-US" altLang="ko-KR" sz="1400" dirty="0"/>
+                        <a:t>LF EL </a:t>
+                      </a:r>
+                      <a:endParaRPr lang="ko-KR" altLang="en-US" sz="1400" dirty="0"/>
+                    </a:p>
+                  </a:txBody>
+                  <a:tcPr anchor="ctr"/>
+                </a:tc>
+                <a:tc>
+                  <a:txBody>
+                    <a:bodyPr/>
+                    <a:lstStyle/>
+                    <a:p>
+                      <a:pPr algn="ctr" latinLnBrk="1"/>
+                      <a:r>
+                        <a:rPr lang="en-US" altLang="ko-KR" sz="1400" dirty="0"/>
+                        <a:t>LF EL </a:t>
+                      </a:r>
+                      <a:r>
+                        <a:rPr lang="en-US" altLang="ko-KR" sz="1400" dirty="0" err="1"/>
+                        <a:t>Succ</a:t>
+                      </a:r>
+                      <a:r>
+                        <a:rPr lang="en-US" altLang="ko-KR" sz="1400" dirty="0"/>
+                        <a:t> </a:t>
+                      </a:r>
+                      <a:r>
+                        <a:rPr lang="en-US" altLang="ko-KR" sz="1400" dirty="0" err="1"/>
+                        <a:t>Cnt</a:t>
+                      </a:r>
+                      <a:endParaRPr lang="ko-KR" altLang="en-US" sz="1400" dirty="0"/>
+                    </a:p>
+                  </a:txBody>
+                  <a:tcPr anchor="ctr"/>
+                </a:tc>
+                <a:extLst>
+                  <a:ext uri="{0D108BD9-81ED-4DB2-BD59-A6C34878D82A}">
+                    <a16:rowId xmlns:a16="http://schemas.microsoft.com/office/drawing/2014/main" val="179394230"/>
+                  </a:ext>
+                </a:extLst>
+              </a:tr>
+              <a:tr h="440181">
+                <a:tc>
+                  <a:txBody>
+                    <a:bodyPr/>
+                    <a:lstStyle/>
+                    <a:p>
+                      <a:pPr algn="ctr" latinLnBrk="1"/>
+                      <a:r>
+                        <a:rPr lang="en-US" altLang="ko-KR" sz="1400" dirty="0"/>
+                        <a:t>1</a:t>
+                      </a:r>
+                      <a:endParaRPr lang="ko-KR" altLang="en-US" sz="1400" dirty="0"/>
+                    </a:p>
+                  </a:txBody>
+                  <a:tcPr anchor="ctr"/>
+                </a:tc>
+                <a:tc>
+                  <a:txBody>
+                    <a:bodyPr/>
+                    <a:lstStyle/>
+                    <a:p>
+                      <a:pPr marL="0" marR="0" lvl="0" indent="0" algn="ctr" defTabSz="914400" rtl="0" eaLnBrk="1" fontAlgn="auto" latinLnBrk="1" hangingPunct="1">
+                        <a:lnSpc>
+                          <a:spcPct val="100000"/>
+                        </a:lnSpc>
+                        <a:spcBef>
+                          <a:spcPts val="0"/>
+                        </a:spcBef>
+                        <a:spcAft>
+                          <a:spcPts val="0"/>
+                        </a:spcAft>
+                        <a:buClrTx/>
+                        <a:buSzTx/>
+                        <a:buFontTx/>
+                        <a:buNone/>
+                        <a:tabLst/>
+                        <a:defRPr/>
+                      </a:pPr>
+                      <a:r>
+                        <a:rPr lang="en-US" altLang="ko-KR" sz="1400" dirty="0"/>
+                        <a:t>415</a:t>
+                      </a:r>
+                      <a:endParaRPr lang="ko-KR" altLang="en-US" sz="1400" dirty="0"/>
+                    </a:p>
+                  </a:txBody>
+                  <a:tcPr anchor="ctr"/>
+                </a:tc>
+                <a:tc>
+                  <a:txBody>
+                    <a:bodyPr/>
+                    <a:lstStyle/>
+                    <a:p>
+                      <a:pPr marL="0" marR="0" lvl="0" indent="0" algn="ctr" defTabSz="914400" rtl="0" eaLnBrk="1" fontAlgn="auto" latinLnBrk="1" hangingPunct="1">
+                        <a:lnSpc>
+                          <a:spcPct val="100000"/>
+                        </a:lnSpc>
+                        <a:spcBef>
+                          <a:spcPts val="0"/>
+                        </a:spcBef>
+                        <a:spcAft>
+                          <a:spcPts val="0"/>
+                        </a:spcAft>
+                        <a:buClrTx/>
+                        <a:buSzTx/>
+                        <a:buFontTx/>
+                        <a:buNone/>
+                        <a:tabLst/>
+                        <a:defRPr/>
+                      </a:pPr>
+                      <a:r>
+                        <a:rPr lang="en-US" altLang="ko-KR" sz="1400" dirty="0"/>
+                        <a:t>293</a:t>
+                      </a:r>
+                      <a:endParaRPr lang="ko-KR" altLang="en-US" sz="1400" dirty="0"/>
+                    </a:p>
+                  </a:txBody>
+                  <a:tcPr anchor="ctr"/>
+                </a:tc>
+                <a:tc>
+                  <a:txBody>
+                    <a:bodyPr/>
+                    <a:lstStyle/>
+                    <a:p>
+                      <a:pPr marL="0" marR="0" lvl="0" indent="0" algn="ctr" defTabSz="914400" rtl="0" eaLnBrk="1" fontAlgn="auto" latinLnBrk="1" hangingPunct="1">
+                        <a:lnSpc>
+                          <a:spcPct val="100000"/>
+                        </a:lnSpc>
+                        <a:spcBef>
+                          <a:spcPts val="0"/>
+                        </a:spcBef>
+                        <a:spcAft>
+                          <a:spcPts val="0"/>
+                        </a:spcAft>
+                        <a:buClrTx/>
+                        <a:buSzTx/>
+                        <a:buFontTx/>
+                        <a:buNone/>
+                        <a:tabLst/>
+                        <a:defRPr/>
+                      </a:pPr>
+                      <a:r>
+                        <a:rPr lang="en-US" altLang="ko-KR" sz="1400" dirty="0"/>
+                        <a:t>292</a:t>
+                      </a:r>
+                      <a:endParaRPr lang="ko-KR" altLang="en-US" sz="1400" dirty="0"/>
+                    </a:p>
+                  </a:txBody>
+                  <a:tcPr anchor="ctr"/>
+                </a:tc>
+                <a:tc>
+                  <a:txBody>
+                    <a:bodyPr/>
+                    <a:lstStyle/>
+                    <a:p>
+                      <a:pPr marL="0" marR="0" lvl="0" indent="0" algn="ctr" defTabSz="914400" rtl="0" eaLnBrk="1" fontAlgn="auto" latinLnBrk="1" hangingPunct="1">
+                        <a:lnSpc>
+                          <a:spcPct val="100000"/>
+                        </a:lnSpc>
+                        <a:spcBef>
+                          <a:spcPts val="0"/>
+                        </a:spcBef>
+                        <a:spcAft>
+                          <a:spcPts val="0"/>
+                        </a:spcAft>
+                        <a:buClrTx/>
+                        <a:buSzTx/>
+                        <a:buFontTx/>
+                        <a:buNone/>
+                        <a:tabLst/>
+                        <a:defRPr/>
+                      </a:pPr>
+                      <a:r>
+                        <a:rPr lang="en-US" altLang="ko-KR" sz="1400" dirty="0"/>
+                        <a:t>0</a:t>
+                      </a:r>
+                      <a:endParaRPr lang="ko-KR" altLang="en-US" sz="1400" dirty="0"/>
+                    </a:p>
+                  </a:txBody>
+                  <a:tcPr anchor="ctr"/>
+                </a:tc>
+                <a:extLst>
+                  <a:ext uri="{0D108BD9-81ED-4DB2-BD59-A6C34878D82A}">
+                    <a16:rowId xmlns:a16="http://schemas.microsoft.com/office/drawing/2014/main" val="1496120675"/>
+                  </a:ext>
+                </a:extLst>
+              </a:tr>
+              <a:tr h="440181">
+                <a:tc>
+                  <a:txBody>
+                    <a:bodyPr/>
+                    <a:lstStyle/>
+                    <a:p>
+                      <a:pPr algn="ctr" latinLnBrk="1"/>
+                      <a:r>
+                        <a:rPr lang="en-US" altLang="ko-KR" sz="1400" dirty="0"/>
+                        <a:t>2</a:t>
+                      </a:r>
+                      <a:endParaRPr lang="ko-KR" altLang="en-US" sz="1400" dirty="0"/>
+                    </a:p>
+                  </a:txBody>
+                  <a:tcPr anchor="ctr"/>
+                </a:tc>
+                <a:tc>
+                  <a:txBody>
+                    <a:bodyPr/>
+                    <a:lstStyle/>
+                    <a:p>
+                      <a:pPr marL="0" marR="0" lvl="0" indent="0" algn="ctr" defTabSz="914400" rtl="0" eaLnBrk="1" fontAlgn="auto" latinLnBrk="1" hangingPunct="1">
+                        <a:lnSpc>
+                          <a:spcPct val="100000"/>
+                        </a:lnSpc>
+                        <a:spcBef>
+                          <a:spcPts val="0"/>
+                        </a:spcBef>
+                        <a:spcAft>
+                          <a:spcPts val="0"/>
+                        </a:spcAft>
+                        <a:buClrTx/>
+                        <a:buSzTx/>
+                        <a:buFontTx/>
+                        <a:buNone/>
+                        <a:tabLst/>
+                        <a:defRPr/>
+                      </a:pPr>
+                      <a:r>
+                        <a:rPr lang="en-US" altLang="ko-KR" sz="1400" dirty="0"/>
+                        <a:t>550</a:t>
+                      </a:r>
+                      <a:endParaRPr lang="ko-KR" altLang="en-US" sz="1400" dirty="0"/>
+                    </a:p>
+                  </a:txBody>
+                  <a:tcPr anchor="ctr"/>
+                </a:tc>
+                <a:tc>
+                  <a:txBody>
+                    <a:bodyPr/>
+                    <a:lstStyle/>
+                    <a:p>
+                      <a:pPr marL="0" marR="0" lvl="0" indent="0" algn="ctr" defTabSz="914400" rtl="0" eaLnBrk="1" fontAlgn="auto" latinLnBrk="1" hangingPunct="1">
+                        <a:lnSpc>
+                          <a:spcPct val="100000"/>
+                        </a:lnSpc>
+                        <a:spcBef>
+                          <a:spcPts val="0"/>
+                        </a:spcBef>
+                        <a:spcAft>
+                          <a:spcPts val="0"/>
+                        </a:spcAft>
+                        <a:buClrTx/>
+                        <a:buSzTx/>
+                        <a:buFontTx/>
+                        <a:buNone/>
+                        <a:tabLst/>
+                        <a:defRPr/>
+                      </a:pPr>
+                      <a:r>
+                        <a:rPr lang="en-US" altLang="ko-KR" sz="1400" dirty="0"/>
+                        <a:t>265</a:t>
+                      </a:r>
+                      <a:endParaRPr lang="ko-KR" altLang="en-US" sz="1400" dirty="0"/>
+                    </a:p>
+                  </a:txBody>
+                  <a:tcPr anchor="ctr"/>
+                </a:tc>
+                <a:tc>
+                  <a:txBody>
+                    <a:bodyPr/>
+                    <a:lstStyle/>
+                    <a:p>
+                      <a:pPr marL="0" marR="0" lvl="0" indent="0" algn="ctr" defTabSz="914400" rtl="0" eaLnBrk="1" fontAlgn="auto" latinLnBrk="1" hangingPunct="1">
+                        <a:lnSpc>
+                          <a:spcPct val="100000"/>
+                        </a:lnSpc>
+                        <a:spcBef>
+                          <a:spcPts val="0"/>
+                        </a:spcBef>
+                        <a:spcAft>
+                          <a:spcPts val="0"/>
+                        </a:spcAft>
+                        <a:buClrTx/>
+                        <a:buSzTx/>
+                        <a:buFontTx/>
+                        <a:buNone/>
+                        <a:tabLst/>
+                        <a:defRPr/>
+                      </a:pPr>
+                      <a:r>
+                        <a:rPr lang="en-US" altLang="ko-KR" sz="1400" dirty="0"/>
+                        <a:t>361</a:t>
+                      </a:r>
+                      <a:endParaRPr lang="ko-KR" altLang="en-US" sz="1400" dirty="0"/>
+                    </a:p>
+                  </a:txBody>
+                  <a:tcPr anchor="ctr"/>
+                </a:tc>
+                <a:tc>
+                  <a:txBody>
+                    <a:bodyPr/>
+                    <a:lstStyle/>
+                    <a:p>
+                      <a:pPr marL="0" marR="0" lvl="0" indent="0" algn="ctr" defTabSz="914400" rtl="0" eaLnBrk="1" fontAlgn="auto" latinLnBrk="1" hangingPunct="1">
+                        <a:lnSpc>
+                          <a:spcPct val="100000"/>
+                        </a:lnSpc>
+                        <a:spcBef>
+                          <a:spcPts val="0"/>
+                        </a:spcBef>
+                        <a:spcAft>
+                          <a:spcPts val="0"/>
+                        </a:spcAft>
+                        <a:buClrTx/>
+                        <a:buSzTx/>
+                        <a:buFontTx/>
+                        <a:buNone/>
+                        <a:tabLst/>
+                        <a:defRPr/>
+                      </a:pPr>
+                      <a:r>
+                        <a:rPr lang="en-US" altLang="ko-KR" sz="1400" dirty="0"/>
+                        <a:t>0</a:t>
+                      </a:r>
+                      <a:endParaRPr lang="ko-KR" altLang="en-US" sz="1400" dirty="0"/>
+                    </a:p>
+                  </a:txBody>
+                  <a:tcPr anchor="ctr"/>
+                </a:tc>
+                <a:extLst>
+                  <a:ext uri="{0D108BD9-81ED-4DB2-BD59-A6C34878D82A}">
+                    <a16:rowId xmlns:a16="http://schemas.microsoft.com/office/drawing/2014/main" val="2893682346"/>
+                  </a:ext>
+                </a:extLst>
+              </a:tr>
+              <a:tr h="440181">
+                <a:tc>
+                  <a:txBody>
+                    <a:bodyPr/>
+                    <a:lstStyle/>
+                    <a:p>
+                      <a:pPr algn="ctr" latinLnBrk="1"/>
+                      <a:r>
+                        <a:rPr lang="en-US" altLang="ko-KR" sz="1400" dirty="0"/>
+                        <a:t>4</a:t>
+                      </a:r>
+                      <a:endParaRPr lang="ko-KR" altLang="en-US" sz="1400" dirty="0"/>
+                    </a:p>
+                  </a:txBody>
+                  <a:tcPr anchor="ctr"/>
+                </a:tc>
+                <a:tc>
+                  <a:txBody>
+                    <a:bodyPr/>
+                    <a:lstStyle/>
+                    <a:p>
+                      <a:pPr marL="0" marR="0" lvl="0" indent="0" algn="ctr" defTabSz="914400" rtl="0" eaLnBrk="1" fontAlgn="auto" latinLnBrk="1" hangingPunct="1">
+                        <a:lnSpc>
+                          <a:spcPct val="100000"/>
+                        </a:lnSpc>
+                        <a:spcBef>
+                          <a:spcPts val="0"/>
+                        </a:spcBef>
+                        <a:spcAft>
+                          <a:spcPts val="0"/>
+                        </a:spcAft>
+                        <a:buClrTx/>
+                        <a:buSzTx/>
+                        <a:buFontTx/>
+                        <a:buNone/>
+                        <a:tabLst/>
+                        <a:defRPr/>
+                      </a:pPr>
+                      <a:r>
+                        <a:rPr lang="en-US" altLang="ko-KR" sz="1400" dirty="0"/>
+                        <a:t>767</a:t>
+                      </a:r>
+                      <a:endParaRPr lang="ko-KR" altLang="en-US" sz="1400" dirty="0"/>
+                    </a:p>
+                  </a:txBody>
+                  <a:tcPr anchor="ctr"/>
+                </a:tc>
+                <a:tc>
+                  <a:txBody>
+                    <a:bodyPr/>
+                    <a:lstStyle/>
+                    <a:p>
+                      <a:pPr marL="0" marR="0" lvl="0" indent="0" algn="ctr" defTabSz="914400" rtl="0" eaLnBrk="1" fontAlgn="auto" latinLnBrk="1" hangingPunct="1">
+                        <a:lnSpc>
+                          <a:spcPct val="100000"/>
+                        </a:lnSpc>
+                        <a:spcBef>
+                          <a:spcPts val="0"/>
+                        </a:spcBef>
+                        <a:spcAft>
+                          <a:spcPts val="0"/>
+                        </a:spcAft>
+                        <a:buClrTx/>
+                        <a:buSzTx/>
+                        <a:buFontTx/>
+                        <a:buNone/>
+                        <a:tabLst/>
+                        <a:defRPr/>
+                      </a:pPr>
+                      <a:r>
+                        <a:rPr lang="en-US" altLang="ko-KR" sz="1400" dirty="0"/>
+                        <a:t>611</a:t>
+                      </a:r>
+                      <a:endParaRPr lang="ko-KR" altLang="en-US" sz="1400" dirty="0"/>
+                    </a:p>
+                  </a:txBody>
+                  <a:tcPr anchor="ctr"/>
+                </a:tc>
+                <a:tc>
+                  <a:txBody>
+                    <a:bodyPr/>
+                    <a:lstStyle/>
+                    <a:p>
+                      <a:pPr marL="0" marR="0" lvl="0" indent="0" algn="ctr" defTabSz="914400" rtl="0" eaLnBrk="1" fontAlgn="auto" latinLnBrk="1" hangingPunct="1">
+                        <a:lnSpc>
+                          <a:spcPct val="100000"/>
+                        </a:lnSpc>
+                        <a:spcBef>
+                          <a:spcPts val="0"/>
+                        </a:spcBef>
+                        <a:spcAft>
+                          <a:spcPts val="0"/>
+                        </a:spcAft>
+                        <a:buClrTx/>
+                        <a:buSzTx/>
+                        <a:buFontTx/>
+                        <a:buNone/>
+                        <a:tabLst/>
+                        <a:defRPr/>
+                      </a:pPr>
+                      <a:r>
+                        <a:rPr lang="en-US" altLang="ko-KR" sz="1400" dirty="0"/>
+                        <a:t>722</a:t>
+                      </a:r>
+                      <a:endParaRPr lang="ko-KR" altLang="en-US" sz="1400" dirty="0"/>
+                    </a:p>
+                  </a:txBody>
+                  <a:tcPr anchor="ctr"/>
+                </a:tc>
+                <a:tc>
+                  <a:txBody>
+                    <a:bodyPr/>
+                    <a:lstStyle/>
+                    <a:p>
+                      <a:pPr marL="0" marR="0" lvl="0" indent="0" algn="ctr" defTabSz="914400" rtl="0" eaLnBrk="1" fontAlgn="auto" latinLnBrk="1" hangingPunct="1">
+                        <a:lnSpc>
+                          <a:spcPct val="100000"/>
+                        </a:lnSpc>
+                        <a:spcBef>
+                          <a:spcPts val="0"/>
+                        </a:spcBef>
+                        <a:spcAft>
+                          <a:spcPts val="0"/>
+                        </a:spcAft>
+                        <a:buClrTx/>
+                        <a:buSzTx/>
+                        <a:buFontTx/>
+                        <a:buNone/>
+                        <a:tabLst/>
+                        <a:defRPr/>
+                      </a:pPr>
+                      <a:r>
+                        <a:rPr lang="en-US" altLang="ko-KR" sz="1400" dirty="0"/>
+                        <a:t>736105</a:t>
+                      </a:r>
+                      <a:endParaRPr lang="ko-KR" altLang="en-US" sz="1400" dirty="0"/>
+                    </a:p>
+                  </a:txBody>
+                  <a:tcPr anchor="ctr"/>
+                </a:tc>
+                <a:extLst>
+                  <a:ext uri="{0D108BD9-81ED-4DB2-BD59-A6C34878D82A}">
+                    <a16:rowId xmlns:a16="http://schemas.microsoft.com/office/drawing/2014/main" val="1508387431"/>
+                  </a:ext>
+                </a:extLst>
+              </a:tr>
+              <a:tr h="440181">
+                <a:tc>
+                  <a:txBody>
+                    <a:bodyPr/>
+                    <a:lstStyle/>
+                    <a:p>
+                      <a:pPr algn="ctr" latinLnBrk="1"/>
+                      <a:r>
+                        <a:rPr lang="en-US" altLang="ko-KR" sz="1400" dirty="0"/>
+                        <a:t>8</a:t>
+                      </a:r>
+                      <a:endParaRPr lang="ko-KR" altLang="en-US" sz="1400" dirty="0"/>
+                    </a:p>
+                  </a:txBody>
+                  <a:tcPr anchor="ctr"/>
+                </a:tc>
+                <a:tc>
+                  <a:txBody>
+                    <a:bodyPr/>
+                    <a:lstStyle/>
+                    <a:p>
+                      <a:pPr marL="0" marR="0" lvl="0" indent="0" algn="ctr" defTabSz="914400" rtl="0" eaLnBrk="1" fontAlgn="auto" latinLnBrk="1" hangingPunct="1">
+                        <a:lnSpc>
+                          <a:spcPct val="100000"/>
+                        </a:lnSpc>
+                        <a:spcBef>
+                          <a:spcPts val="0"/>
+                        </a:spcBef>
+                        <a:spcAft>
+                          <a:spcPts val="0"/>
+                        </a:spcAft>
+                        <a:buClrTx/>
+                        <a:buSzTx/>
+                        <a:buFontTx/>
+                        <a:buNone/>
+                        <a:tabLst/>
+                        <a:defRPr/>
+                      </a:pPr>
+                      <a:r>
+                        <a:rPr lang="en-US" altLang="ko-KR" sz="1400" dirty="0"/>
+                        <a:t>1043</a:t>
+                      </a:r>
+                      <a:endParaRPr lang="ko-KR" altLang="en-US" sz="1400" dirty="0"/>
+                    </a:p>
+                  </a:txBody>
+                  <a:tcPr anchor="ctr"/>
+                </a:tc>
+                <a:tc>
+                  <a:txBody>
+                    <a:bodyPr/>
+                    <a:lstStyle/>
+                    <a:p>
+                      <a:pPr marL="0" marR="0" lvl="0" indent="0" algn="ctr" defTabSz="914400" rtl="0" eaLnBrk="1" fontAlgn="auto" latinLnBrk="1" hangingPunct="1">
+                        <a:lnSpc>
+                          <a:spcPct val="100000"/>
+                        </a:lnSpc>
+                        <a:spcBef>
+                          <a:spcPts val="0"/>
+                        </a:spcBef>
+                        <a:spcAft>
+                          <a:spcPts val="0"/>
+                        </a:spcAft>
+                        <a:buClrTx/>
+                        <a:buSzTx/>
+                        <a:buFontTx/>
+                        <a:buNone/>
+                        <a:tabLst/>
+                        <a:defRPr/>
+                      </a:pPr>
+                      <a:r>
+                        <a:rPr lang="en-US" altLang="ko-KR" sz="1400" dirty="0"/>
+                        <a:t>1100</a:t>
+                      </a:r>
+                      <a:endParaRPr lang="ko-KR" altLang="en-US" sz="1400" dirty="0"/>
+                    </a:p>
+                  </a:txBody>
+                  <a:tcPr anchor="ctr"/>
+                </a:tc>
+                <a:tc>
+                  <a:txBody>
+                    <a:bodyPr/>
+                    <a:lstStyle/>
+                    <a:p>
+                      <a:pPr marL="0" marR="0" lvl="0" indent="0" algn="ctr" defTabSz="914400" rtl="0" eaLnBrk="1" fontAlgn="auto" latinLnBrk="1" hangingPunct="1">
+                        <a:lnSpc>
+                          <a:spcPct val="100000"/>
+                        </a:lnSpc>
+                        <a:spcBef>
+                          <a:spcPts val="0"/>
+                        </a:spcBef>
+                        <a:spcAft>
+                          <a:spcPts val="0"/>
+                        </a:spcAft>
+                        <a:buClrTx/>
+                        <a:buSzTx/>
+                        <a:buFontTx/>
+                        <a:buNone/>
+                        <a:tabLst/>
+                        <a:defRPr/>
+                      </a:pPr>
+                      <a:r>
+                        <a:rPr lang="en-US" altLang="ko-KR" sz="1400" dirty="0"/>
+                        <a:t>1082</a:t>
+                      </a:r>
+                      <a:endParaRPr lang="ko-KR" altLang="en-US" sz="1400" dirty="0"/>
+                    </a:p>
+                  </a:txBody>
+                  <a:tcPr anchor="ctr"/>
+                </a:tc>
+                <a:tc>
+                  <a:txBody>
+                    <a:bodyPr/>
+                    <a:lstStyle/>
+                    <a:p>
+                      <a:pPr marL="0" marR="0" lvl="0" indent="0" algn="ctr" defTabSz="914400" rtl="0" eaLnBrk="1" fontAlgn="auto" latinLnBrk="1" hangingPunct="1">
+                        <a:lnSpc>
+                          <a:spcPct val="100000"/>
+                        </a:lnSpc>
+                        <a:spcBef>
+                          <a:spcPts val="0"/>
+                        </a:spcBef>
+                        <a:spcAft>
+                          <a:spcPts val="0"/>
+                        </a:spcAft>
+                        <a:buClrTx/>
+                        <a:buSzTx/>
+                        <a:buFontTx/>
+                        <a:buNone/>
+                        <a:tabLst/>
+                        <a:defRPr/>
+                      </a:pPr>
+                      <a:r>
+                        <a:rPr lang="en-US" altLang="ko-KR" sz="1400" dirty="0"/>
+                        <a:t>1175571</a:t>
+                      </a:r>
+                      <a:endParaRPr lang="ko-KR" altLang="en-US" sz="1400" dirty="0"/>
+                    </a:p>
+                  </a:txBody>
+                  <a:tcPr anchor="ctr"/>
+                </a:tc>
+                <a:extLst>
+                  <a:ext uri="{0D108BD9-81ED-4DB2-BD59-A6C34878D82A}">
+                    <a16:rowId xmlns:a16="http://schemas.microsoft.com/office/drawing/2014/main" val="2529902944"/>
+                  </a:ext>
+                </a:extLst>
+              </a:tr>
+              <a:tr h="440181">
+                <a:tc>
+                  <a:txBody>
+                    <a:bodyPr/>
+                    <a:lstStyle/>
+                    <a:p>
+                      <a:pPr algn="ctr" latinLnBrk="1"/>
+                      <a:r>
+                        <a:rPr lang="en-US" altLang="ko-KR" sz="1400" dirty="0"/>
+                        <a:t>16</a:t>
+                      </a:r>
+                      <a:endParaRPr lang="ko-KR" altLang="en-US" sz="1400" dirty="0"/>
+                    </a:p>
+                  </a:txBody>
+                  <a:tcPr anchor="ctr"/>
+                </a:tc>
+                <a:tc>
+                  <a:txBody>
+                    <a:bodyPr/>
+                    <a:lstStyle/>
+                    <a:p>
+                      <a:pPr marL="0" marR="0" lvl="0" indent="0" algn="ctr" defTabSz="914400" rtl="0" eaLnBrk="1" fontAlgn="auto" latinLnBrk="1" hangingPunct="1">
+                        <a:lnSpc>
+                          <a:spcPct val="100000"/>
+                        </a:lnSpc>
+                        <a:spcBef>
+                          <a:spcPts val="0"/>
+                        </a:spcBef>
+                        <a:spcAft>
+                          <a:spcPts val="0"/>
+                        </a:spcAft>
+                        <a:buClrTx/>
+                        <a:buSzTx/>
+                        <a:buFontTx/>
+                        <a:buNone/>
+                        <a:tabLst/>
+                        <a:defRPr/>
+                      </a:pPr>
+                      <a:r>
+                        <a:rPr lang="en-US" altLang="ko-KR" sz="1400" dirty="0"/>
+                        <a:t>1169</a:t>
+                      </a:r>
+                      <a:endParaRPr lang="ko-KR" altLang="en-US" sz="1400" dirty="0"/>
+                    </a:p>
+                  </a:txBody>
+                  <a:tcPr anchor="ctr"/>
+                </a:tc>
+                <a:tc>
+                  <a:txBody>
+                    <a:bodyPr/>
+                    <a:lstStyle/>
+                    <a:p>
+                      <a:pPr marL="0" marR="0" lvl="0" indent="0" algn="ctr" defTabSz="914400" rtl="0" eaLnBrk="1" fontAlgn="auto" latinLnBrk="1" hangingPunct="1">
+                        <a:lnSpc>
+                          <a:spcPct val="100000"/>
+                        </a:lnSpc>
+                        <a:spcBef>
+                          <a:spcPts val="0"/>
+                        </a:spcBef>
+                        <a:spcAft>
+                          <a:spcPts val="0"/>
+                        </a:spcAft>
+                        <a:buClrTx/>
+                        <a:buSzTx/>
+                        <a:buFontTx/>
+                        <a:buNone/>
+                        <a:tabLst/>
+                        <a:defRPr/>
+                      </a:pPr>
+                      <a:r>
+                        <a:rPr lang="en-US" altLang="ko-KR" sz="1400" dirty="0"/>
+                        <a:t>1485</a:t>
+                      </a:r>
+                      <a:endParaRPr lang="ko-KR" altLang="en-US" sz="1400" dirty="0"/>
+                    </a:p>
+                  </a:txBody>
+                  <a:tcPr anchor="ctr"/>
+                </a:tc>
+                <a:tc>
+                  <a:txBody>
+                    <a:bodyPr/>
+                    <a:lstStyle/>
+                    <a:p>
+                      <a:pPr marL="0" marR="0" lvl="0" indent="0" algn="ctr" defTabSz="914400" rtl="0" eaLnBrk="1" fontAlgn="auto" latinLnBrk="1" hangingPunct="1">
+                        <a:lnSpc>
+                          <a:spcPct val="100000"/>
+                        </a:lnSpc>
+                        <a:spcBef>
+                          <a:spcPts val="0"/>
+                        </a:spcBef>
+                        <a:spcAft>
+                          <a:spcPts val="0"/>
+                        </a:spcAft>
+                        <a:buClrTx/>
+                        <a:buSzTx/>
+                        <a:buFontTx/>
+                        <a:buNone/>
+                        <a:tabLst/>
+                        <a:defRPr/>
+                      </a:pPr>
+                      <a:r>
+                        <a:rPr lang="en-US" altLang="ko-KR" sz="1400" dirty="0"/>
+                        <a:t>1483</a:t>
+                      </a:r>
+                      <a:endParaRPr lang="ko-KR" altLang="en-US" sz="1400" dirty="0"/>
+                    </a:p>
+                  </a:txBody>
+                  <a:tcPr anchor="ctr"/>
+                </a:tc>
+                <a:tc>
+                  <a:txBody>
+                    <a:bodyPr/>
+                    <a:lstStyle/>
+                    <a:p>
+                      <a:pPr marL="0" marR="0" lvl="0" indent="0" algn="ctr" defTabSz="914400" rtl="0" eaLnBrk="1" fontAlgn="auto" latinLnBrk="1" hangingPunct="1">
+                        <a:lnSpc>
+                          <a:spcPct val="100000"/>
+                        </a:lnSpc>
+                        <a:spcBef>
+                          <a:spcPts val="0"/>
+                        </a:spcBef>
+                        <a:spcAft>
+                          <a:spcPts val="0"/>
+                        </a:spcAft>
+                        <a:buClrTx/>
+                        <a:buSzTx/>
+                        <a:buFontTx/>
+                        <a:buNone/>
+                        <a:tabLst/>
+                        <a:defRPr/>
+                      </a:pPr>
+                      <a:r>
+                        <a:rPr lang="en-US" altLang="ko-KR" sz="1400" dirty="0"/>
+                        <a:t>1904096</a:t>
+                      </a:r>
+                      <a:endParaRPr lang="ko-KR" altLang="en-US" sz="1400" dirty="0"/>
+                    </a:p>
+                  </a:txBody>
+                  <a:tcPr anchor="ctr"/>
+                </a:tc>
+                <a:extLst>
+                  <a:ext uri="{0D108BD9-81ED-4DB2-BD59-A6C34878D82A}">
+                    <a16:rowId xmlns:a16="http://schemas.microsoft.com/office/drawing/2014/main" val="2004643796"/>
+                  </a:ext>
+                </a:extLst>
+              </a:tr>
+            </a:tbl>
+          </a:graphicData>
+        </a:graphic>
+      </p:graphicFrame>
+      <p:sp>
+        <p:nvSpPr>
+          <p:cNvPr id="5" name="TextBox 4">
+            <a:extLst>
+              <a:ext uri="{FF2B5EF4-FFF2-40B4-BE49-F238E27FC236}">
+                <a16:creationId xmlns:a16="http://schemas.microsoft.com/office/drawing/2014/main" id="{39856D83-142E-82DC-224A-52894FBCEA41}"/>
+              </a:ext>
+            </a:extLst>
+          </p:cNvPr>
+          <p:cNvSpPr txBox="1"/>
+          <p:nvPr/>
+        </p:nvSpPr>
+        <p:spPr>
+          <a:xfrm flipH="1">
+            <a:off x="774353" y="6034783"/>
+            <a:ext cx="5685907" cy="369332"/>
+          </a:xfrm>
+          <a:prstGeom prst="rect">
+            <a:avLst/>
+          </a:prstGeom>
+          <a:noFill/>
+        </p:spPr>
+        <p:txBody>
+          <a:bodyPr wrap="square" rtlCol="0">
+            <a:spAutoFit/>
+          </a:bodyPr>
+          <a:lstStyle/>
+          <a:p>
+            <a:r>
+              <a:rPr lang="en-US" altLang="ko-KR" dirty="0"/>
+              <a:t>AMD Ryzen 5 7530U / 6Core / </a:t>
+            </a:r>
+            <a:r>
+              <a:rPr lang="en-US" altLang="ko-KR" b="0" i="0" dirty="0">
+                <a:solidFill>
+                  <a:srgbClr val="262626"/>
+                </a:solidFill>
+                <a:effectLst/>
+                <a:latin typeface="Malgun Gothic" panose="020B0503020000020004" pitchFamily="50" charset="-127"/>
+                <a:ea typeface="Malgun Gothic" panose="020B0503020000020004" pitchFamily="50" charset="-127"/>
+              </a:rPr>
+              <a:t>2 GHz</a:t>
+            </a:r>
+            <a:endParaRPr lang="ko-KR" altLang="en-US" dirty="0"/>
+          </a:p>
+        </p:txBody>
+      </p:sp>
+    </p:spTree>
+    <p:extLst>
+      <p:ext uri="{BB962C8B-B14F-4D97-AF65-F5344CB8AC3E}">
+        <p14:creationId xmlns:p14="http://schemas.microsoft.com/office/powerpoint/2010/main" val="571291707"/>
       </p:ext>
     </p:extLst>
   </p:cSld>
